--- a/Document/ThuyetTrinh.pptx
+++ b/Document/ThuyetTrinh.pptx
@@ -13,13 +13,12 @@
     <p:sldId id="262" r:id="rId10"/>
     <p:sldId id="265" r:id="rId11"/>
     <p:sldId id="273" r:id="rId12"/>
-    <p:sldId id="266" r:id="rId13"/>
-    <p:sldId id="267" r:id="rId14"/>
-    <p:sldId id="268" r:id="rId15"/>
-    <p:sldId id="271" r:id="rId16"/>
-    <p:sldId id="272" r:id="rId17"/>
-    <p:sldId id="269" r:id="rId18"/>
-    <p:sldId id="260" r:id="rId19"/>
+    <p:sldId id="274" r:id="rId13"/>
+    <p:sldId id="266" r:id="rId14"/>
+    <p:sldId id="271" r:id="rId15"/>
+    <p:sldId id="272" r:id="rId16"/>
+    <p:sldId id="269" r:id="rId17"/>
+    <p:sldId id="260" r:id="rId18"/>
   </p:sldIdLst>
   <p:sldSz cx="12192000" cy="6858000"/>
   <p:notesSz cx="6858000" cy="9144000"/>
@@ -7183,7 +7182,7 @@
             <a:fld id="{B61BEF0D-F0BB-DE4B-95CE-6DB70DBA9567}" type="datetimeFigureOut">
               <a:rPr lang="en-US" smtClean="0"/>
               <a:pPr/>
-              <a:t>11/27/2019</a:t>
+              <a:t>11/29/2019</a:t>
             </a:fld>
             <a:endParaRPr lang="en-US" dirty="0"/>
           </a:p>
@@ -7447,7 +7446,7 @@
             <a:fld id="{B61BEF0D-F0BB-DE4B-95CE-6DB70DBA9567}" type="datetimeFigureOut">
               <a:rPr lang="en-US" smtClean="0"/>
               <a:pPr/>
-              <a:t>11/27/2019</a:t>
+              <a:t>11/29/2019</a:t>
             </a:fld>
             <a:endParaRPr lang="en-US" dirty="0"/>
           </a:p>
@@ -7684,7 +7683,7 @@
             <a:fld id="{B61BEF0D-F0BB-DE4B-95CE-6DB70DBA9567}" type="datetimeFigureOut">
               <a:rPr lang="en-US" smtClean="0"/>
               <a:pPr/>
-              <a:t>11/27/2019</a:t>
+              <a:t>11/29/2019</a:t>
             </a:fld>
             <a:endParaRPr lang="en-US" dirty="0"/>
           </a:p>
@@ -7926,7 +7925,7 @@
             <a:fld id="{B61BEF0D-F0BB-DE4B-95CE-6DB70DBA9567}" type="datetimeFigureOut">
               <a:rPr lang="en-US" smtClean="0"/>
               <a:pPr/>
-              <a:t>11/27/2019</a:t>
+              <a:t>11/29/2019</a:t>
             </a:fld>
             <a:endParaRPr lang="en-US" dirty="0"/>
           </a:p>
@@ -8235,7 +8234,7 @@
             <a:fld id="{B61BEF0D-F0BB-DE4B-95CE-6DB70DBA9567}" type="datetimeFigureOut">
               <a:rPr lang="en-US" smtClean="0"/>
               <a:pPr/>
-              <a:t>11/27/2019</a:t>
+              <a:t>11/29/2019</a:t>
             </a:fld>
             <a:endParaRPr lang="en-US" dirty="0"/>
           </a:p>
@@ -8539,7 +8538,7 @@
             <a:fld id="{B61BEF0D-F0BB-DE4B-95CE-6DB70DBA9567}" type="datetimeFigureOut">
               <a:rPr lang="en-US" smtClean="0"/>
               <a:pPr/>
-              <a:t>11/27/2019</a:t>
+              <a:t>11/29/2019</a:t>
             </a:fld>
             <a:endParaRPr lang="en-US" dirty="0"/>
           </a:p>
@@ -8963,7 +8962,7 @@
             <a:fld id="{B61BEF0D-F0BB-DE4B-95CE-6DB70DBA9567}" type="datetimeFigureOut">
               <a:rPr lang="en-US" smtClean="0"/>
               <a:pPr/>
-              <a:t>11/27/2019</a:t>
+              <a:t>11/29/2019</a:t>
             </a:fld>
             <a:endParaRPr lang="en-US" dirty="0"/>
           </a:p>
@@ -9060,7 +9059,7 @@
             <a:fld id="{B61BEF0D-F0BB-DE4B-95CE-6DB70DBA9567}" type="datetimeFigureOut">
               <a:rPr lang="en-US" smtClean="0"/>
               <a:pPr/>
-              <a:t>11/27/2019</a:t>
+              <a:t>11/29/2019</a:t>
             </a:fld>
             <a:endParaRPr lang="en-US" dirty="0"/>
           </a:p>
@@ -9224,7 +9223,7 @@
             <a:fld id="{B61BEF0D-F0BB-DE4B-95CE-6DB70DBA9567}" type="datetimeFigureOut">
               <a:rPr lang="en-US" smtClean="0"/>
               <a:pPr/>
-              <a:t>11/27/2019</a:t>
+              <a:t>11/29/2019</a:t>
             </a:fld>
             <a:endParaRPr lang="en-US" dirty="0"/>
           </a:p>
@@ -9604,7 +9603,7 @@
             <a:fld id="{B61BEF0D-F0BB-DE4B-95CE-6DB70DBA9567}" type="datetimeFigureOut">
               <a:rPr lang="en-US" smtClean="0"/>
               <a:pPr/>
-              <a:t>11/27/2019</a:t>
+              <a:t>11/29/2019</a:t>
             </a:fld>
             <a:endParaRPr lang="en-US" dirty="0"/>
           </a:p>
@@ -9895,7 +9894,7 @@
             <a:fld id="{B61BEF0D-F0BB-DE4B-95CE-6DB70DBA9567}" type="datetimeFigureOut">
               <a:rPr lang="en-US" smtClean="0"/>
               <a:pPr/>
-              <a:t>11/27/2019</a:t>
+              <a:t>11/29/2019</a:t>
             </a:fld>
             <a:endParaRPr lang="en-US" dirty="0"/>
           </a:p>
@@ -10108,7 +10107,7 @@
             <a:fld id="{B61BEF0D-F0BB-DE4B-95CE-6DB70DBA9567}" type="datetimeFigureOut">
               <a:rPr lang="en-US" smtClean="0"/>
               <a:pPr/>
-              <a:t>11/27/2019</a:t>
+              <a:t>11/29/2019</a:t>
             </a:fld>
             <a:endParaRPr lang="en-US" dirty="0"/>
           </a:p>
@@ -10736,7 +10735,7 @@
         </p:nvSpPr>
         <p:spPr>
           <a:xfrm>
-            <a:off x="465666" y="2390268"/>
+            <a:off x="465664" y="1707664"/>
             <a:ext cx="11260667" cy="1770063"/>
           </a:xfrm>
         </p:spPr>
@@ -10785,7 +10784,7 @@
         </p:nvSpPr>
         <p:spPr>
           <a:xfrm>
-            <a:off x="465666" y="1104797"/>
+            <a:off x="465664" y="628440"/>
             <a:ext cx="11260667" cy="904149"/>
           </a:xfrm>
           <a:prstGeom prst="rect">
@@ -10831,7 +10830,7 @@
         </p:nvSpPr>
         <p:spPr>
           <a:xfrm>
-            <a:off x="1669471" y="1389098"/>
+            <a:off x="1585581" y="803515"/>
             <a:ext cx="8853055" cy="553998"/>
           </a:xfrm>
           <a:prstGeom prst="rect">
@@ -10893,8 +10892,8 @@
         </p:nvSpPr>
         <p:spPr>
           <a:xfrm>
-            <a:off x="7848700" y="4243465"/>
-            <a:ext cx="3703320" cy="1442172"/>
+            <a:off x="7890645" y="4000183"/>
+            <a:ext cx="3703320" cy="1461049"/>
           </a:xfrm>
           <a:prstGeom prst="rect">
             <a:avLst/>
@@ -10994,10 +10993,6 @@
               <a:t> Huy         17110147</a:t>
             </a:r>
           </a:p>
-          <a:p>
-            <a:pPr algn="ctr"/>
-            <a:endParaRPr lang="en-US" dirty="0"/>
-          </a:p>
         </p:txBody>
       </p:sp>
     </p:spTree>
@@ -11035,7 +11030,7 @@
           <p:cNvPr id="2" name="Title 1">
             <a:extLst>
               <a:ext uri="{FF2B5EF4-FFF2-40B4-BE49-F238E27FC236}">
-                <a16:creationId xmlns:a16="http://schemas.microsoft.com/office/drawing/2014/main" id="{AFA05E3D-5109-445F-9D01-EE028E1E7E63}"/>
+                <a16:creationId xmlns:a16="http://schemas.microsoft.com/office/drawing/2014/main" id="{92EB90DA-8A9F-41FF-B683-95D119B299B7}"/>
               </a:ext>
             </a:extLst>
           </p:cNvPr>
@@ -11046,46 +11041,15 @@
             <p:ph type="title"/>
           </p:nvPr>
         </p:nvSpPr>
-        <p:spPr/>
-        <p:txBody>
-          <a:bodyPr/>
-          <a:lstStyle/>
-          <a:p>
-            <a:r>
-              <a:rPr lang="en-US" dirty="0">
-                <a:latin typeface="Times New Roman" panose="02020603050405020304" pitchFamily="18" charset="0"/>
-                <a:cs typeface="Times New Roman" panose="02020603050405020304" pitchFamily="18" charset="0"/>
-              </a:rPr>
-              <a:t>Hàm undo, redo</a:t>
-            </a:r>
-          </a:p>
-        </p:txBody>
-      </p:sp>
-      <p:sp>
-        <p:nvSpPr>
-          <p:cNvPr id="3" name="TextBox 2">
-            <a:extLst>
-              <a:ext uri="{FF2B5EF4-FFF2-40B4-BE49-F238E27FC236}">
-                <a16:creationId xmlns:a16="http://schemas.microsoft.com/office/drawing/2014/main" id="{89354792-A622-4BE1-9D5D-5A26A8CDCCC4}"/>
-              </a:ext>
-            </a:extLst>
-          </p:cNvPr>
-          <p:cNvSpPr txBox="1"/>
-          <p:nvPr/>
-        </p:nvSpPr>
         <p:spPr>
           <a:xfrm>
-            <a:off x="448236" y="2088776"/>
-            <a:ext cx="2384612" cy="369332"/>
+            <a:off x="575894" y="729658"/>
+            <a:ext cx="3333376" cy="988332"/>
           </a:xfrm>
-          <a:prstGeom prst="rect">
-            <a:avLst/>
-          </a:prstGeom>
-          <a:noFill/>
         </p:spPr>
         <p:txBody>
-          <a:bodyPr wrap="square" rtlCol="0">
-            <a:spAutoFit/>
+          <a:bodyPr>
+            <a:normAutofit/>
           </a:bodyPr>
           <a:lstStyle/>
           <a:p>
@@ -11094,97 +11058,17 @@
                 <a:latin typeface="Times New Roman" panose="02020603050405020304" pitchFamily="18" charset="0"/>
                 <a:cs typeface="Times New Roman" panose="02020603050405020304" pitchFamily="18" charset="0"/>
               </a:rPr>
-              <a:t>Dùng Stack để viết.</a:t>
-            </a:r>
-          </a:p>
-        </p:txBody>
-      </p:sp>
-      <p:sp>
-        <p:nvSpPr>
-          <p:cNvPr id="4" name="TextBox 3">
-            <a:extLst>
-              <a:ext uri="{FF2B5EF4-FFF2-40B4-BE49-F238E27FC236}">
-                <a16:creationId xmlns:a16="http://schemas.microsoft.com/office/drawing/2014/main" id="{2B191924-82ED-454D-9F8B-C00EE31BA1AF}"/>
-              </a:ext>
-            </a:extLst>
-          </p:cNvPr>
-          <p:cNvSpPr txBox="1"/>
-          <p:nvPr/>
-        </p:nvSpPr>
-        <p:spPr>
-          <a:xfrm>
-            <a:off x="448236" y="2505728"/>
-            <a:ext cx="2268070" cy="646331"/>
-          </a:xfrm>
-          <a:prstGeom prst="rect">
-            <a:avLst/>
-          </a:prstGeom>
-          <a:noFill/>
-        </p:spPr>
-        <p:txBody>
-          <a:bodyPr wrap="square" rtlCol="0">
-            <a:spAutoFit/>
-          </a:bodyPr>
-          <a:lstStyle/>
-          <a:p>
-            <a:r>
-              <a:rPr lang="en-US" dirty="0" err="1">
-                <a:latin typeface="Times New Roman" panose="02020603050405020304" pitchFamily="18" charset="0"/>
-                <a:cs typeface="Times New Roman" panose="02020603050405020304" pitchFamily="18" charset="0"/>
-              </a:rPr>
-              <a:t>Gồm</a:t>
-            </a:r>
-            <a:r>
-              <a:rPr lang="en-US" dirty="0">
-                <a:latin typeface="Times New Roman" panose="02020603050405020304" pitchFamily="18" charset="0"/>
-                <a:cs typeface="Times New Roman" panose="02020603050405020304" pitchFamily="18" charset="0"/>
-              </a:rPr>
-              <a:t> 2 mảng 1 chiều t</a:t>
-            </a:r>
-            <a:r>
-              <a:rPr lang="vi-VN" dirty="0">
-                <a:latin typeface="Times New Roman" panose="02020603050405020304" pitchFamily="18" charset="0"/>
-                <a:cs typeface="Times New Roman" panose="02020603050405020304" pitchFamily="18" charset="0"/>
-              </a:rPr>
-              <a:t>ư</a:t>
-            </a:r>
-            <a:r>
-              <a:rPr lang="en-US" dirty="0" err="1">
-                <a:latin typeface="Times New Roman" panose="02020603050405020304" pitchFamily="18" charset="0"/>
-                <a:cs typeface="Times New Roman" panose="02020603050405020304" pitchFamily="18" charset="0"/>
-              </a:rPr>
-              <a:t>ơng</a:t>
-            </a:r>
-            <a:r>
-              <a:rPr lang="en-US" dirty="0">
-                <a:latin typeface="Times New Roman" panose="02020603050405020304" pitchFamily="18" charset="0"/>
-                <a:cs typeface="Times New Roman" panose="02020603050405020304" pitchFamily="18" charset="0"/>
-              </a:rPr>
-              <a:t> </a:t>
-            </a:r>
-            <a:r>
-              <a:rPr lang="en-US" dirty="0" err="1">
-                <a:latin typeface="Times New Roman" panose="02020603050405020304" pitchFamily="18" charset="0"/>
-                <a:cs typeface="Times New Roman" panose="02020603050405020304" pitchFamily="18" charset="0"/>
-              </a:rPr>
-              <a:t>tác</a:t>
-            </a:r>
-            <a:r>
-              <a:rPr lang="en-US" dirty="0">
-                <a:latin typeface="Times New Roman" panose="02020603050405020304" pitchFamily="18" charset="0"/>
-                <a:cs typeface="Times New Roman" panose="02020603050405020304" pitchFamily="18" charset="0"/>
-              </a:rPr>
-              <a:t> với nhau</a:t>
+              <a:t>Thuật toán giải game sudoku</a:t>
             </a:r>
           </a:p>
         </p:txBody>
       </p:sp>
       <p:pic>
         <p:nvPicPr>
-          <p:cNvPr id="6" name="Picture 5">
+          <p:cNvPr id="11" name="Picture 10">
             <a:extLst>
               <a:ext uri="{FF2B5EF4-FFF2-40B4-BE49-F238E27FC236}">
-                <a16:creationId xmlns:a16="http://schemas.microsoft.com/office/drawing/2014/main" id="{22E36971-6A71-41AA-8587-34A23BB76CE0}"/>
+                <a16:creationId xmlns:a16="http://schemas.microsoft.com/office/drawing/2014/main" id="{2ACFADCA-6F56-4B51-83B6-82D431CF4823}"/>
               </a:ext>
             </a:extLst>
           </p:cNvPr>
@@ -11201,1197 +11085,18 @@
         </p:blipFill>
         <p:spPr>
           <a:xfrm>
-            <a:off x="1582271" y="3809343"/>
-            <a:ext cx="3267075" cy="1181100"/>
+            <a:off x="2095774" y="1946246"/>
+            <a:ext cx="7887125" cy="4731390"/>
           </a:xfrm>
           <a:prstGeom prst="rect">
             <a:avLst/>
           </a:prstGeom>
         </p:spPr>
       </p:pic>
-      <p:sp>
-        <p:nvSpPr>
-          <p:cNvPr id="9" name="TextBox 8">
-            <a:extLst>
-              <a:ext uri="{FF2B5EF4-FFF2-40B4-BE49-F238E27FC236}">
-                <a16:creationId xmlns:a16="http://schemas.microsoft.com/office/drawing/2014/main" id="{3EFF148F-0556-46CB-AB7D-AA78463AC137}"/>
-              </a:ext>
-            </a:extLst>
-          </p:cNvPr>
-          <p:cNvSpPr txBox="1"/>
-          <p:nvPr/>
-        </p:nvSpPr>
-        <p:spPr>
-          <a:xfrm>
-            <a:off x="2467255" y="5058746"/>
-            <a:ext cx="1497106" cy="369332"/>
-          </a:xfrm>
-          <a:prstGeom prst="rect">
-            <a:avLst/>
-          </a:prstGeom>
-          <a:noFill/>
-        </p:spPr>
-        <p:txBody>
-          <a:bodyPr wrap="square" rtlCol="0">
-            <a:spAutoFit/>
-          </a:bodyPr>
-          <a:lstStyle/>
-          <a:p>
-            <a:r>
-              <a:rPr lang="en-US" dirty="0">
-                <a:latin typeface="Times New Roman" panose="02020603050405020304" pitchFamily="18" charset="0"/>
-                <a:cs typeface="Times New Roman" panose="02020603050405020304" pitchFamily="18" charset="0"/>
-              </a:rPr>
-              <a:t>Tạo 1 Node</a:t>
-            </a:r>
-          </a:p>
-        </p:txBody>
-      </p:sp>
-      <p:pic>
-        <p:nvPicPr>
-          <p:cNvPr id="10" name="Picture 9">
-            <a:extLst>
-              <a:ext uri="{FF2B5EF4-FFF2-40B4-BE49-F238E27FC236}">
-                <a16:creationId xmlns:a16="http://schemas.microsoft.com/office/drawing/2014/main" id="{D4BE607C-E5DE-4D2C-BA4B-244A756E4809}"/>
-              </a:ext>
-            </a:extLst>
-          </p:cNvPr>
-          <p:cNvPicPr>
-            <a:picLocks noChangeAspect="1"/>
-          </p:cNvPicPr>
-          <p:nvPr/>
-        </p:nvPicPr>
-        <p:blipFill>
-          <a:blip r:embed="rId3"/>
-          <a:stretch>
-            <a:fillRect/>
-          </a:stretch>
-        </p:blipFill>
-        <p:spPr>
-          <a:xfrm>
-            <a:off x="3715311" y="2088776"/>
-            <a:ext cx="2388540" cy="562745"/>
-          </a:xfrm>
-          <a:prstGeom prst="rect">
-            <a:avLst/>
-          </a:prstGeom>
-        </p:spPr>
-      </p:pic>
-      <p:sp>
-        <p:nvSpPr>
-          <p:cNvPr id="11" name="TextBox 10">
-            <a:extLst>
-              <a:ext uri="{FF2B5EF4-FFF2-40B4-BE49-F238E27FC236}">
-                <a16:creationId xmlns:a16="http://schemas.microsoft.com/office/drawing/2014/main" id="{BA3F19DF-4207-4657-8C58-5C582CF7D22A}"/>
-              </a:ext>
-            </a:extLst>
-          </p:cNvPr>
-          <p:cNvSpPr txBox="1"/>
-          <p:nvPr/>
-        </p:nvSpPr>
-        <p:spPr>
-          <a:xfrm>
-            <a:off x="3899647" y="3220362"/>
-            <a:ext cx="2196353" cy="369332"/>
-          </a:xfrm>
-          <a:prstGeom prst="rect">
-            <a:avLst/>
-          </a:prstGeom>
-          <a:noFill/>
-        </p:spPr>
-        <p:txBody>
-          <a:bodyPr wrap="square" rtlCol="0">
-            <a:spAutoFit/>
-          </a:bodyPr>
-          <a:lstStyle/>
-          <a:p>
-            <a:r>
-              <a:rPr lang="en-US" dirty="0">
-                <a:latin typeface="Times New Roman" panose="02020603050405020304" pitchFamily="18" charset="0"/>
-                <a:cs typeface="Times New Roman" panose="02020603050405020304" pitchFamily="18" charset="0"/>
-              </a:rPr>
-              <a:t>Tạo 2 mảng 1 chiều</a:t>
-            </a:r>
-          </a:p>
-        </p:txBody>
-      </p:sp>
-      <p:pic>
-        <p:nvPicPr>
-          <p:cNvPr id="13" name="Picture 12">
-            <a:extLst>
-              <a:ext uri="{FF2B5EF4-FFF2-40B4-BE49-F238E27FC236}">
-                <a16:creationId xmlns:a16="http://schemas.microsoft.com/office/drawing/2014/main" id="{8FFCF4CE-E201-4971-AA54-2EB10F6B374F}"/>
-              </a:ext>
-            </a:extLst>
-          </p:cNvPr>
-          <p:cNvPicPr>
-            <a:picLocks noChangeAspect="1"/>
-          </p:cNvPicPr>
-          <p:nvPr/>
-        </p:nvPicPr>
-        <p:blipFill>
-          <a:blip r:embed="rId4"/>
-          <a:stretch>
-            <a:fillRect/>
-          </a:stretch>
-        </p:blipFill>
-        <p:spPr>
-          <a:xfrm>
-            <a:off x="6153150" y="1970959"/>
-            <a:ext cx="5859556" cy="1495425"/>
-          </a:xfrm>
-          <a:prstGeom prst="rect">
-            <a:avLst/>
-          </a:prstGeom>
-        </p:spPr>
-      </p:pic>
-      <p:pic>
-        <p:nvPicPr>
-          <p:cNvPr id="14" name="Picture 13">
-            <a:extLst>
-              <a:ext uri="{FF2B5EF4-FFF2-40B4-BE49-F238E27FC236}">
-                <a16:creationId xmlns:a16="http://schemas.microsoft.com/office/drawing/2014/main" id="{4FDA1B7C-5860-4D5F-BA59-9985DBE4288D}"/>
-              </a:ext>
-            </a:extLst>
-          </p:cNvPr>
-          <p:cNvPicPr>
-            <a:picLocks noChangeAspect="1"/>
-          </p:cNvPicPr>
-          <p:nvPr/>
-        </p:nvPicPr>
-        <p:blipFill>
-          <a:blip r:embed="rId5"/>
-          <a:stretch>
-            <a:fillRect/>
-          </a:stretch>
-        </p:blipFill>
-        <p:spPr>
-          <a:xfrm>
-            <a:off x="6391836" y="4224657"/>
-            <a:ext cx="3514725" cy="1400175"/>
-          </a:xfrm>
-          <a:prstGeom prst="rect">
-            <a:avLst/>
-          </a:prstGeom>
-        </p:spPr>
-      </p:pic>
-      <p:sp>
-        <p:nvSpPr>
-          <p:cNvPr id="15" name="TextBox 14">
-            <a:extLst>
-              <a:ext uri="{FF2B5EF4-FFF2-40B4-BE49-F238E27FC236}">
-                <a16:creationId xmlns:a16="http://schemas.microsoft.com/office/drawing/2014/main" id="{7E486AA3-E995-4186-B473-7B1802B9D891}"/>
-              </a:ext>
-            </a:extLst>
-          </p:cNvPr>
-          <p:cNvSpPr txBox="1"/>
-          <p:nvPr/>
-        </p:nvSpPr>
-        <p:spPr>
-          <a:xfrm>
-            <a:off x="7261412" y="3589694"/>
-            <a:ext cx="2976282" cy="369332"/>
-          </a:xfrm>
-          <a:prstGeom prst="rect">
-            <a:avLst/>
-          </a:prstGeom>
-          <a:noFill/>
-        </p:spPr>
-        <p:txBody>
-          <a:bodyPr wrap="square" rtlCol="0">
-            <a:spAutoFit/>
-          </a:bodyPr>
-          <a:lstStyle/>
-          <a:p>
-            <a:pPr algn="ctr"/>
-            <a:r>
-              <a:rPr lang="en-US" dirty="0">
-                <a:latin typeface="Times New Roman" panose="02020603050405020304" pitchFamily="18" charset="0"/>
-                <a:cs typeface="Times New Roman" panose="02020603050405020304" pitchFamily="18" charset="0"/>
-              </a:rPr>
-              <a:t>Hàm Undo</a:t>
-            </a:r>
-          </a:p>
-        </p:txBody>
-      </p:sp>
-      <p:sp>
-        <p:nvSpPr>
-          <p:cNvPr id="16" name="TextBox 15">
-            <a:extLst>
-              <a:ext uri="{FF2B5EF4-FFF2-40B4-BE49-F238E27FC236}">
-                <a16:creationId xmlns:a16="http://schemas.microsoft.com/office/drawing/2014/main" id="{F55D9923-FD02-494D-B90A-2C7F36F2D168}"/>
-              </a:ext>
-            </a:extLst>
-          </p:cNvPr>
-          <p:cNvSpPr txBox="1"/>
-          <p:nvPr/>
-        </p:nvSpPr>
-        <p:spPr>
-          <a:xfrm>
-            <a:off x="6920753" y="5727029"/>
-            <a:ext cx="2321859" cy="369332"/>
-          </a:xfrm>
-          <a:prstGeom prst="rect">
-            <a:avLst/>
-          </a:prstGeom>
-          <a:noFill/>
-        </p:spPr>
-        <p:txBody>
-          <a:bodyPr wrap="square" rtlCol="0">
-            <a:spAutoFit/>
-          </a:bodyPr>
-          <a:lstStyle/>
-          <a:p>
-            <a:pPr algn="ctr"/>
-            <a:r>
-              <a:rPr lang="en-US" dirty="0">
-                <a:latin typeface="Times New Roman" panose="02020603050405020304" pitchFamily="18" charset="0"/>
-                <a:cs typeface="Times New Roman" panose="02020603050405020304" pitchFamily="18" charset="0"/>
-              </a:rPr>
-              <a:t>Hàm Redo</a:t>
-            </a:r>
-          </a:p>
-        </p:txBody>
-      </p:sp>
     </p:spTree>
     <p:extLst>
       <p:ext uri="{BB962C8B-B14F-4D97-AF65-F5344CB8AC3E}">
-        <p14:creationId xmlns:p14="http://schemas.microsoft.com/office/powerpoint/2010/main" val="3765722649"/>
-      </p:ext>
-    </p:extLst>
-  </p:cSld>
-  <p:clrMapOvr>
-    <a:masterClrMapping/>
-  </p:clrMapOvr>
-  <mc:AlternateContent xmlns:mc="http://schemas.openxmlformats.org/markup-compatibility/2006" xmlns:p15="http://schemas.microsoft.com/office/powerpoint/2012/main">
-    <mc:Choice Requires="p15">
-      <p:transition xmlns:p14="http://schemas.microsoft.com/office/powerpoint/2010/main" spd="slow" p14:dur="1250">
-        <p15:prstTrans prst="peelOff"/>
-      </p:transition>
-    </mc:Choice>
-    <mc:Fallback xmlns="">
-      <p:transition spd="slow">
-        <p:fade/>
-      </p:transition>
-    </mc:Fallback>
-  </mc:AlternateContent>
-  <p:timing>
-    <p:tnLst>
-      <p:par>
-        <p:cTn id="1" dur="indefinite" restart="never" nodeType="tmRoot">
-          <p:childTnLst>
-            <p:seq concurrent="1" nextAc="seek">
-              <p:cTn id="2" dur="indefinite" nodeType="mainSeq">
-                <p:childTnLst>
-                  <p:par>
-                    <p:cTn id="3" fill="hold">
-                      <p:stCondLst>
-                        <p:cond delay="indefinite"/>
-                      </p:stCondLst>
-                      <p:childTnLst>
-                        <p:par>
-                          <p:cTn id="4" fill="hold">
-                            <p:stCondLst>
-                              <p:cond delay="0"/>
-                            </p:stCondLst>
-                            <p:childTnLst>
-                              <p:par>
-                                <p:cTn id="5" presetID="16" presetClass="entr" presetSubtype="21" fill="hold" grpId="0" nodeType="clickEffect">
-                                  <p:stCondLst>
-                                    <p:cond delay="0"/>
-                                  </p:stCondLst>
-                                  <p:childTnLst>
-                                    <p:set>
-                                      <p:cBhvr>
-                                        <p:cTn id="6" dur="1" fill="hold">
-                                          <p:stCondLst>
-                                            <p:cond delay="0"/>
-                                          </p:stCondLst>
-                                        </p:cTn>
-                                        <p:tgtEl>
-                                          <p:spTgt spid="3"/>
-                                        </p:tgtEl>
-                                        <p:attrNameLst>
-                                          <p:attrName>style.visibility</p:attrName>
-                                        </p:attrNameLst>
-                                      </p:cBhvr>
-                                      <p:to>
-                                        <p:strVal val="visible"/>
-                                      </p:to>
-                                    </p:set>
-                                    <p:animEffect transition="in" filter="barn(inVertical)">
-                                      <p:cBhvr>
-                                        <p:cTn id="7" dur="500"/>
-                                        <p:tgtEl>
-                                          <p:spTgt spid="3"/>
-                                        </p:tgtEl>
-                                      </p:cBhvr>
-                                    </p:animEffect>
-                                  </p:childTnLst>
-                                </p:cTn>
-                              </p:par>
-                              <p:par>
-                                <p:cTn id="8" presetID="16" presetClass="entr" presetSubtype="21" fill="hold" grpId="0" nodeType="withEffect">
-                                  <p:stCondLst>
-                                    <p:cond delay="0"/>
-                                  </p:stCondLst>
-                                  <p:childTnLst>
-                                    <p:set>
-                                      <p:cBhvr>
-                                        <p:cTn id="9" dur="1" fill="hold">
-                                          <p:stCondLst>
-                                            <p:cond delay="0"/>
-                                          </p:stCondLst>
-                                        </p:cTn>
-                                        <p:tgtEl>
-                                          <p:spTgt spid="4"/>
-                                        </p:tgtEl>
-                                        <p:attrNameLst>
-                                          <p:attrName>style.visibility</p:attrName>
-                                        </p:attrNameLst>
-                                      </p:cBhvr>
-                                      <p:to>
-                                        <p:strVal val="visible"/>
-                                      </p:to>
-                                    </p:set>
-                                    <p:animEffect transition="in" filter="barn(inVertical)">
-                                      <p:cBhvr>
-                                        <p:cTn id="10" dur="500"/>
-                                        <p:tgtEl>
-                                          <p:spTgt spid="4"/>
-                                        </p:tgtEl>
-                                      </p:cBhvr>
-                                    </p:animEffect>
-                                  </p:childTnLst>
-                                </p:cTn>
-                              </p:par>
-                            </p:childTnLst>
-                          </p:cTn>
-                        </p:par>
-                      </p:childTnLst>
-                    </p:cTn>
-                  </p:par>
-                  <p:par>
-                    <p:cTn id="11" fill="hold">
-                      <p:stCondLst>
-                        <p:cond delay="indefinite"/>
-                      </p:stCondLst>
-                      <p:childTnLst>
-                        <p:par>
-                          <p:cTn id="12" fill="hold">
-                            <p:stCondLst>
-                              <p:cond delay="0"/>
-                            </p:stCondLst>
-                            <p:childTnLst>
-                              <p:par>
-                                <p:cTn id="13" presetID="14" presetClass="entr" presetSubtype="10" fill="hold" nodeType="clickEffect">
-                                  <p:stCondLst>
-                                    <p:cond delay="0"/>
-                                  </p:stCondLst>
-                                  <p:childTnLst>
-                                    <p:set>
-                                      <p:cBhvr>
-                                        <p:cTn id="14" dur="1" fill="hold">
-                                          <p:stCondLst>
-                                            <p:cond delay="0"/>
-                                          </p:stCondLst>
-                                        </p:cTn>
-                                        <p:tgtEl>
-                                          <p:spTgt spid="6"/>
-                                        </p:tgtEl>
-                                        <p:attrNameLst>
-                                          <p:attrName>style.visibility</p:attrName>
-                                        </p:attrNameLst>
-                                      </p:cBhvr>
-                                      <p:to>
-                                        <p:strVal val="visible"/>
-                                      </p:to>
-                                    </p:set>
-                                    <p:animEffect transition="in" filter="randombar(horizontal)">
-                                      <p:cBhvr>
-                                        <p:cTn id="15" dur="500"/>
-                                        <p:tgtEl>
-                                          <p:spTgt spid="6"/>
-                                        </p:tgtEl>
-                                      </p:cBhvr>
-                                    </p:animEffect>
-                                  </p:childTnLst>
-                                </p:cTn>
-                              </p:par>
-                              <p:par>
-                                <p:cTn id="16" presetID="14" presetClass="entr" presetSubtype="10" fill="hold" grpId="0" nodeType="withEffect">
-                                  <p:stCondLst>
-                                    <p:cond delay="0"/>
-                                  </p:stCondLst>
-                                  <p:childTnLst>
-                                    <p:set>
-                                      <p:cBhvr>
-                                        <p:cTn id="17" dur="1" fill="hold">
-                                          <p:stCondLst>
-                                            <p:cond delay="0"/>
-                                          </p:stCondLst>
-                                        </p:cTn>
-                                        <p:tgtEl>
-                                          <p:spTgt spid="9"/>
-                                        </p:tgtEl>
-                                        <p:attrNameLst>
-                                          <p:attrName>style.visibility</p:attrName>
-                                        </p:attrNameLst>
-                                      </p:cBhvr>
-                                      <p:to>
-                                        <p:strVal val="visible"/>
-                                      </p:to>
-                                    </p:set>
-                                    <p:animEffect transition="in" filter="randombar(horizontal)">
-                                      <p:cBhvr>
-                                        <p:cTn id="18" dur="500"/>
-                                        <p:tgtEl>
-                                          <p:spTgt spid="9"/>
-                                        </p:tgtEl>
-                                      </p:cBhvr>
-                                    </p:animEffect>
-                                  </p:childTnLst>
-                                </p:cTn>
-                              </p:par>
-                            </p:childTnLst>
-                          </p:cTn>
-                        </p:par>
-                      </p:childTnLst>
-                    </p:cTn>
-                  </p:par>
-                  <p:par>
-                    <p:cTn id="19" fill="hold">
-                      <p:stCondLst>
-                        <p:cond delay="indefinite"/>
-                      </p:stCondLst>
-                      <p:childTnLst>
-                        <p:par>
-                          <p:cTn id="20" fill="hold">
-                            <p:stCondLst>
-                              <p:cond delay="0"/>
-                            </p:stCondLst>
-                            <p:childTnLst>
-                              <p:par>
-                                <p:cTn id="21" presetID="16" presetClass="entr" presetSubtype="21" fill="hold" nodeType="clickEffect">
-                                  <p:stCondLst>
-                                    <p:cond delay="0"/>
-                                  </p:stCondLst>
-                                  <p:childTnLst>
-                                    <p:set>
-                                      <p:cBhvr>
-                                        <p:cTn id="22" dur="1" fill="hold">
-                                          <p:stCondLst>
-                                            <p:cond delay="0"/>
-                                          </p:stCondLst>
-                                        </p:cTn>
-                                        <p:tgtEl>
-                                          <p:spTgt spid="10"/>
-                                        </p:tgtEl>
-                                        <p:attrNameLst>
-                                          <p:attrName>style.visibility</p:attrName>
-                                        </p:attrNameLst>
-                                      </p:cBhvr>
-                                      <p:to>
-                                        <p:strVal val="visible"/>
-                                      </p:to>
-                                    </p:set>
-                                    <p:animEffect transition="in" filter="barn(inVertical)">
-                                      <p:cBhvr>
-                                        <p:cTn id="23" dur="500"/>
-                                        <p:tgtEl>
-                                          <p:spTgt spid="10"/>
-                                        </p:tgtEl>
-                                      </p:cBhvr>
-                                    </p:animEffect>
-                                  </p:childTnLst>
-                                </p:cTn>
-                              </p:par>
-                              <p:par>
-                                <p:cTn id="24" presetID="16" presetClass="entr" presetSubtype="21" fill="hold" grpId="0" nodeType="withEffect">
-                                  <p:stCondLst>
-                                    <p:cond delay="0"/>
-                                  </p:stCondLst>
-                                  <p:childTnLst>
-                                    <p:set>
-                                      <p:cBhvr>
-                                        <p:cTn id="25" dur="1" fill="hold">
-                                          <p:stCondLst>
-                                            <p:cond delay="0"/>
-                                          </p:stCondLst>
-                                        </p:cTn>
-                                        <p:tgtEl>
-                                          <p:spTgt spid="11"/>
-                                        </p:tgtEl>
-                                        <p:attrNameLst>
-                                          <p:attrName>style.visibility</p:attrName>
-                                        </p:attrNameLst>
-                                      </p:cBhvr>
-                                      <p:to>
-                                        <p:strVal val="visible"/>
-                                      </p:to>
-                                    </p:set>
-                                    <p:animEffect transition="in" filter="barn(inVertical)">
-                                      <p:cBhvr>
-                                        <p:cTn id="26" dur="500"/>
-                                        <p:tgtEl>
-                                          <p:spTgt spid="11"/>
-                                        </p:tgtEl>
-                                      </p:cBhvr>
-                                    </p:animEffect>
-                                  </p:childTnLst>
-                                </p:cTn>
-                              </p:par>
-                            </p:childTnLst>
-                          </p:cTn>
-                        </p:par>
-                      </p:childTnLst>
-                    </p:cTn>
-                  </p:par>
-                  <p:par>
-                    <p:cTn id="27" fill="hold">
-                      <p:stCondLst>
-                        <p:cond delay="indefinite"/>
-                      </p:stCondLst>
-                      <p:childTnLst>
-                        <p:par>
-                          <p:cTn id="28" fill="hold">
-                            <p:stCondLst>
-                              <p:cond delay="0"/>
-                            </p:stCondLst>
-                            <p:childTnLst>
-                              <p:par>
-                                <p:cTn id="29" presetID="21" presetClass="entr" presetSubtype="1" fill="hold" nodeType="clickEffect">
-                                  <p:stCondLst>
-                                    <p:cond delay="0"/>
-                                  </p:stCondLst>
-                                  <p:childTnLst>
-                                    <p:set>
-                                      <p:cBhvr>
-                                        <p:cTn id="30" dur="1" fill="hold">
-                                          <p:stCondLst>
-                                            <p:cond delay="0"/>
-                                          </p:stCondLst>
-                                        </p:cTn>
-                                        <p:tgtEl>
-                                          <p:spTgt spid="13"/>
-                                        </p:tgtEl>
-                                        <p:attrNameLst>
-                                          <p:attrName>style.visibility</p:attrName>
-                                        </p:attrNameLst>
-                                      </p:cBhvr>
-                                      <p:to>
-                                        <p:strVal val="visible"/>
-                                      </p:to>
-                                    </p:set>
-                                    <p:animEffect transition="in" filter="wheel(1)">
-                                      <p:cBhvr>
-                                        <p:cTn id="31" dur="2000"/>
-                                        <p:tgtEl>
-                                          <p:spTgt spid="13"/>
-                                        </p:tgtEl>
-                                      </p:cBhvr>
-                                    </p:animEffect>
-                                  </p:childTnLst>
-                                </p:cTn>
-                              </p:par>
-                              <p:par>
-                                <p:cTn id="32" presetID="21" presetClass="entr" presetSubtype="1" fill="hold" grpId="0" nodeType="withEffect">
-                                  <p:stCondLst>
-                                    <p:cond delay="0"/>
-                                  </p:stCondLst>
-                                  <p:childTnLst>
-                                    <p:set>
-                                      <p:cBhvr>
-                                        <p:cTn id="33" dur="1" fill="hold">
-                                          <p:stCondLst>
-                                            <p:cond delay="0"/>
-                                          </p:stCondLst>
-                                        </p:cTn>
-                                        <p:tgtEl>
-                                          <p:spTgt spid="15"/>
-                                        </p:tgtEl>
-                                        <p:attrNameLst>
-                                          <p:attrName>style.visibility</p:attrName>
-                                        </p:attrNameLst>
-                                      </p:cBhvr>
-                                      <p:to>
-                                        <p:strVal val="visible"/>
-                                      </p:to>
-                                    </p:set>
-                                    <p:animEffect transition="in" filter="wheel(1)">
-                                      <p:cBhvr>
-                                        <p:cTn id="34" dur="2000"/>
-                                        <p:tgtEl>
-                                          <p:spTgt spid="15"/>
-                                        </p:tgtEl>
-                                      </p:cBhvr>
-                                    </p:animEffect>
-                                  </p:childTnLst>
-                                </p:cTn>
-                              </p:par>
-                            </p:childTnLst>
-                          </p:cTn>
-                        </p:par>
-                      </p:childTnLst>
-                    </p:cTn>
-                  </p:par>
-                  <p:par>
-                    <p:cTn id="35" fill="hold">
-                      <p:stCondLst>
-                        <p:cond delay="indefinite"/>
-                      </p:stCondLst>
-                      <p:childTnLst>
-                        <p:par>
-                          <p:cTn id="36" fill="hold">
-                            <p:stCondLst>
-                              <p:cond delay="0"/>
-                            </p:stCondLst>
-                            <p:childTnLst>
-                              <p:par>
-                                <p:cTn id="37" presetID="22" presetClass="entr" presetSubtype="4" fill="hold" nodeType="clickEffect">
-                                  <p:stCondLst>
-                                    <p:cond delay="0"/>
-                                  </p:stCondLst>
-                                  <p:childTnLst>
-                                    <p:set>
-                                      <p:cBhvr>
-                                        <p:cTn id="38" dur="1" fill="hold">
-                                          <p:stCondLst>
-                                            <p:cond delay="0"/>
-                                          </p:stCondLst>
-                                        </p:cTn>
-                                        <p:tgtEl>
-                                          <p:spTgt spid="14"/>
-                                        </p:tgtEl>
-                                        <p:attrNameLst>
-                                          <p:attrName>style.visibility</p:attrName>
-                                        </p:attrNameLst>
-                                      </p:cBhvr>
-                                      <p:to>
-                                        <p:strVal val="visible"/>
-                                      </p:to>
-                                    </p:set>
-                                    <p:animEffect transition="in" filter="wipe(down)">
-                                      <p:cBhvr>
-                                        <p:cTn id="39" dur="500"/>
-                                        <p:tgtEl>
-                                          <p:spTgt spid="14"/>
-                                        </p:tgtEl>
-                                      </p:cBhvr>
-                                    </p:animEffect>
-                                  </p:childTnLst>
-                                </p:cTn>
-                              </p:par>
-                              <p:par>
-                                <p:cTn id="40" presetID="22" presetClass="entr" presetSubtype="4" fill="hold" grpId="0" nodeType="withEffect">
-                                  <p:stCondLst>
-                                    <p:cond delay="0"/>
-                                  </p:stCondLst>
-                                  <p:childTnLst>
-                                    <p:set>
-                                      <p:cBhvr>
-                                        <p:cTn id="41" dur="1" fill="hold">
-                                          <p:stCondLst>
-                                            <p:cond delay="0"/>
-                                          </p:stCondLst>
-                                        </p:cTn>
-                                        <p:tgtEl>
-                                          <p:spTgt spid="16"/>
-                                        </p:tgtEl>
-                                        <p:attrNameLst>
-                                          <p:attrName>style.visibility</p:attrName>
-                                        </p:attrNameLst>
-                                      </p:cBhvr>
-                                      <p:to>
-                                        <p:strVal val="visible"/>
-                                      </p:to>
-                                    </p:set>
-                                    <p:animEffect transition="in" filter="wipe(down)">
-                                      <p:cBhvr>
-                                        <p:cTn id="42" dur="500"/>
-                                        <p:tgtEl>
-                                          <p:spTgt spid="16"/>
-                                        </p:tgtEl>
-                                      </p:cBhvr>
-                                    </p:animEffect>
-                                  </p:childTnLst>
-                                </p:cTn>
-                              </p:par>
-                            </p:childTnLst>
-                          </p:cTn>
-                        </p:par>
-                      </p:childTnLst>
-                    </p:cTn>
-                  </p:par>
-                </p:childTnLst>
-              </p:cTn>
-              <p:prevCondLst>
-                <p:cond evt="onPrev" delay="0">
-                  <p:tgtEl>
-                    <p:sldTgt/>
-                  </p:tgtEl>
-                </p:cond>
-              </p:prevCondLst>
-              <p:nextCondLst>
-                <p:cond evt="onNext" delay="0">
-                  <p:tgtEl>
-                    <p:sldTgt/>
-                  </p:tgtEl>
-                </p:cond>
-              </p:nextCondLst>
-            </p:seq>
-          </p:childTnLst>
-        </p:cTn>
-      </p:par>
-    </p:tnLst>
-    <p:bldLst>
-      <p:bldP spid="3" grpId="0"/>
-      <p:bldP spid="4" grpId="0"/>
-      <p:bldP spid="9" grpId="0"/>
-      <p:bldP spid="11" grpId="0"/>
-      <p:bldP spid="15" grpId="0"/>
-      <p:bldP spid="16" grpId="0"/>
-    </p:bldLst>
-  </p:timing>
-</p:sld>
-</file>
-
-<file path=ppt/slides/slide11.xml><?xml version="1.0" encoding="utf-8"?>
-<p:sld xmlns:a="http://schemas.openxmlformats.org/drawingml/2006/main" xmlns:r="http://schemas.openxmlformats.org/officeDocument/2006/relationships" xmlns:p="http://schemas.openxmlformats.org/presentationml/2006/main">
-  <p:cSld>
-    <p:spTree>
-      <p:nvGrpSpPr>
-        <p:cNvPr id="1" name=""/>
-        <p:cNvGrpSpPr/>
-        <p:nvPr/>
-      </p:nvGrpSpPr>
-      <p:grpSpPr>
-        <a:xfrm>
-          <a:off x="0" y="0"/>
-          <a:ext cx="0" cy="0"/>
-          <a:chOff x="0" y="0"/>
-          <a:chExt cx="0" cy="0"/>
-        </a:xfrm>
-      </p:grpSpPr>
-      <p:sp>
-        <p:nvSpPr>
-          <p:cNvPr id="2" name="Title 1">
-            <a:extLst>
-              <a:ext uri="{FF2B5EF4-FFF2-40B4-BE49-F238E27FC236}">
-                <a16:creationId xmlns:a16="http://schemas.microsoft.com/office/drawing/2014/main" id="{18BF06BA-3929-4C34-B228-F1B74A85DA3A}"/>
-              </a:ext>
-            </a:extLst>
-          </p:cNvPr>
-          <p:cNvSpPr>
-            <a:spLocks noGrp="1"/>
-          </p:cNvSpPr>
-          <p:nvPr>
-            <p:ph type="title"/>
-          </p:nvPr>
-        </p:nvSpPr>
-        <p:spPr/>
-        <p:txBody>
-          <a:bodyPr/>
-          <a:lstStyle/>
-          <a:p>
-            <a:r>
-              <a:rPr lang="en-US" dirty="0">
-                <a:latin typeface="Times New Roman" panose="02020603050405020304" pitchFamily="18" charset="0"/>
-                <a:cs typeface="Times New Roman" panose="02020603050405020304" pitchFamily="18" charset="0"/>
-              </a:rPr>
-              <a:t>Chức năng viết </a:t>
-            </a:r>
-            <a:r>
-              <a:rPr lang="en-US" dirty="0" err="1">
-                <a:latin typeface="Times New Roman" panose="02020603050405020304" pitchFamily="18" charset="0"/>
-                <a:cs typeface="Times New Roman" panose="02020603050405020304" pitchFamily="18" charset="0"/>
-              </a:rPr>
-              <a:t>nháp</a:t>
-            </a:r>
-            <a:endParaRPr lang="en-US" dirty="0">
-              <a:latin typeface="Times New Roman" panose="02020603050405020304" pitchFamily="18" charset="0"/>
-              <a:cs typeface="Times New Roman" panose="02020603050405020304" pitchFamily="18" charset="0"/>
-            </a:endParaRPr>
-          </a:p>
-        </p:txBody>
-      </p:sp>
-      <p:sp>
-        <p:nvSpPr>
-          <p:cNvPr id="4" name="Content Placeholder 3">
-            <a:extLst>
-              <a:ext uri="{FF2B5EF4-FFF2-40B4-BE49-F238E27FC236}">
-                <a16:creationId xmlns:a16="http://schemas.microsoft.com/office/drawing/2014/main" id="{5CF8C361-BDF4-4703-A6E9-4BD836B1FCE6}"/>
-              </a:ext>
-            </a:extLst>
-          </p:cNvPr>
-          <p:cNvSpPr>
-            <a:spLocks noGrp="1"/>
-          </p:cNvSpPr>
-          <p:nvPr>
-            <p:ph idx="1"/>
-          </p:nvPr>
-        </p:nvSpPr>
-        <p:spPr>
-          <a:xfrm>
-            <a:off x="581192" y="2126708"/>
-            <a:ext cx="6662289" cy="1979128"/>
-          </a:xfrm>
-        </p:spPr>
-        <p:txBody>
-          <a:bodyPr/>
-          <a:lstStyle/>
-          <a:p>
-            <a:r>
-              <a:rPr lang="en-US" dirty="0">
-                <a:latin typeface="Times New Roman" panose="02020603050405020304" pitchFamily="18" charset="0"/>
-                <a:cs typeface="Times New Roman" panose="02020603050405020304" pitchFamily="18" charset="0"/>
-              </a:rPr>
-              <a:t>Giúp ng</a:t>
-            </a:r>
-            <a:r>
-              <a:rPr lang="vi-VN" dirty="0">
-                <a:latin typeface="Times New Roman" panose="02020603050405020304" pitchFamily="18" charset="0"/>
-                <a:cs typeface="Times New Roman" panose="02020603050405020304" pitchFamily="18" charset="0"/>
-              </a:rPr>
-              <a:t>ư</a:t>
-            </a:r>
-            <a:r>
-              <a:rPr lang="en-US" dirty="0" err="1">
-                <a:latin typeface="Times New Roman" panose="02020603050405020304" pitchFamily="18" charset="0"/>
-                <a:cs typeface="Times New Roman" panose="02020603050405020304" pitchFamily="18" charset="0"/>
-              </a:rPr>
-              <a:t>ời</a:t>
-            </a:r>
-            <a:r>
-              <a:rPr lang="en-US" dirty="0">
-                <a:latin typeface="Times New Roman" panose="02020603050405020304" pitchFamily="18" charset="0"/>
-                <a:cs typeface="Times New Roman" panose="02020603050405020304" pitchFamily="18" charset="0"/>
-              </a:rPr>
-              <a:t> </a:t>
-            </a:r>
-            <a:r>
-              <a:rPr lang="en-US" dirty="0" err="1">
-                <a:latin typeface="Times New Roman" panose="02020603050405020304" pitchFamily="18" charset="0"/>
-                <a:cs typeface="Times New Roman" panose="02020603050405020304" pitchFamily="18" charset="0"/>
-              </a:rPr>
-              <a:t>ch</a:t>
-            </a:r>
-            <a:r>
-              <a:rPr lang="vi-VN" dirty="0">
-                <a:latin typeface="Times New Roman" panose="02020603050405020304" pitchFamily="18" charset="0"/>
-                <a:cs typeface="Times New Roman" panose="02020603050405020304" pitchFamily="18" charset="0"/>
-              </a:rPr>
-              <a:t>ơ</a:t>
-            </a:r>
-            <a:r>
-              <a:rPr lang="en-US" dirty="0" err="1">
-                <a:latin typeface="Times New Roman" panose="02020603050405020304" pitchFamily="18" charset="0"/>
-                <a:cs typeface="Times New Roman" panose="02020603050405020304" pitchFamily="18" charset="0"/>
-              </a:rPr>
-              <a:t>i</a:t>
-            </a:r>
-            <a:r>
-              <a:rPr lang="en-US" dirty="0">
-                <a:latin typeface="Times New Roman" panose="02020603050405020304" pitchFamily="18" charset="0"/>
-                <a:cs typeface="Times New Roman" panose="02020603050405020304" pitchFamily="18" charset="0"/>
-              </a:rPr>
-              <a:t> </a:t>
-            </a:r>
-            <a:r>
-              <a:rPr lang="en-US" dirty="0" err="1">
-                <a:latin typeface="Times New Roman" panose="02020603050405020304" pitchFamily="18" charset="0"/>
-                <a:cs typeface="Times New Roman" panose="02020603050405020304" pitchFamily="18" charset="0"/>
-              </a:rPr>
-              <a:t>thuận</a:t>
-            </a:r>
-            <a:r>
-              <a:rPr lang="en-US" dirty="0">
-                <a:latin typeface="Times New Roman" panose="02020603050405020304" pitchFamily="18" charset="0"/>
-                <a:cs typeface="Times New Roman" panose="02020603050405020304" pitchFamily="18" charset="0"/>
-              </a:rPr>
-              <a:t> </a:t>
-            </a:r>
-            <a:r>
-              <a:rPr lang="en-US" dirty="0" err="1">
-                <a:latin typeface="Times New Roman" panose="02020603050405020304" pitchFamily="18" charset="0"/>
-                <a:cs typeface="Times New Roman" panose="02020603050405020304" pitchFamily="18" charset="0"/>
-              </a:rPr>
-              <a:t>tiện</a:t>
-            </a:r>
-            <a:r>
-              <a:rPr lang="en-US" dirty="0">
-                <a:latin typeface="Times New Roman" panose="02020603050405020304" pitchFamily="18" charset="0"/>
-                <a:cs typeface="Times New Roman" panose="02020603050405020304" pitchFamily="18" charset="0"/>
-              </a:rPr>
-              <a:t> h</a:t>
-            </a:r>
-            <a:r>
-              <a:rPr lang="vi-VN" dirty="0">
-                <a:latin typeface="Times New Roman" panose="02020603050405020304" pitchFamily="18" charset="0"/>
-                <a:cs typeface="Times New Roman" panose="02020603050405020304" pitchFamily="18" charset="0"/>
-              </a:rPr>
-              <a:t>ơ</a:t>
-            </a:r>
-            <a:r>
-              <a:rPr lang="en-US" dirty="0">
-                <a:latin typeface="Times New Roman" panose="02020603050405020304" pitchFamily="18" charset="0"/>
-                <a:cs typeface="Times New Roman" panose="02020603050405020304" pitchFamily="18" charset="0"/>
-              </a:rPr>
-              <a:t>n trong so sánh giữa các ô với nhau</a:t>
-            </a:r>
-          </a:p>
-          <a:p>
-            <a:r>
-              <a:rPr lang="en-US" dirty="0">
-                <a:latin typeface="Times New Roman" panose="02020603050405020304" pitchFamily="18" charset="0"/>
-                <a:cs typeface="Times New Roman" panose="02020603050405020304" pitchFamily="18" charset="0"/>
-              </a:rPr>
-              <a:t>Tính năng không liên quan đến Stack</a:t>
-            </a:r>
-          </a:p>
-          <a:p>
-            <a:r>
-              <a:rPr lang="en-US" dirty="0">
-                <a:latin typeface="Times New Roman" panose="02020603050405020304" pitchFamily="18" charset="0"/>
-                <a:cs typeface="Times New Roman" panose="02020603050405020304" pitchFamily="18" charset="0"/>
-              </a:rPr>
-              <a:t>Nhưng mang lại nhiều lợi </a:t>
-            </a:r>
-            <a:r>
-              <a:rPr lang="en-US" dirty="0" err="1">
-                <a:latin typeface="Times New Roman" panose="02020603050405020304" pitchFamily="18" charset="0"/>
-                <a:cs typeface="Times New Roman" panose="02020603050405020304" pitchFamily="18" charset="0"/>
-              </a:rPr>
-              <a:t>ích</a:t>
-            </a:r>
-            <a:r>
-              <a:rPr lang="en-US" dirty="0">
-                <a:latin typeface="Times New Roman" panose="02020603050405020304" pitchFamily="18" charset="0"/>
-                <a:cs typeface="Times New Roman" panose="02020603050405020304" pitchFamily="18" charset="0"/>
-              </a:rPr>
-              <a:t> </a:t>
-            </a:r>
-            <a:r>
-              <a:rPr lang="en-US" dirty="0" err="1">
-                <a:latin typeface="Times New Roman" panose="02020603050405020304" pitchFamily="18" charset="0"/>
-                <a:cs typeface="Times New Roman" panose="02020603050405020304" pitchFamily="18" charset="0"/>
-              </a:rPr>
-              <a:t>cho</a:t>
-            </a:r>
-            <a:r>
-              <a:rPr lang="en-US" dirty="0">
-                <a:latin typeface="Times New Roman" panose="02020603050405020304" pitchFamily="18" charset="0"/>
-                <a:cs typeface="Times New Roman" panose="02020603050405020304" pitchFamily="18" charset="0"/>
-              </a:rPr>
-              <a:t> </a:t>
-            </a:r>
-            <a:r>
-              <a:rPr lang="en-US" dirty="0" err="1">
-                <a:latin typeface="Times New Roman" panose="02020603050405020304" pitchFamily="18" charset="0"/>
-                <a:cs typeface="Times New Roman" panose="02020603050405020304" pitchFamily="18" charset="0"/>
-              </a:rPr>
-              <a:t>trải</a:t>
-            </a:r>
-            <a:r>
-              <a:rPr lang="en-US" dirty="0">
-                <a:latin typeface="Times New Roman" panose="02020603050405020304" pitchFamily="18" charset="0"/>
-                <a:cs typeface="Times New Roman" panose="02020603050405020304" pitchFamily="18" charset="0"/>
-              </a:rPr>
-              <a:t> nghiệm ng</a:t>
-            </a:r>
-            <a:r>
-              <a:rPr lang="vi-VN" dirty="0">
-                <a:latin typeface="Times New Roman" panose="02020603050405020304" pitchFamily="18" charset="0"/>
-                <a:cs typeface="Times New Roman" panose="02020603050405020304" pitchFamily="18" charset="0"/>
-              </a:rPr>
-              <a:t>ư</a:t>
-            </a:r>
-            <a:r>
-              <a:rPr lang="en-US" dirty="0" err="1">
-                <a:latin typeface="Times New Roman" panose="02020603050405020304" pitchFamily="18" charset="0"/>
-                <a:cs typeface="Times New Roman" panose="02020603050405020304" pitchFamily="18" charset="0"/>
-              </a:rPr>
-              <a:t>ời</a:t>
-            </a:r>
-            <a:r>
-              <a:rPr lang="en-US" dirty="0">
-                <a:latin typeface="Times New Roman" panose="02020603050405020304" pitchFamily="18" charset="0"/>
-                <a:cs typeface="Times New Roman" panose="02020603050405020304" pitchFamily="18" charset="0"/>
-              </a:rPr>
-              <a:t> dùng</a:t>
-            </a:r>
-          </a:p>
-          <a:p>
-            <a:endParaRPr lang="en-US" dirty="0">
-              <a:latin typeface="Times New Roman" panose="02020603050405020304" pitchFamily="18" charset="0"/>
-              <a:cs typeface="Times New Roman" panose="02020603050405020304" pitchFamily="18" charset="0"/>
-            </a:endParaRPr>
-          </a:p>
-        </p:txBody>
-      </p:sp>
-      <p:pic>
-        <p:nvPicPr>
-          <p:cNvPr id="5" name="Picture 4">
-            <a:extLst>
-              <a:ext uri="{FF2B5EF4-FFF2-40B4-BE49-F238E27FC236}">
-                <a16:creationId xmlns:a16="http://schemas.microsoft.com/office/drawing/2014/main" id="{F019C0C3-FA8B-4402-97B9-B1536F20E528}"/>
-              </a:ext>
-            </a:extLst>
-          </p:cNvPr>
-          <p:cNvPicPr>
-            <a:picLocks noChangeAspect="1"/>
-          </p:cNvPicPr>
-          <p:nvPr/>
-        </p:nvPicPr>
-        <p:blipFill>
-          <a:blip r:embed="rId2"/>
-          <a:stretch>
-            <a:fillRect/>
-          </a:stretch>
-        </p:blipFill>
-        <p:spPr>
-          <a:xfrm>
-            <a:off x="581192" y="2078972"/>
-            <a:ext cx="7037962" cy="4053728"/>
-          </a:xfrm>
-          <a:prstGeom prst="rect">
-            <a:avLst/>
-          </a:prstGeom>
-        </p:spPr>
-      </p:pic>
-      <p:sp>
-        <p:nvSpPr>
-          <p:cNvPr id="8" name="TextBox 7">
-            <a:extLst>
-              <a:ext uri="{FF2B5EF4-FFF2-40B4-BE49-F238E27FC236}">
-                <a16:creationId xmlns:a16="http://schemas.microsoft.com/office/drawing/2014/main" id="{1F3B641E-2072-40BA-ABCE-D0AAA7A16F9F}"/>
-              </a:ext>
-            </a:extLst>
-          </p:cNvPr>
-          <p:cNvSpPr txBox="1"/>
-          <p:nvPr/>
-        </p:nvSpPr>
-        <p:spPr>
-          <a:xfrm>
-            <a:off x="7691721" y="3278758"/>
-            <a:ext cx="3048000" cy="646331"/>
-          </a:xfrm>
-          <a:prstGeom prst="rect">
-            <a:avLst/>
-          </a:prstGeom>
-          <a:noFill/>
-        </p:spPr>
-        <p:txBody>
-          <a:bodyPr wrap="square" rtlCol="0">
-            <a:spAutoFit/>
-          </a:bodyPr>
-          <a:lstStyle/>
-          <a:p>
-            <a:r>
-              <a:rPr lang="en-US" dirty="0"/>
-              <a:t>Nhờ viết </a:t>
-            </a:r>
-            <a:r>
-              <a:rPr lang="en-US" dirty="0" err="1"/>
-              <a:t>nháp</a:t>
-            </a:r>
-            <a:r>
-              <a:rPr lang="en-US" dirty="0"/>
-              <a:t> mà ta dễ </a:t>
-            </a:r>
-            <a:r>
-              <a:rPr lang="en-US" dirty="0" err="1"/>
-              <a:t>dàng</a:t>
-            </a:r>
-            <a:r>
-              <a:rPr lang="en-US" dirty="0"/>
-              <a:t> 4 và 6 là 2 đáp án cần giải</a:t>
-            </a:r>
-          </a:p>
-        </p:txBody>
-      </p:sp>
-      <p:sp>
-        <p:nvSpPr>
-          <p:cNvPr id="11" name="TextBox 10">
-            <a:extLst>
-              <a:ext uri="{FF2B5EF4-FFF2-40B4-BE49-F238E27FC236}">
-                <a16:creationId xmlns:a16="http://schemas.microsoft.com/office/drawing/2014/main" id="{A81E5C92-085C-4AB1-9093-AC9484A752B4}"/>
-              </a:ext>
-            </a:extLst>
-          </p:cNvPr>
-          <p:cNvSpPr txBox="1"/>
-          <p:nvPr/>
-        </p:nvSpPr>
-        <p:spPr>
-          <a:xfrm>
-            <a:off x="3074896" y="3455730"/>
-            <a:ext cx="251010" cy="292388"/>
-          </a:xfrm>
-          <a:prstGeom prst="rect">
-            <a:avLst/>
-          </a:prstGeom>
-          <a:noFill/>
-        </p:spPr>
-        <p:txBody>
-          <a:bodyPr wrap="square" rtlCol="0">
-            <a:spAutoFit/>
-          </a:bodyPr>
-          <a:lstStyle/>
-          <a:p>
-            <a:r>
-              <a:rPr lang="en-US" sz="1300" dirty="0">
-                <a:solidFill>
-                  <a:srgbClr val="FF0000"/>
-                </a:solidFill>
-              </a:rPr>
-              <a:t>4</a:t>
-            </a:r>
-          </a:p>
-        </p:txBody>
-      </p:sp>
-      <p:sp>
-        <p:nvSpPr>
-          <p:cNvPr id="12" name="TextBox 11">
-            <a:extLst>
-              <a:ext uri="{FF2B5EF4-FFF2-40B4-BE49-F238E27FC236}">
-                <a16:creationId xmlns:a16="http://schemas.microsoft.com/office/drawing/2014/main" id="{CB5770D2-46A9-4D52-A8F3-505E148FCB14}"/>
-              </a:ext>
-            </a:extLst>
-          </p:cNvPr>
-          <p:cNvSpPr txBox="1"/>
-          <p:nvPr/>
-        </p:nvSpPr>
-        <p:spPr>
-          <a:xfrm>
-            <a:off x="4652681" y="3455730"/>
-            <a:ext cx="251010" cy="292388"/>
-          </a:xfrm>
-          <a:prstGeom prst="rect">
-            <a:avLst/>
-          </a:prstGeom>
-          <a:noFill/>
-        </p:spPr>
-        <p:txBody>
-          <a:bodyPr wrap="square" rtlCol="0">
-            <a:spAutoFit/>
-          </a:bodyPr>
-          <a:lstStyle/>
-          <a:p>
-            <a:r>
-              <a:rPr lang="en-US" sz="1300" dirty="0">
-                <a:solidFill>
-                  <a:srgbClr val="FF0000"/>
-                </a:solidFill>
-              </a:rPr>
-              <a:t>6</a:t>
-            </a:r>
-          </a:p>
-        </p:txBody>
-      </p:sp>
-    </p:spTree>
-    <p:extLst>
-      <p:ext uri="{BB962C8B-B14F-4D97-AF65-F5344CB8AC3E}">
-        <p14:creationId xmlns:p14="http://schemas.microsoft.com/office/powerpoint/2010/main" val="2923864953"/>
+        <p14:creationId xmlns:p14="http://schemas.microsoft.com/office/powerpoint/2010/main" val="3108214073"/>
       </p:ext>
     </p:extLst>
   </p:cSld>
@@ -12401,7 +11106,7 @@
   <mc:AlternateContent xmlns:mc="http://schemas.openxmlformats.org/markup-compatibility/2006" xmlns:p15="http://schemas.microsoft.com/office/powerpoint/2012/main">
     <mc:Choice Requires="p15">
       <p:transition xmlns:p14="http://schemas.microsoft.com/office/powerpoint/2010/main" spd="slow" p14:dur="2000">
-        <p15:prstTrans prst="prestige"/>
+        <p15:prstTrans prst="wind"/>
       </p:transition>
     </mc:Choice>
     <mc:Fallback xmlns="">
@@ -12410,639 +11115,10 @@
       </p:transition>
     </mc:Fallback>
   </mc:AlternateContent>
-  <p:timing>
-    <p:tnLst>
-      <p:par>
-        <p:cTn id="1" dur="indefinite" restart="never" nodeType="tmRoot">
-          <p:childTnLst>
-            <p:seq concurrent="1" nextAc="seek">
-              <p:cTn id="2" dur="indefinite" nodeType="mainSeq">
-                <p:childTnLst>
-                  <p:par>
-                    <p:cTn id="3" fill="hold">
-                      <p:stCondLst>
-                        <p:cond delay="indefinite"/>
-                      </p:stCondLst>
-                      <p:childTnLst>
-                        <p:par>
-                          <p:cTn id="4" fill="hold">
-                            <p:stCondLst>
-                              <p:cond delay="0"/>
-                            </p:stCondLst>
-                            <p:childTnLst>
-                              <p:par>
-                                <p:cTn id="5" presetID="10" presetClass="entr" presetSubtype="0" fill="hold" nodeType="clickEffect">
-                                  <p:stCondLst>
-                                    <p:cond delay="0"/>
-                                  </p:stCondLst>
-                                  <p:childTnLst>
-                                    <p:set>
-                                      <p:cBhvr>
-                                        <p:cTn id="6" dur="1" fill="hold">
-                                          <p:stCondLst>
-                                            <p:cond delay="0"/>
-                                          </p:stCondLst>
-                                        </p:cTn>
-                                        <p:tgtEl>
-                                          <p:spTgt spid="4">
-                                            <p:txEl>
-                                              <p:pRg st="0" end="0"/>
-                                            </p:txEl>
-                                          </p:spTgt>
-                                        </p:tgtEl>
-                                        <p:attrNameLst>
-                                          <p:attrName>style.visibility</p:attrName>
-                                        </p:attrNameLst>
-                                      </p:cBhvr>
-                                      <p:to>
-                                        <p:strVal val="visible"/>
-                                      </p:to>
-                                    </p:set>
-                                    <p:animEffect transition="in" filter="fade">
-                                      <p:cBhvr>
-                                        <p:cTn id="7" dur="500"/>
-                                        <p:tgtEl>
-                                          <p:spTgt spid="4">
-                                            <p:txEl>
-                                              <p:pRg st="0" end="0"/>
-                                            </p:txEl>
-                                          </p:spTgt>
-                                        </p:tgtEl>
-                                      </p:cBhvr>
-                                    </p:animEffect>
-                                  </p:childTnLst>
-                                </p:cTn>
-                              </p:par>
-                            </p:childTnLst>
-                          </p:cTn>
-                        </p:par>
-                      </p:childTnLst>
-                    </p:cTn>
-                  </p:par>
-                  <p:par>
-                    <p:cTn id="8" fill="hold">
-                      <p:stCondLst>
-                        <p:cond delay="indefinite"/>
-                      </p:stCondLst>
-                      <p:childTnLst>
-                        <p:par>
-                          <p:cTn id="9" fill="hold">
-                            <p:stCondLst>
-                              <p:cond delay="0"/>
-                            </p:stCondLst>
-                            <p:childTnLst>
-                              <p:par>
-                                <p:cTn id="10" presetID="10" presetClass="entr" presetSubtype="0" fill="hold" nodeType="clickEffect">
-                                  <p:stCondLst>
-                                    <p:cond delay="0"/>
-                                  </p:stCondLst>
-                                  <p:childTnLst>
-                                    <p:set>
-                                      <p:cBhvr>
-                                        <p:cTn id="11" dur="1" fill="hold">
-                                          <p:stCondLst>
-                                            <p:cond delay="0"/>
-                                          </p:stCondLst>
-                                        </p:cTn>
-                                        <p:tgtEl>
-                                          <p:spTgt spid="4">
-                                            <p:txEl>
-                                              <p:pRg st="1" end="1"/>
-                                            </p:txEl>
-                                          </p:spTgt>
-                                        </p:tgtEl>
-                                        <p:attrNameLst>
-                                          <p:attrName>style.visibility</p:attrName>
-                                        </p:attrNameLst>
-                                      </p:cBhvr>
-                                      <p:to>
-                                        <p:strVal val="visible"/>
-                                      </p:to>
-                                    </p:set>
-                                    <p:animEffect transition="in" filter="fade">
-                                      <p:cBhvr>
-                                        <p:cTn id="12" dur="500"/>
-                                        <p:tgtEl>
-                                          <p:spTgt spid="4">
-                                            <p:txEl>
-                                              <p:pRg st="1" end="1"/>
-                                            </p:txEl>
-                                          </p:spTgt>
-                                        </p:tgtEl>
-                                      </p:cBhvr>
-                                    </p:animEffect>
-                                  </p:childTnLst>
-                                </p:cTn>
-                              </p:par>
-                            </p:childTnLst>
-                          </p:cTn>
-                        </p:par>
-                      </p:childTnLst>
-                    </p:cTn>
-                  </p:par>
-                  <p:par>
-                    <p:cTn id="13" fill="hold">
-                      <p:stCondLst>
-                        <p:cond delay="indefinite"/>
-                      </p:stCondLst>
-                      <p:childTnLst>
-                        <p:par>
-                          <p:cTn id="14" fill="hold">
-                            <p:stCondLst>
-                              <p:cond delay="0"/>
-                            </p:stCondLst>
-                            <p:childTnLst>
-                              <p:par>
-                                <p:cTn id="15" presetID="42" presetClass="entr" presetSubtype="0" fill="hold" nodeType="clickEffect">
-                                  <p:stCondLst>
-                                    <p:cond delay="0"/>
-                                  </p:stCondLst>
-                                  <p:childTnLst>
-                                    <p:set>
-                                      <p:cBhvr>
-                                        <p:cTn id="16" dur="1" fill="hold">
-                                          <p:stCondLst>
-                                            <p:cond delay="0"/>
-                                          </p:stCondLst>
-                                        </p:cTn>
-                                        <p:tgtEl>
-                                          <p:spTgt spid="4">
-                                            <p:txEl>
-                                              <p:pRg st="2" end="2"/>
-                                            </p:txEl>
-                                          </p:spTgt>
-                                        </p:tgtEl>
-                                        <p:attrNameLst>
-                                          <p:attrName>style.visibility</p:attrName>
-                                        </p:attrNameLst>
-                                      </p:cBhvr>
-                                      <p:to>
-                                        <p:strVal val="visible"/>
-                                      </p:to>
-                                    </p:set>
-                                    <p:animEffect transition="in" filter="fade">
-                                      <p:cBhvr>
-                                        <p:cTn id="17" dur="1000"/>
-                                        <p:tgtEl>
-                                          <p:spTgt spid="4">
-                                            <p:txEl>
-                                              <p:pRg st="2" end="2"/>
-                                            </p:txEl>
-                                          </p:spTgt>
-                                        </p:tgtEl>
-                                      </p:cBhvr>
-                                    </p:animEffect>
-                                    <p:anim calcmode="lin" valueType="num">
-                                      <p:cBhvr>
-                                        <p:cTn id="18" dur="1000" fill="hold"/>
-                                        <p:tgtEl>
-                                          <p:spTgt spid="4">
-                                            <p:txEl>
-                                              <p:pRg st="2" end="2"/>
-                                            </p:txEl>
-                                          </p:spTgt>
-                                        </p:tgtEl>
-                                        <p:attrNameLst>
-                                          <p:attrName>ppt_x</p:attrName>
-                                        </p:attrNameLst>
-                                      </p:cBhvr>
-                                      <p:tavLst>
-                                        <p:tav tm="0">
-                                          <p:val>
-                                            <p:strVal val="#ppt_x"/>
-                                          </p:val>
-                                        </p:tav>
-                                        <p:tav tm="100000">
-                                          <p:val>
-                                            <p:strVal val="#ppt_x"/>
-                                          </p:val>
-                                        </p:tav>
-                                      </p:tavLst>
-                                    </p:anim>
-                                    <p:anim calcmode="lin" valueType="num">
-                                      <p:cBhvr>
-                                        <p:cTn id="19" dur="1000" fill="hold"/>
-                                        <p:tgtEl>
-                                          <p:spTgt spid="4">
-                                            <p:txEl>
-                                              <p:pRg st="2" end="2"/>
-                                            </p:txEl>
-                                          </p:spTgt>
-                                        </p:tgtEl>
-                                        <p:attrNameLst>
-                                          <p:attrName>ppt_y</p:attrName>
-                                        </p:attrNameLst>
-                                      </p:cBhvr>
-                                      <p:tavLst>
-                                        <p:tav tm="0">
-                                          <p:val>
-                                            <p:strVal val="#ppt_y+.1"/>
-                                          </p:val>
-                                        </p:tav>
-                                        <p:tav tm="100000">
-                                          <p:val>
-                                            <p:strVal val="#ppt_y"/>
-                                          </p:val>
-                                        </p:tav>
-                                      </p:tavLst>
-                                    </p:anim>
-                                  </p:childTnLst>
-                                </p:cTn>
-                              </p:par>
-                            </p:childTnLst>
-                          </p:cTn>
-                        </p:par>
-                      </p:childTnLst>
-                    </p:cTn>
-                  </p:par>
-                  <p:par>
-                    <p:cTn id="20" fill="hold">
-                      <p:stCondLst>
-                        <p:cond delay="indefinite"/>
-                      </p:stCondLst>
-                      <p:childTnLst>
-                        <p:par>
-                          <p:cTn id="21" fill="hold">
-                            <p:stCondLst>
-                              <p:cond delay="0"/>
-                            </p:stCondLst>
-                            <p:childTnLst>
-                              <p:par>
-                                <p:cTn id="22" presetID="53" presetClass="entr" presetSubtype="16" fill="hold" nodeType="clickEffect">
-                                  <p:stCondLst>
-                                    <p:cond delay="0"/>
-                                  </p:stCondLst>
-                                  <p:childTnLst>
-                                    <p:set>
-                                      <p:cBhvr>
-                                        <p:cTn id="23" dur="1" fill="hold">
-                                          <p:stCondLst>
-                                            <p:cond delay="0"/>
-                                          </p:stCondLst>
-                                        </p:cTn>
-                                        <p:tgtEl>
-                                          <p:spTgt spid="5"/>
-                                        </p:tgtEl>
-                                        <p:attrNameLst>
-                                          <p:attrName>style.visibility</p:attrName>
-                                        </p:attrNameLst>
-                                      </p:cBhvr>
-                                      <p:to>
-                                        <p:strVal val="visible"/>
-                                      </p:to>
-                                    </p:set>
-                                    <p:anim calcmode="lin" valueType="num">
-                                      <p:cBhvr>
-                                        <p:cTn id="24" dur="500" fill="hold"/>
-                                        <p:tgtEl>
-                                          <p:spTgt spid="5"/>
-                                        </p:tgtEl>
-                                        <p:attrNameLst>
-                                          <p:attrName>ppt_w</p:attrName>
-                                        </p:attrNameLst>
-                                      </p:cBhvr>
-                                      <p:tavLst>
-                                        <p:tav tm="0">
-                                          <p:val>
-                                            <p:fltVal val="0"/>
-                                          </p:val>
-                                        </p:tav>
-                                        <p:tav tm="100000">
-                                          <p:val>
-                                            <p:strVal val="#ppt_w"/>
-                                          </p:val>
-                                        </p:tav>
-                                      </p:tavLst>
-                                    </p:anim>
-                                    <p:anim calcmode="lin" valueType="num">
-                                      <p:cBhvr>
-                                        <p:cTn id="25" dur="500" fill="hold"/>
-                                        <p:tgtEl>
-                                          <p:spTgt spid="5"/>
-                                        </p:tgtEl>
-                                        <p:attrNameLst>
-                                          <p:attrName>ppt_h</p:attrName>
-                                        </p:attrNameLst>
-                                      </p:cBhvr>
-                                      <p:tavLst>
-                                        <p:tav tm="0">
-                                          <p:val>
-                                            <p:fltVal val="0"/>
-                                          </p:val>
-                                        </p:tav>
-                                        <p:tav tm="100000">
-                                          <p:val>
-                                            <p:strVal val="#ppt_h"/>
-                                          </p:val>
-                                        </p:tav>
-                                      </p:tavLst>
-                                    </p:anim>
-                                    <p:animEffect transition="in" filter="fade">
-                                      <p:cBhvr>
-                                        <p:cTn id="26" dur="500"/>
-                                        <p:tgtEl>
-                                          <p:spTgt spid="5"/>
-                                        </p:tgtEl>
-                                      </p:cBhvr>
-                                    </p:animEffect>
-                                  </p:childTnLst>
-                                </p:cTn>
-                              </p:par>
-                            </p:childTnLst>
-                          </p:cTn>
-                        </p:par>
-                      </p:childTnLst>
-                    </p:cTn>
-                  </p:par>
-                  <p:par>
-                    <p:cTn id="27" fill="hold">
-                      <p:stCondLst>
-                        <p:cond delay="indefinite"/>
-                      </p:stCondLst>
-                      <p:childTnLst>
-                        <p:par>
-                          <p:cTn id="28" fill="hold">
-                            <p:stCondLst>
-                              <p:cond delay="0"/>
-                            </p:stCondLst>
-                            <p:childTnLst>
-                              <p:par>
-                                <p:cTn id="29" presetID="14" presetClass="entr" presetSubtype="10" fill="hold" grpId="0" nodeType="clickEffect">
-                                  <p:stCondLst>
-                                    <p:cond delay="0"/>
-                                  </p:stCondLst>
-                                  <p:childTnLst>
-                                    <p:set>
-                                      <p:cBhvr>
-                                        <p:cTn id="30" dur="1" fill="hold">
-                                          <p:stCondLst>
-                                            <p:cond delay="0"/>
-                                          </p:stCondLst>
-                                        </p:cTn>
-                                        <p:tgtEl>
-                                          <p:spTgt spid="11"/>
-                                        </p:tgtEl>
-                                        <p:attrNameLst>
-                                          <p:attrName>style.visibility</p:attrName>
-                                        </p:attrNameLst>
-                                      </p:cBhvr>
-                                      <p:to>
-                                        <p:strVal val="visible"/>
-                                      </p:to>
-                                    </p:set>
-                                    <p:animEffect transition="in" filter="randombar(horizontal)">
-                                      <p:cBhvr>
-                                        <p:cTn id="31" dur="500"/>
-                                        <p:tgtEl>
-                                          <p:spTgt spid="11"/>
-                                        </p:tgtEl>
-                                      </p:cBhvr>
-                                    </p:animEffect>
-                                  </p:childTnLst>
-                                </p:cTn>
-                              </p:par>
-                              <p:par>
-                                <p:cTn id="32" presetID="14" presetClass="entr" presetSubtype="10" fill="hold" grpId="0" nodeType="withEffect">
-                                  <p:stCondLst>
-                                    <p:cond delay="0"/>
-                                  </p:stCondLst>
-                                  <p:childTnLst>
-                                    <p:set>
-                                      <p:cBhvr>
-                                        <p:cTn id="33" dur="1" fill="hold">
-                                          <p:stCondLst>
-                                            <p:cond delay="0"/>
-                                          </p:stCondLst>
-                                        </p:cTn>
-                                        <p:tgtEl>
-                                          <p:spTgt spid="12"/>
-                                        </p:tgtEl>
-                                        <p:attrNameLst>
-                                          <p:attrName>style.visibility</p:attrName>
-                                        </p:attrNameLst>
-                                      </p:cBhvr>
-                                      <p:to>
-                                        <p:strVal val="visible"/>
-                                      </p:to>
-                                    </p:set>
-                                    <p:animEffect transition="in" filter="randombar(horizontal)">
-                                      <p:cBhvr>
-                                        <p:cTn id="34" dur="500"/>
-                                        <p:tgtEl>
-                                          <p:spTgt spid="12"/>
-                                        </p:tgtEl>
-                                      </p:cBhvr>
-                                    </p:animEffect>
-                                  </p:childTnLst>
-                                </p:cTn>
-                              </p:par>
-                            </p:childTnLst>
-                          </p:cTn>
-                        </p:par>
-                      </p:childTnLst>
-                    </p:cTn>
-                  </p:par>
-                  <p:par>
-                    <p:cTn id="35" fill="hold">
-                      <p:stCondLst>
-                        <p:cond delay="indefinite"/>
-                      </p:stCondLst>
-                      <p:childTnLst>
-                        <p:par>
-                          <p:cTn id="36" fill="hold">
-                            <p:stCondLst>
-                              <p:cond delay="0"/>
-                            </p:stCondLst>
-                            <p:childTnLst>
-                              <p:par>
-                                <p:cTn id="37" presetID="6" presetClass="emph" presetSubtype="0" fill="hold" grpId="1" nodeType="clickEffect">
-                                  <p:stCondLst>
-                                    <p:cond delay="0"/>
-                                  </p:stCondLst>
-                                  <p:childTnLst>
-                                    <p:animScale>
-                                      <p:cBhvr>
-                                        <p:cTn id="38" dur="2000" fill="hold"/>
-                                        <p:tgtEl>
-                                          <p:spTgt spid="11"/>
-                                        </p:tgtEl>
-                                      </p:cBhvr>
-                                      <p:by x="150000" y="150000"/>
-                                    </p:animScale>
-                                  </p:childTnLst>
-                                </p:cTn>
-                              </p:par>
-                              <p:par>
-                                <p:cTn id="39" presetID="6" presetClass="emph" presetSubtype="0" fill="hold" grpId="1" nodeType="withEffect">
-                                  <p:stCondLst>
-                                    <p:cond delay="0"/>
-                                  </p:stCondLst>
-                                  <p:childTnLst>
-                                    <p:animScale>
-                                      <p:cBhvr>
-                                        <p:cTn id="40" dur="2000" fill="hold"/>
-                                        <p:tgtEl>
-                                          <p:spTgt spid="12"/>
-                                        </p:tgtEl>
-                                      </p:cBhvr>
-                                      <p:by x="150000" y="150000"/>
-                                    </p:animScale>
-                                  </p:childTnLst>
-                                </p:cTn>
-                              </p:par>
-                            </p:childTnLst>
-                          </p:cTn>
-                        </p:par>
-                      </p:childTnLst>
-                    </p:cTn>
-                  </p:par>
-                  <p:par>
-                    <p:cTn id="41" fill="hold">
-                      <p:stCondLst>
-                        <p:cond delay="indefinite"/>
-                      </p:stCondLst>
-                      <p:childTnLst>
-                        <p:par>
-                          <p:cTn id="42" fill="hold">
-                            <p:stCondLst>
-                              <p:cond delay="0"/>
-                            </p:stCondLst>
-                            <p:childTnLst>
-                              <p:par>
-                                <p:cTn id="43" presetID="42" presetClass="entr" presetSubtype="0" fill="hold" nodeType="clickEffect">
-                                  <p:stCondLst>
-                                    <p:cond delay="0"/>
-                                  </p:stCondLst>
-                                  <p:childTnLst>
-                                    <p:set>
-                                      <p:cBhvr>
-                                        <p:cTn id="44" dur="1" fill="hold">
-                                          <p:stCondLst>
-                                            <p:cond delay="0"/>
-                                          </p:stCondLst>
-                                        </p:cTn>
-                                        <p:tgtEl>
-                                          <p:spTgt spid="8">
-                                            <p:txEl>
-                                              <p:pRg st="0" end="0"/>
-                                            </p:txEl>
-                                          </p:spTgt>
-                                        </p:tgtEl>
-                                        <p:attrNameLst>
-                                          <p:attrName>style.visibility</p:attrName>
-                                        </p:attrNameLst>
-                                      </p:cBhvr>
-                                      <p:to>
-                                        <p:strVal val="visible"/>
-                                      </p:to>
-                                    </p:set>
-                                    <p:animEffect transition="in" filter="fade">
-                                      <p:cBhvr>
-                                        <p:cTn id="45" dur="1000"/>
-                                        <p:tgtEl>
-                                          <p:spTgt spid="8">
-                                            <p:txEl>
-                                              <p:pRg st="0" end="0"/>
-                                            </p:txEl>
-                                          </p:spTgt>
-                                        </p:tgtEl>
-                                      </p:cBhvr>
-                                    </p:animEffect>
-                                    <p:anim calcmode="lin" valueType="num">
-                                      <p:cBhvr>
-                                        <p:cTn id="46" dur="1000" fill="hold"/>
-                                        <p:tgtEl>
-                                          <p:spTgt spid="8">
-                                            <p:txEl>
-                                              <p:pRg st="0" end="0"/>
-                                            </p:txEl>
-                                          </p:spTgt>
-                                        </p:tgtEl>
-                                        <p:attrNameLst>
-                                          <p:attrName>ppt_x</p:attrName>
-                                        </p:attrNameLst>
-                                      </p:cBhvr>
-                                      <p:tavLst>
-                                        <p:tav tm="0">
-                                          <p:val>
-                                            <p:strVal val="#ppt_x"/>
-                                          </p:val>
-                                        </p:tav>
-                                        <p:tav tm="100000">
-                                          <p:val>
-                                            <p:strVal val="#ppt_x"/>
-                                          </p:val>
-                                        </p:tav>
-                                      </p:tavLst>
-                                    </p:anim>
-                                    <p:anim calcmode="lin" valueType="num">
-                                      <p:cBhvr>
-                                        <p:cTn id="47" dur="1000" fill="hold"/>
-                                        <p:tgtEl>
-                                          <p:spTgt spid="8">
-                                            <p:txEl>
-                                              <p:pRg st="0" end="0"/>
-                                            </p:txEl>
-                                          </p:spTgt>
-                                        </p:tgtEl>
-                                        <p:attrNameLst>
-                                          <p:attrName>ppt_y</p:attrName>
-                                        </p:attrNameLst>
-                                      </p:cBhvr>
-                                      <p:tavLst>
-                                        <p:tav tm="0">
-                                          <p:val>
-                                            <p:strVal val="#ppt_y+.1"/>
-                                          </p:val>
-                                        </p:tav>
-                                        <p:tav tm="100000">
-                                          <p:val>
-                                            <p:strVal val="#ppt_y"/>
-                                          </p:val>
-                                        </p:tav>
-                                      </p:tavLst>
-                                    </p:anim>
-                                  </p:childTnLst>
-                                </p:cTn>
-                              </p:par>
-                            </p:childTnLst>
-                          </p:cTn>
-                        </p:par>
-                      </p:childTnLst>
-                    </p:cTn>
-                  </p:par>
-                </p:childTnLst>
-              </p:cTn>
-              <p:prevCondLst>
-                <p:cond evt="onPrev" delay="0">
-                  <p:tgtEl>
-                    <p:sldTgt/>
-                  </p:tgtEl>
-                </p:cond>
-              </p:prevCondLst>
-              <p:nextCondLst>
-                <p:cond evt="onNext" delay="0">
-                  <p:tgtEl>
-                    <p:sldTgt/>
-                  </p:tgtEl>
-                </p:cond>
-              </p:nextCondLst>
-            </p:seq>
-          </p:childTnLst>
-        </p:cTn>
-      </p:par>
-    </p:tnLst>
-    <p:bldLst>
-      <p:bldP spid="11" grpId="0"/>
-      <p:bldP spid="11" grpId="1"/>
-      <p:bldP spid="12" grpId="0"/>
-      <p:bldP spid="12" grpId="1"/>
-    </p:bldLst>
-  </p:timing>
 </p:sld>
 </file>
 
-<file path=ppt/slides/slide12.xml><?xml version="1.0" encoding="utf-8"?>
+<file path=ppt/slides/slide11.xml><?xml version="1.0" encoding="utf-8"?>
 <p:sld xmlns:a="http://schemas.openxmlformats.org/drawingml/2006/main" xmlns:r="http://schemas.openxmlformats.org/officeDocument/2006/relationships" xmlns:p="http://schemas.openxmlformats.org/presentationml/2006/main">
   <p:cSld>
     <p:spTree>
@@ -13307,7 +11383,7 @@
 </p:sld>
 </file>
 
-<file path=ppt/slides/slide13.xml><?xml version="1.0" encoding="utf-8"?>
+<file path=ppt/slides/slide12.xml><?xml version="1.0" encoding="utf-8"?>
 <p:sld xmlns:a="http://schemas.openxmlformats.org/drawingml/2006/main" xmlns:r="http://schemas.openxmlformats.org/officeDocument/2006/relationships" xmlns:p="http://schemas.openxmlformats.org/presentationml/2006/main">
   <p:cSld>
     <p:spTree>
@@ -13413,7 +11489,7 @@
         </p:nvSpPr>
         <p:spPr>
           <a:xfrm>
-            <a:off x="887219" y="2250892"/>
+            <a:off x="828496" y="1786015"/>
             <a:ext cx="5087075" cy="536005"/>
           </a:xfrm>
         </p:spPr>
@@ -13456,155 +11532,83 @@
         </p:nvSpPr>
         <p:spPr>
           <a:xfrm>
-            <a:off x="887219" y="2926052"/>
-            <a:ext cx="5393100" cy="3411995"/>
+            <a:off x="883331" y="2322020"/>
+            <a:ext cx="5472418" cy="3617386"/>
           </a:xfrm>
         </p:spPr>
         <p:txBody>
           <a:bodyPr>
-            <a:normAutofit/>
+            <a:normAutofit fontScale="85000" lnSpcReduction="20000"/>
           </a:bodyPr>
           <a:lstStyle/>
           <a:p>
             <a:r>
-              <a:rPr lang="vi-VN" dirty="0">
+              <a:rPr lang="vi-VN" sz="2400" dirty="0">
                 <a:latin typeface="Times New Roman" panose="02020603050405020304" pitchFamily="18" charset="0"/>
                 <a:cs typeface="Times New Roman" panose="02020603050405020304" pitchFamily="18" charset="0"/>
               </a:rPr>
-              <a:t>Dễ dàng chơi ở </a:t>
-            </a:r>
-            <a:r>
-              <a:rPr lang="en-US" dirty="0">
-                <a:latin typeface="Times New Roman" panose="02020603050405020304" pitchFamily="18" charset="0"/>
-                <a:cs typeface="Times New Roman" panose="02020603050405020304" pitchFamily="18" charset="0"/>
-              </a:rPr>
-              <a:t>với mọi </a:t>
-            </a:r>
-            <a:r>
-              <a:rPr lang="vi-VN" dirty="0">
-                <a:latin typeface="Times New Roman" panose="02020603050405020304" pitchFamily="18" charset="0"/>
-                <a:cs typeface="Times New Roman" panose="02020603050405020304" pitchFamily="18" charset="0"/>
-              </a:rPr>
-              <a:t>thiết bị (PC, Smartphone, Tablet, Laptop</a:t>
-            </a:r>
-            <a:r>
-              <a:rPr lang="en-US" dirty="0">
-                <a:latin typeface="Times New Roman" panose="02020603050405020304" pitchFamily="18" charset="0"/>
-                <a:cs typeface="Times New Roman" panose="02020603050405020304" pitchFamily="18" charset="0"/>
-              </a:rPr>
-              <a:t>,…)</a:t>
+              <a:t>Chức năng Hint giúp người chơi có thêm các gợi ý bổ ích trong quá trình chơi.</a:t>
             </a:r>
           </a:p>
           <a:p>
             <a:r>
-              <a:rPr lang="en-US" dirty="0">
+              <a:rPr lang="vi-VN" sz="2400" dirty="0">
                 <a:latin typeface="Times New Roman" panose="02020603050405020304" pitchFamily="18" charset="0"/>
                 <a:cs typeface="Times New Roman" panose="02020603050405020304" pitchFamily="18" charset="0"/>
               </a:rPr>
-              <a:t>Ít t</a:t>
-            </a:r>
-            <a:r>
-              <a:rPr lang="vi-VN" dirty="0">
-                <a:latin typeface="Times New Roman" panose="02020603050405020304" pitchFamily="18" charset="0"/>
-                <a:cs typeface="Times New Roman" panose="02020603050405020304" pitchFamily="18" charset="0"/>
-              </a:rPr>
-              <a:t>iêu tốn dung lượng bộ nhớ</a:t>
+              <a:t>Giao diện đơn giản dễ nhìn, dễ chơi.</a:t>
             </a:r>
           </a:p>
           <a:p>
             <a:r>
-              <a:rPr lang="en-US" dirty="0">
+              <a:rPr lang="vi-VN" sz="2400" dirty="0">
                 <a:latin typeface="Times New Roman" panose="02020603050405020304" pitchFamily="18" charset="0"/>
                 <a:cs typeface="Times New Roman" panose="02020603050405020304" pitchFamily="18" charset="0"/>
               </a:rPr>
-              <a:t>Chức năng viết </a:t>
-            </a:r>
-            <a:r>
-              <a:rPr lang="en-US" dirty="0" err="1">
-                <a:latin typeface="Times New Roman" panose="02020603050405020304" pitchFamily="18" charset="0"/>
-                <a:cs typeface="Times New Roman" panose="02020603050405020304" pitchFamily="18" charset="0"/>
-              </a:rPr>
-              <a:t>nháp</a:t>
-            </a:r>
-            <a:r>
-              <a:rPr lang="en-US" dirty="0">
-                <a:latin typeface="Times New Roman" panose="02020603050405020304" pitchFamily="18" charset="0"/>
-                <a:cs typeface="Times New Roman" panose="02020603050405020304" pitchFamily="18" charset="0"/>
-              </a:rPr>
-              <a:t> mang nhiều lời </a:t>
-            </a:r>
-            <a:r>
-              <a:rPr lang="en-US" dirty="0" err="1">
-                <a:latin typeface="Times New Roman" panose="02020603050405020304" pitchFamily="18" charset="0"/>
-                <a:cs typeface="Times New Roman" panose="02020603050405020304" pitchFamily="18" charset="0"/>
-              </a:rPr>
-              <a:t>ích</a:t>
-            </a:r>
-            <a:r>
-              <a:rPr lang="en-US" dirty="0">
-                <a:latin typeface="Times New Roman" panose="02020603050405020304" pitchFamily="18" charset="0"/>
-                <a:cs typeface="Times New Roman" panose="02020603050405020304" pitchFamily="18" charset="0"/>
-              </a:rPr>
-              <a:t> </a:t>
-            </a:r>
-            <a:r>
-              <a:rPr lang="en-US" dirty="0" err="1">
-                <a:latin typeface="Times New Roman" panose="02020603050405020304" pitchFamily="18" charset="0"/>
-                <a:cs typeface="Times New Roman" panose="02020603050405020304" pitchFamily="18" charset="0"/>
-              </a:rPr>
-              <a:t>cho</a:t>
-            </a:r>
-            <a:r>
-              <a:rPr lang="en-US" dirty="0">
-                <a:latin typeface="Times New Roman" panose="02020603050405020304" pitchFamily="18" charset="0"/>
-                <a:cs typeface="Times New Roman" panose="02020603050405020304" pitchFamily="18" charset="0"/>
-              </a:rPr>
-              <a:t> ng</a:t>
-            </a:r>
-            <a:r>
-              <a:rPr lang="vi-VN" dirty="0">
-                <a:latin typeface="Times New Roman" panose="02020603050405020304" pitchFamily="18" charset="0"/>
-                <a:cs typeface="Times New Roman" panose="02020603050405020304" pitchFamily="18" charset="0"/>
-              </a:rPr>
-              <a:t>ư</a:t>
-            </a:r>
-            <a:r>
-              <a:rPr lang="en-US" dirty="0" err="1">
-                <a:latin typeface="Times New Roman" panose="02020603050405020304" pitchFamily="18" charset="0"/>
-                <a:cs typeface="Times New Roman" panose="02020603050405020304" pitchFamily="18" charset="0"/>
-              </a:rPr>
-              <a:t>ời</a:t>
-            </a:r>
-            <a:r>
-              <a:rPr lang="en-US" dirty="0">
-                <a:latin typeface="Times New Roman" panose="02020603050405020304" pitchFamily="18" charset="0"/>
-                <a:cs typeface="Times New Roman" panose="02020603050405020304" pitchFamily="18" charset="0"/>
-              </a:rPr>
-              <a:t> dùng</a:t>
+              <a:t>Lưu thông tin người chơi cho lần chơi tiếp theo.</a:t>
             </a:r>
           </a:p>
           <a:p>
             <a:r>
-              <a:rPr lang="vi-VN" dirty="0">
+              <a:rPr lang="vi-VN" sz="2400" dirty="0">
                 <a:latin typeface="Times New Roman" panose="02020603050405020304" pitchFamily="18" charset="0"/>
                 <a:cs typeface="Times New Roman" panose="02020603050405020304" pitchFamily="18" charset="0"/>
               </a:rPr>
-              <a:t>Giao diện đơn giản, dễ nhìn</a:t>
+              <a:t>Có nhiều level thách thức người chơi.</a:t>
             </a:r>
+          </a:p>
+          <a:p>
             <a:r>
-              <a:rPr lang="en-US" dirty="0">
+              <a:rPr lang="vi-VN" sz="2400" dirty="0">
                 <a:latin typeface="Times New Roman" panose="02020603050405020304" pitchFamily="18" charset="0"/>
                 <a:cs typeface="Times New Roman" panose="02020603050405020304" pitchFamily="18" charset="0"/>
               </a:rPr>
-              <a:t>, không màu </a:t>
+              <a:t>Có chức Undo và Redo khi nhập sai.</a:t>
             </a:r>
+          </a:p>
+          <a:p>
             <a:r>
-              <a:rPr lang="en-US" dirty="0" err="1">
+              <a:rPr lang="vi-VN" sz="2400" dirty="0">
                 <a:latin typeface="Times New Roman" panose="02020603050405020304" pitchFamily="18" charset="0"/>
                 <a:cs typeface="Times New Roman" panose="02020603050405020304" pitchFamily="18" charset="0"/>
               </a:rPr>
-              <a:t>mè</a:t>
+              <a:t>Phân vùng 3x3 rõ ràng cho người chơi dễ phân biệt các số</a:t>
             </a:r>
+            <a:endParaRPr lang="en-US" sz="2400" dirty="0">
+              <a:latin typeface="Times New Roman" panose="02020603050405020304" pitchFamily="18" charset="0"/>
+              <a:cs typeface="Times New Roman" panose="02020603050405020304" pitchFamily="18" charset="0"/>
+            </a:endParaRPr>
+          </a:p>
+          <a:p>
+            <a:r>
+              <a:rPr lang="vi-VN" sz="2400" dirty="0">
+                <a:latin typeface="Times New Roman" panose="02020603050405020304" pitchFamily="18" charset="0"/>
+                <a:cs typeface="Times New Roman" panose="02020603050405020304" pitchFamily="18" charset="0"/>
+              </a:rPr>
+              <a:t>Có chức năng Hint giúp người chơi giải dễ dàng hơn.</a:t>
+            </a:r>
+          </a:p>
+          <a:p>
             <a:endParaRPr lang="en-US" dirty="0">
               <a:latin typeface="Times New Roman" panose="02020603050405020304" pitchFamily="18" charset="0"/>
               <a:cs typeface="Times New Roman" panose="02020603050405020304" pitchFamily="18" charset="0"/>
@@ -13630,7 +11634,7 @@
         </p:nvSpPr>
         <p:spPr>
           <a:xfrm>
-            <a:off x="6523735" y="2250892"/>
+            <a:off x="6523736" y="1717990"/>
             <a:ext cx="5087073" cy="553373"/>
           </a:xfrm>
         </p:spPr>
@@ -13687,88 +11691,50 @@
         </p:nvSpPr>
         <p:spPr>
           <a:xfrm>
-            <a:off x="6217709" y="2926052"/>
-            <a:ext cx="5393100" cy="3411995"/>
+            <a:off x="6523736" y="2322019"/>
+            <a:ext cx="5531244" cy="3718054"/>
           </a:xfrm>
         </p:spPr>
         <p:txBody>
           <a:bodyPr>
-            <a:normAutofit/>
+            <a:normAutofit fontScale="85000" lnSpcReduction="20000"/>
           </a:bodyPr>
           <a:lstStyle/>
           <a:p>
             <a:r>
-              <a:rPr lang="en-US" dirty="0">
+              <a:rPr lang="vi-VN" sz="2400" dirty="0">
                 <a:latin typeface="Times New Roman" panose="02020603050405020304" pitchFamily="18" charset="0"/>
                 <a:cs typeface="Times New Roman" panose="02020603050405020304" pitchFamily="18" charset="0"/>
               </a:rPr>
-              <a:t>C</a:t>
-            </a:r>
-            <a:r>
-              <a:rPr lang="vi-VN" dirty="0">
-                <a:latin typeface="Times New Roman" panose="02020603050405020304" pitchFamily="18" charset="0"/>
-                <a:cs typeface="Times New Roman" panose="02020603050405020304" pitchFamily="18" charset="0"/>
-              </a:rPr>
-              <a:t>hỉ giải được 1 trường hợp</a:t>
+              <a:t>Với những ma trận có nhiều trường hợp, thì hàm giải chỉ giải được 1 trường hợp.</a:t>
             </a:r>
           </a:p>
           <a:p>
             <a:r>
-              <a:rPr lang="en-US" dirty="0">
+              <a:rPr lang="vi-VN" sz="2400" dirty="0">
                 <a:latin typeface="Times New Roman" panose="02020603050405020304" pitchFamily="18" charset="0"/>
                 <a:cs typeface="Times New Roman" panose="02020603050405020304" pitchFamily="18" charset="0"/>
               </a:rPr>
-              <a:t>Một số trình duyệt bị lỗi giao diện</a:t>
+              <a:t>Vì hàm sinh ngẫu nhiên ma trận chạy chậm.</a:t>
             </a:r>
           </a:p>
           <a:p>
             <a:r>
-              <a:rPr lang="vi-VN" dirty="0">
+              <a:rPr lang="vi-VN" sz="2400" dirty="0">
                 <a:latin typeface="Times New Roman" panose="02020603050405020304" pitchFamily="18" charset="0"/>
                 <a:cs typeface="Times New Roman" panose="02020603050405020304" pitchFamily="18" charset="0"/>
               </a:rPr>
-              <a:t>Không có Internet thì sẽ ko chơi được</a:t>
+              <a:t>Code chưa tối ưu hóa tốt nên ngốn nhiều Ram của máy.</a:t>
             </a:r>
           </a:p>
           <a:p>
             <a:r>
-              <a:rPr lang="vi-VN" dirty="0">
+              <a:rPr lang="vi-VN" sz="2400" dirty="0">
                 <a:latin typeface="Times New Roman" panose="02020603050405020304" pitchFamily="18" charset="0"/>
                 <a:cs typeface="Times New Roman" panose="02020603050405020304" pitchFamily="18" charset="0"/>
               </a:rPr>
-              <a:t>Code chưa tối ưu hóa tốt</a:t>
+              <a:t>Hiện tại Database chỉ có field UserName và Password, chưa thể lưu điểm bằng thời gian.</a:t>
             </a:r>
-            <a:r>
-              <a:rPr lang="en-US" dirty="0">
-                <a:latin typeface="Times New Roman" panose="02020603050405020304" pitchFamily="18" charset="0"/>
-                <a:cs typeface="Times New Roman" panose="02020603050405020304" pitchFamily="18" charset="0"/>
-              </a:rPr>
-              <a:t> (hàm giải)</a:t>
-            </a:r>
-            <a:endParaRPr lang="vi-VN" dirty="0">
-              <a:latin typeface="Times New Roman" panose="02020603050405020304" pitchFamily="18" charset="0"/>
-              <a:cs typeface="Times New Roman" panose="02020603050405020304" pitchFamily="18" charset="0"/>
-            </a:endParaRPr>
-          </a:p>
-          <a:p>
-            <a:r>
-              <a:rPr lang="en-US" dirty="0">
-                <a:latin typeface="Times New Roman" panose="02020603050405020304" pitchFamily="18" charset="0"/>
-                <a:cs typeface="Times New Roman" panose="02020603050405020304" pitchFamily="18" charset="0"/>
-              </a:rPr>
-              <a:t>C</a:t>
-            </a:r>
-            <a:r>
-              <a:rPr lang="vi-VN" dirty="0">
-                <a:latin typeface="Times New Roman" panose="02020603050405020304" pitchFamily="18" charset="0"/>
-                <a:cs typeface="Times New Roman" panose="02020603050405020304" pitchFamily="18" charset="0"/>
-              </a:rPr>
-              <a:t>hỉ lưu tên người chơi, bảng xếp hạng trên Local Storage của máy cá nhân</a:t>
-            </a:r>
-            <a:endParaRPr lang="en-US" dirty="0">
-              <a:latin typeface="Times New Roman" panose="02020603050405020304" pitchFamily="18" charset="0"/>
-              <a:cs typeface="Times New Roman" panose="02020603050405020304" pitchFamily="18" charset="0"/>
-            </a:endParaRPr>
           </a:p>
         </p:txBody>
       </p:sp>
@@ -13937,7 +11903,7 @@
                             </p:stCondLst>
                             <p:childTnLst>
                               <p:par>
-                                <p:cTn id="15" presetID="22" presetClass="entr" presetSubtype="4" fill="hold" nodeType="clickEffect">
+                                <p:cTn id="15" presetID="14" presetClass="entr" presetSubtype="10" fill="hold" nodeType="clickEffect">
                                   <p:stCondLst>
                                     <p:cond delay="0"/>
                                   </p:stCondLst>
@@ -13964,7 +11930,7 @@
                                         <p:strVal val="visible"/>
                                       </p:to>
                                     </p:set>
-                                    <p:animEffect transition="in" filter="wipe(down)">
+                                    <p:animEffect transition="in" filter="randombar(horizontal)">
                                       <p:cBhvr>
                                         <p:cTn id="17" dur="500"/>
                                         <p:tgtEl>
@@ -13998,7 +11964,7 @@
                             </p:stCondLst>
                             <p:childTnLst>
                               <p:par>
-                                <p:cTn id="20" presetID="10" presetClass="entr" presetSubtype="0" fill="hold" nodeType="clickEffect">
+                                <p:cTn id="20" presetID="14" presetClass="entr" presetSubtype="10" fill="hold" nodeType="clickEffect">
                                   <p:stCondLst>
                                     <p:cond delay="0"/>
                                   </p:stCondLst>
@@ -14025,7 +11991,7 @@
                                         <p:strVal val="visible"/>
                                       </p:to>
                                     </p:set>
-                                    <p:animEffect transition="in" filter="fade">
+                                    <p:animEffect transition="in" filter="randombar(horizontal)">
                                       <p:cBhvr>
                                         <p:cTn id="22" dur="500"/>
                                         <p:tgtEl>
@@ -14059,7 +12025,7 @@
                             </p:stCondLst>
                             <p:childTnLst>
                               <p:par>
-                                <p:cTn id="25" presetID="22" presetClass="entr" presetSubtype="4" fill="hold" nodeType="clickEffect">
+                                <p:cTn id="25" presetID="14" presetClass="entr" presetSubtype="10" fill="hold" nodeType="clickEffect">
                                   <p:stCondLst>
                                     <p:cond delay="0"/>
                                   </p:stCondLst>
@@ -14072,9 +12038,9 @@
                                           </p:stCondLst>
                                         </p:cTn>
                                         <p:tgtEl>
-                                          <p:spTgt spid="7">
+                                          <p:spTgt spid="5">
                                             <p:txEl>
-                                              <p:pRg st="0" end="0"/>
+                                              <p:pRg st="4" end="4"/>
                                             </p:txEl>
                                           </p:spTgt>
                                         </p:tgtEl>
@@ -14086,13 +12052,13 @@
                                         <p:strVal val="visible"/>
                                       </p:to>
                                     </p:set>
-                                    <p:animEffect transition="in" filter="wipe(down)">
+                                    <p:animEffect transition="in" filter="randombar(horizontal)">
                                       <p:cBhvr>
                                         <p:cTn id="27" dur="500"/>
                                         <p:tgtEl>
-                                          <p:spTgt spid="7">
+                                          <p:spTgt spid="5">
                                             <p:txEl>
-                                              <p:pRg st="0" end="0"/>
+                                              <p:pRg st="4" end="4"/>
                                             </p:txEl>
                                           </p:spTgt>
                                         </p:tgtEl>
@@ -14120,7 +12086,7 @@
                             </p:stCondLst>
                             <p:childTnLst>
                               <p:par>
-                                <p:cTn id="30" presetID="42" presetClass="entr" presetSubtype="0" fill="hold" nodeType="clickEffect">
+                                <p:cTn id="30" presetID="14" presetClass="entr" presetSubtype="10" fill="hold" nodeType="clickEffect">
                                   <p:stCondLst>
                                     <p:cond delay="0"/>
                                   </p:stCondLst>
@@ -14128,6 +12094,189 @@
                                     <p:set>
                                       <p:cBhvr>
                                         <p:cTn id="31" dur="1" fill="hold">
+                                          <p:stCondLst>
+                                            <p:cond delay="0"/>
+                                          </p:stCondLst>
+                                        </p:cTn>
+                                        <p:tgtEl>
+                                          <p:spTgt spid="5">
+                                            <p:txEl>
+                                              <p:pRg st="5" end="5"/>
+                                            </p:txEl>
+                                          </p:spTgt>
+                                        </p:tgtEl>
+                                        <p:attrNameLst>
+                                          <p:attrName>style.visibility</p:attrName>
+                                        </p:attrNameLst>
+                                      </p:cBhvr>
+                                      <p:to>
+                                        <p:strVal val="visible"/>
+                                      </p:to>
+                                    </p:set>
+                                    <p:animEffect transition="in" filter="randombar(horizontal)">
+                                      <p:cBhvr>
+                                        <p:cTn id="32" dur="500"/>
+                                        <p:tgtEl>
+                                          <p:spTgt spid="5">
+                                            <p:txEl>
+                                              <p:pRg st="5" end="5"/>
+                                            </p:txEl>
+                                          </p:spTgt>
+                                        </p:tgtEl>
+                                      </p:cBhvr>
+                                    </p:animEffect>
+                                  </p:childTnLst>
+                                </p:cTn>
+                              </p:par>
+                            </p:childTnLst>
+                          </p:cTn>
+                        </p:par>
+                      </p:childTnLst>
+                    </p:cTn>
+                  </p:par>
+                  <p:par>
+                    <p:cTn id="33" fill="hold">
+                      <p:stCondLst>
+                        <p:cond delay="indefinite"/>
+                      </p:stCondLst>
+                      <p:childTnLst>
+                        <p:par>
+                          <p:cTn id="34" fill="hold">
+                            <p:stCondLst>
+                              <p:cond delay="0"/>
+                            </p:stCondLst>
+                            <p:childTnLst>
+                              <p:par>
+                                <p:cTn id="35" presetID="14" presetClass="entr" presetSubtype="10" fill="hold" nodeType="clickEffect">
+                                  <p:stCondLst>
+                                    <p:cond delay="0"/>
+                                  </p:stCondLst>
+                                  <p:childTnLst>
+                                    <p:set>
+                                      <p:cBhvr>
+                                        <p:cTn id="36" dur="1" fill="hold">
+                                          <p:stCondLst>
+                                            <p:cond delay="0"/>
+                                          </p:stCondLst>
+                                        </p:cTn>
+                                        <p:tgtEl>
+                                          <p:spTgt spid="5">
+                                            <p:txEl>
+                                              <p:pRg st="6" end="6"/>
+                                            </p:txEl>
+                                          </p:spTgt>
+                                        </p:tgtEl>
+                                        <p:attrNameLst>
+                                          <p:attrName>style.visibility</p:attrName>
+                                        </p:attrNameLst>
+                                      </p:cBhvr>
+                                      <p:to>
+                                        <p:strVal val="visible"/>
+                                      </p:to>
+                                    </p:set>
+                                    <p:animEffect transition="in" filter="randombar(horizontal)">
+                                      <p:cBhvr>
+                                        <p:cTn id="37" dur="500"/>
+                                        <p:tgtEl>
+                                          <p:spTgt spid="5">
+                                            <p:txEl>
+                                              <p:pRg st="6" end="6"/>
+                                            </p:txEl>
+                                          </p:spTgt>
+                                        </p:tgtEl>
+                                      </p:cBhvr>
+                                    </p:animEffect>
+                                  </p:childTnLst>
+                                </p:cTn>
+                              </p:par>
+                            </p:childTnLst>
+                          </p:cTn>
+                        </p:par>
+                      </p:childTnLst>
+                    </p:cTn>
+                  </p:par>
+                  <p:par>
+                    <p:cTn id="38" fill="hold">
+                      <p:stCondLst>
+                        <p:cond delay="indefinite"/>
+                      </p:stCondLst>
+                      <p:childTnLst>
+                        <p:par>
+                          <p:cTn id="39" fill="hold">
+                            <p:stCondLst>
+                              <p:cond delay="0"/>
+                            </p:stCondLst>
+                            <p:childTnLst>
+                              <p:par>
+                                <p:cTn id="40" presetID="22" presetClass="entr" presetSubtype="4" fill="hold" nodeType="clickEffect">
+                                  <p:stCondLst>
+                                    <p:cond delay="0"/>
+                                  </p:stCondLst>
+                                  <p:childTnLst>
+                                    <p:set>
+                                      <p:cBhvr>
+                                        <p:cTn id="41" dur="1" fill="hold">
+                                          <p:stCondLst>
+                                            <p:cond delay="0"/>
+                                          </p:stCondLst>
+                                        </p:cTn>
+                                        <p:tgtEl>
+                                          <p:spTgt spid="7">
+                                            <p:txEl>
+                                              <p:pRg st="0" end="0"/>
+                                            </p:txEl>
+                                          </p:spTgt>
+                                        </p:tgtEl>
+                                        <p:attrNameLst>
+                                          <p:attrName>style.visibility</p:attrName>
+                                        </p:attrNameLst>
+                                      </p:cBhvr>
+                                      <p:to>
+                                        <p:strVal val="visible"/>
+                                      </p:to>
+                                    </p:set>
+                                    <p:animEffect transition="in" filter="wipe(down)">
+                                      <p:cBhvr>
+                                        <p:cTn id="42" dur="500"/>
+                                        <p:tgtEl>
+                                          <p:spTgt spid="7">
+                                            <p:txEl>
+                                              <p:pRg st="0" end="0"/>
+                                            </p:txEl>
+                                          </p:spTgt>
+                                        </p:tgtEl>
+                                      </p:cBhvr>
+                                    </p:animEffect>
+                                  </p:childTnLst>
+                                </p:cTn>
+                              </p:par>
+                            </p:childTnLst>
+                          </p:cTn>
+                        </p:par>
+                      </p:childTnLst>
+                    </p:cTn>
+                  </p:par>
+                  <p:par>
+                    <p:cTn id="43" fill="hold">
+                      <p:stCondLst>
+                        <p:cond delay="indefinite"/>
+                      </p:stCondLst>
+                      <p:childTnLst>
+                        <p:par>
+                          <p:cTn id="44" fill="hold">
+                            <p:stCondLst>
+                              <p:cond delay="0"/>
+                            </p:stCondLst>
+                            <p:childTnLst>
+                              <p:par>
+                                <p:cTn id="45" presetID="22" presetClass="entr" presetSubtype="4" fill="hold" nodeType="clickEffect">
+                                  <p:stCondLst>
+                                    <p:cond delay="0"/>
+                                  </p:stCondLst>
+                                  <p:childTnLst>
+                                    <p:set>
+                                      <p:cBhvr>
+                                        <p:cTn id="46" dur="1" fill="hold">
                                           <p:stCondLst>
                                             <p:cond delay="0"/>
                                           </p:stCondLst>
@@ -14147,9 +12296,9 @@
                                         <p:strVal val="visible"/>
                                       </p:to>
                                     </p:set>
-                                    <p:animEffect transition="in" filter="fade">
+                                    <p:animEffect transition="in" filter="wipe(down)">
                                       <p:cBhvr>
-                                        <p:cTn id="32" dur="1000"/>
+                                        <p:cTn id="47" dur="500"/>
                                         <p:tgtEl>
                                           <p:spTgt spid="7">
                                             <p:txEl>
@@ -14159,60 +12308,6 @@
                                         </p:tgtEl>
                                       </p:cBhvr>
                                     </p:animEffect>
-                                    <p:anim calcmode="lin" valueType="num">
-                                      <p:cBhvr>
-                                        <p:cTn id="33" dur="1000" fill="hold"/>
-                                        <p:tgtEl>
-                                          <p:spTgt spid="7">
-                                            <p:txEl>
-                                              <p:pRg st="1" end="1"/>
-                                            </p:txEl>
-                                          </p:spTgt>
-                                        </p:tgtEl>
-                                        <p:attrNameLst>
-                                          <p:attrName>ppt_x</p:attrName>
-                                        </p:attrNameLst>
-                                      </p:cBhvr>
-                                      <p:tavLst>
-                                        <p:tav tm="0">
-                                          <p:val>
-                                            <p:strVal val="#ppt_x"/>
-                                          </p:val>
-                                        </p:tav>
-                                        <p:tav tm="100000">
-                                          <p:val>
-                                            <p:strVal val="#ppt_x"/>
-                                          </p:val>
-                                        </p:tav>
-                                      </p:tavLst>
-                                    </p:anim>
-                                    <p:anim calcmode="lin" valueType="num">
-                                      <p:cBhvr>
-                                        <p:cTn id="34" dur="1000" fill="hold"/>
-                                        <p:tgtEl>
-                                          <p:spTgt spid="7">
-                                            <p:txEl>
-                                              <p:pRg st="1" end="1"/>
-                                            </p:txEl>
-                                          </p:spTgt>
-                                        </p:tgtEl>
-                                        <p:attrNameLst>
-                                          <p:attrName>ppt_y</p:attrName>
-                                        </p:attrNameLst>
-                                      </p:cBhvr>
-                                      <p:tavLst>
-                                        <p:tav tm="0">
-                                          <p:val>
-                                            <p:strVal val="#ppt_y+.1"/>
-                                          </p:val>
-                                        </p:tav>
-                                        <p:tav tm="100000">
-                                          <p:val>
-                                            <p:strVal val="#ppt_y"/>
-                                          </p:val>
-                                        </p:tav>
-                                      </p:tavLst>
-                                    </p:anim>
                                   </p:childTnLst>
                                 </p:cTn>
                               </p:par>
@@ -14223,26 +12318,26 @@
                     </p:cTn>
                   </p:par>
                   <p:par>
-                    <p:cTn id="35" fill="hold">
+                    <p:cTn id="48" fill="hold">
                       <p:stCondLst>
                         <p:cond delay="indefinite"/>
                       </p:stCondLst>
                       <p:childTnLst>
                         <p:par>
-                          <p:cTn id="36" fill="hold">
+                          <p:cTn id="49" fill="hold">
                             <p:stCondLst>
                               <p:cond delay="0"/>
                             </p:stCondLst>
                             <p:childTnLst>
                               <p:par>
-                                <p:cTn id="37" presetID="16" presetClass="entr" presetSubtype="21" fill="hold" nodeType="clickEffect">
+                                <p:cTn id="50" presetID="22" presetClass="entr" presetSubtype="4" fill="hold" nodeType="clickEffect">
                                   <p:stCondLst>
                                     <p:cond delay="0"/>
                                   </p:stCondLst>
                                   <p:childTnLst>
                                     <p:set>
                                       <p:cBhvr>
-                                        <p:cTn id="38" dur="1" fill="hold">
+                                        <p:cTn id="51" dur="1" fill="hold">
                                           <p:stCondLst>
                                             <p:cond delay="0"/>
                                           </p:stCondLst>
@@ -14262,9 +12357,9 @@
                                         <p:strVal val="visible"/>
                                       </p:to>
                                     </p:set>
-                                    <p:animEffect transition="in" filter="barn(inVertical)">
+                                    <p:animEffect transition="in" filter="wipe(down)">
                                       <p:cBhvr>
-                                        <p:cTn id="39" dur="500"/>
+                                        <p:cTn id="52" dur="500"/>
                                         <p:tgtEl>
                                           <p:spTgt spid="7">
                                             <p:txEl>
@@ -14284,26 +12379,26 @@
                     </p:cTn>
                   </p:par>
                   <p:par>
-                    <p:cTn id="40" fill="hold">
+                    <p:cTn id="53" fill="hold">
                       <p:stCondLst>
                         <p:cond delay="indefinite"/>
                       </p:stCondLst>
                       <p:childTnLst>
                         <p:par>
-                          <p:cTn id="41" fill="hold">
+                          <p:cTn id="54" fill="hold">
                             <p:stCondLst>
                               <p:cond delay="0"/>
                             </p:stCondLst>
                             <p:childTnLst>
                               <p:par>
-                                <p:cTn id="42" presetID="10" presetClass="entr" presetSubtype="0" fill="hold" nodeType="clickEffect">
+                                <p:cTn id="55" presetID="22" presetClass="entr" presetSubtype="4" fill="hold" nodeType="clickEffect">
                                   <p:stCondLst>
                                     <p:cond delay="0"/>
                                   </p:stCondLst>
                                   <p:childTnLst>
                                     <p:set>
                                       <p:cBhvr>
-                                        <p:cTn id="43" dur="1" fill="hold">
+                                        <p:cTn id="56" dur="1" fill="hold">
                                           <p:stCondLst>
                                             <p:cond delay="0"/>
                                           </p:stCondLst>
@@ -14323,74 +12418,13 @@
                                         <p:strVal val="visible"/>
                                       </p:to>
                                     </p:set>
-                                    <p:animEffect transition="in" filter="fade">
+                                    <p:animEffect transition="in" filter="wipe(down)">
                                       <p:cBhvr>
-                                        <p:cTn id="44" dur="500"/>
+                                        <p:cTn id="57" dur="500"/>
                                         <p:tgtEl>
                                           <p:spTgt spid="7">
                                             <p:txEl>
                                               <p:pRg st="3" end="3"/>
-                                            </p:txEl>
-                                          </p:spTgt>
-                                        </p:tgtEl>
-                                      </p:cBhvr>
-                                    </p:animEffect>
-                                  </p:childTnLst>
-                                </p:cTn>
-                              </p:par>
-                            </p:childTnLst>
-                          </p:cTn>
-                        </p:par>
-                      </p:childTnLst>
-                    </p:cTn>
-                  </p:par>
-                  <p:par>
-                    <p:cTn id="45" fill="hold">
-                      <p:stCondLst>
-                        <p:cond delay="indefinite"/>
-                      </p:stCondLst>
-                      <p:childTnLst>
-                        <p:par>
-                          <p:cTn id="46" fill="hold">
-                            <p:stCondLst>
-                              <p:cond delay="0"/>
-                            </p:stCondLst>
-                            <p:childTnLst>
-                              <p:par>
-                                <p:cTn id="47" presetID="16" presetClass="entr" presetSubtype="21" fill="hold" nodeType="clickEffect">
-                                  <p:stCondLst>
-                                    <p:cond delay="0"/>
-                                  </p:stCondLst>
-                                  <p:childTnLst>
-                                    <p:set>
-                                      <p:cBhvr>
-                                        <p:cTn id="48" dur="1" fill="hold">
-                                          <p:stCondLst>
-                                            <p:cond delay="0"/>
-                                          </p:stCondLst>
-                                        </p:cTn>
-                                        <p:tgtEl>
-                                          <p:spTgt spid="7">
-                                            <p:txEl>
-                                              <p:pRg st="4" end="4"/>
-                                            </p:txEl>
-                                          </p:spTgt>
-                                        </p:tgtEl>
-                                        <p:attrNameLst>
-                                          <p:attrName>style.visibility</p:attrName>
-                                        </p:attrNameLst>
-                                      </p:cBhvr>
-                                      <p:to>
-                                        <p:strVal val="visible"/>
-                                      </p:to>
-                                    </p:set>
-                                    <p:animEffect transition="in" filter="barn(inVertical)">
-                                      <p:cBhvr>
-                                        <p:cTn id="49" dur="500"/>
-                                        <p:tgtEl>
-                                          <p:spTgt spid="7">
-                                            <p:txEl>
-                                              <p:pRg st="4" end="4"/>
                                             </p:txEl>
                                           </p:spTgt>
                                         </p:tgtEl>
@@ -14430,7 +12464,7 @@
 </p:sld>
 </file>
 
-<file path=ppt/slides/slide14.xml><?xml version="1.0" encoding="utf-8"?>
+<file path=ppt/slides/slide13.xml><?xml version="1.0" encoding="utf-8"?>
 <p:sld xmlns:a="http://schemas.openxmlformats.org/drawingml/2006/main" xmlns:r="http://schemas.openxmlformats.org/officeDocument/2006/relationships" xmlns:p="http://schemas.openxmlformats.org/presentationml/2006/main">
   <p:cSld>
     <p:spTree>
@@ -14518,7 +12552,7 @@
         <p:spPr>
           <a:xfrm>
             <a:off x="581192" y="2180496"/>
-            <a:ext cx="11029615" cy="4336845"/>
+            <a:ext cx="11029615" cy="4077691"/>
           </a:xfrm>
         </p:spPr>
         <p:txBody>
@@ -14526,181 +12560,67 @@
           <a:lstStyle/>
           <a:p>
             <a:r>
-              <a:rPr lang="vi-VN" dirty="0">
+              <a:rPr lang="en-US" sz="2500" dirty="0">
                 <a:latin typeface="Times New Roman" panose="02020603050405020304" pitchFamily="18" charset="0"/>
                 <a:cs typeface="Times New Roman" panose="02020603050405020304" pitchFamily="18" charset="0"/>
               </a:rPr>
-              <a:t>Chức Hint sẽ chỉ giải miễn phí 1 lần. </a:t>
+              <a:t>Dùng User Controls thay vì mở từng form.</a:t>
             </a:r>
+          </a:p>
+          <a:p>
             <a:r>
-              <a:rPr lang="en-US" dirty="0">
+              <a:rPr lang="vi-VN" sz="2500" dirty="0">
                 <a:latin typeface="Times New Roman" panose="02020603050405020304" pitchFamily="18" charset="0"/>
                 <a:cs typeface="Times New Roman" panose="02020603050405020304" pitchFamily="18" charset="0"/>
               </a:rPr>
-              <a:t>M</a:t>
+              <a:t>Database sẽ lưu thời gian người chơi.</a:t>
             </a:r>
+          </a:p>
+          <a:p>
             <a:r>
-              <a:rPr lang="vi-VN" dirty="0">
+              <a:rPr lang="vi-VN" sz="2500" dirty="0">
                 <a:latin typeface="Times New Roman" panose="02020603050405020304" pitchFamily="18" charset="0"/>
                 <a:cs typeface="Times New Roman" panose="02020603050405020304" pitchFamily="18" charset="0"/>
               </a:rPr>
-              <a:t>uốn giải thêm phải xem quảng cáo</a:t>
+              <a:t>Update thời gian mới nếu người chơi đạt kỉ lục cao hơn</a:t>
             </a:r>
             <a:r>
-              <a:rPr lang="en-US" dirty="0">
-                <a:latin typeface="Times New Roman" panose="02020603050405020304" pitchFamily="18" charset="0"/>
-                <a:cs typeface="Times New Roman" panose="02020603050405020304" pitchFamily="18" charset="0"/>
-              </a:rPr>
-              <a:t>/</a:t>
-            </a:r>
-            <a:r>
-              <a:rPr lang="vi-VN" dirty="0">
-                <a:latin typeface="Times New Roman" panose="02020603050405020304" pitchFamily="18" charset="0"/>
-                <a:cs typeface="Times New Roman" panose="02020603050405020304" pitchFamily="18" charset="0"/>
-              </a:rPr>
-              <a:t>trả tiền/point</a:t>
-            </a:r>
-            <a:r>
-              <a:rPr lang="en-US" dirty="0">
+              <a:rPr lang="en-US" sz="2500" dirty="0">
                 <a:latin typeface="Times New Roman" panose="02020603050405020304" pitchFamily="18" charset="0"/>
                 <a:cs typeface="Times New Roman" panose="02020603050405020304" pitchFamily="18" charset="0"/>
               </a:rPr>
               <a:t>.</a:t>
             </a:r>
-          </a:p>
-          <a:p>
-            <a:r>
-              <a:rPr lang="vi-VN" dirty="0">
-                <a:latin typeface="Times New Roman" panose="02020603050405020304" pitchFamily="18" charset="0"/>
-                <a:cs typeface="Times New Roman" panose="02020603050405020304" pitchFamily="18" charset="0"/>
-              </a:rPr>
-              <a:t>Khi click vào một ô nào đó,</a:t>
-            </a:r>
-            <a:r>
-              <a:rPr lang="en-US" dirty="0">
-                <a:latin typeface="Times New Roman" panose="02020603050405020304" pitchFamily="18" charset="0"/>
-                <a:cs typeface="Times New Roman" panose="02020603050405020304" pitchFamily="18" charset="0"/>
-              </a:rPr>
-              <a:t> </a:t>
-            </a:r>
-            <a:r>
-              <a:rPr lang="vi-VN" dirty="0">
-                <a:latin typeface="Times New Roman" panose="02020603050405020304" pitchFamily="18" charset="0"/>
-                <a:cs typeface="Times New Roman" panose="02020603050405020304" pitchFamily="18" charset="0"/>
-              </a:rPr>
-              <a:t>sẽ highlight dòng, cột, vùng mà ô đó phụ thuộc, để dễ dàng rà soát các số cho phù hợp.</a:t>
-            </a:r>
-          </a:p>
-          <a:p>
-            <a:r>
-              <a:rPr lang="vi-VN" dirty="0">
-                <a:latin typeface="Times New Roman" panose="02020603050405020304" pitchFamily="18" charset="0"/>
-                <a:cs typeface="Times New Roman" panose="02020603050405020304" pitchFamily="18" charset="0"/>
-              </a:rPr>
-              <a:t>Bảng xếp hạng (Điểm-Time, Tên người chơi, Hạng) sẽ được lưu trên Sever </a:t>
-            </a:r>
-            <a:r>
-              <a:rPr lang="en-US" dirty="0">
-                <a:latin typeface="Times New Roman" panose="02020603050405020304" pitchFamily="18" charset="0"/>
-                <a:cs typeface="Times New Roman" panose="02020603050405020304" pitchFamily="18" charset="0"/>
-              </a:rPr>
-              <a:t>và có</a:t>
-            </a:r>
-            <a:r>
-              <a:rPr lang="vi-VN" dirty="0">
-                <a:latin typeface="Times New Roman" panose="02020603050405020304" pitchFamily="18" charset="0"/>
-                <a:cs typeface="Times New Roman" panose="02020603050405020304" pitchFamily="18" charset="0"/>
-              </a:rPr>
-              <a:t> DatabaseUser </a:t>
-            </a:r>
-            <a:endParaRPr lang="en-US" dirty="0">
+            <a:endParaRPr lang="vi-VN" sz="2500" dirty="0">
               <a:latin typeface="Times New Roman" panose="02020603050405020304" pitchFamily="18" charset="0"/>
               <a:cs typeface="Times New Roman" panose="02020603050405020304" pitchFamily="18" charset="0"/>
             </a:endParaRPr>
           </a:p>
           <a:p>
             <a:r>
-              <a:rPr lang="en-US" dirty="0" err="1">
+              <a:rPr lang="vi-VN" sz="2500" dirty="0">
                 <a:latin typeface="Times New Roman" panose="02020603050405020304" pitchFamily="18" charset="0"/>
                 <a:cs typeface="Times New Roman" panose="02020603050405020304" pitchFamily="18" charset="0"/>
               </a:rPr>
-              <a:t>Cải</a:t>
+              <a:t>Tạo chức năng viết nháp.</a:t>
             </a:r>
+          </a:p>
+          <a:p>
             <a:r>
-              <a:rPr lang="en-US" dirty="0">
+              <a:rPr lang="vi-VN" sz="2500" dirty="0">
                 <a:latin typeface="Times New Roman" panose="02020603050405020304" pitchFamily="18" charset="0"/>
                 <a:cs typeface="Times New Roman" panose="02020603050405020304" pitchFamily="18" charset="0"/>
               </a:rPr>
-              <a:t> </a:t>
+              <a:t>Tạo bảng xếp hạng giữa các người chơi để so sánh.</a:t>
             </a:r>
+          </a:p>
+          <a:p>
             <a:r>
-              <a:rPr lang="en-US" dirty="0" err="1">
+              <a:rPr lang="vi-VN" sz="2500" dirty="0">
                 <a:latin typeface="Times New Roman" panose="02020603050405020304" pitchFamily="18" charset="0"/>
                 <a:cs typeface="Times New Roman" panose="02020603050405020304" pitchFamily="18" charset="0"/>
               </a:rPr>
-              <a:t>thiện</a:t>
-            </a:r>
-            <a:r>
-              <a:rPr lang="en-US" dirty="0">
-                <a:latin typeface="Times New Roman" panose="02020603050405020304" pitchFamily="18" charset="0"/>
-                <a:cs typeface="Times New Roman" panose="02020603050405020304" pitchFamily="18" charset="0"/>
-              </a:rPr>
-              <a:t> giao diện ng</a:t>
-            </a:r>
-            <a:r>
-              <a:rPr lang="vi-VN" dirty="0">
-                <a:latin typeface="Times New Roman" panose="02020603050405020304" pitchFamily="18" charset="0"/>
-                <a:cs typeface="Times New Roman" panose="02020603050405020304" pitchFamily="18" charset="0"/>
-              </a:rPr>
-              <a:t>ư</a:t>
-            </a:r>
-            <a:r>
-              <a:rPr lang="en-US" dirty="0" err="1">
-                <a:latin typeface="Times New Roman" panose="02020603050405020304" pitchFamily="18" charset="0"/>
-                <a:cs typeface="Times New Roman" panose="02020603050405020304" pitchFamily="18" charset="0"/>
-              </a:rPr>
-              <a:t>ời</a:t>
-            </a:r>
-            <a:r>
-              <a:rPr lang="en-US" dirty="0">
-                <a:latin typeface="Times New Roman" panose="02020603050405020304" pitchFamily="18" charset="0"/>
-                <a:cs typeface="Times New Roman" panose="02020603050405020304" pitchFamily="18" charset="0"/>
-              </a:rPr>
-              <a:t> dùng</a:t>
-            </a:r>
-            <a:endParaRPr lang="vi-VN" dirty="0">
-              <a:latin typeface="Times New Roman" panose="02020603050405020304" pitchFamily="18" charset="0"/>
-              <a:cs typeface="Times New Roman" panose="02020603050405020304" pitchFamily="18" charset="0"/>
-            </a:endParaRPr>
-          </a:p>
-          <a:p>
-            <a:r>
-              <a:rPr lang="vi-VN" dirty="0">
-                <a:latin typeface="Times New Roman" panose="02020603050405020304" pitchFamily="18" charset="0"/>
-                <a:cs typeface="Times New Roman" panose="02020603050405020304" pitchFamily="18" charset="0"/>
-              </a:rPr>
-              <a:t>Tối ưu hóa thuật toán để</a:t>
-            </a:r>
-            <a:r>
-              <a:rPr lang="en-US" dirty="0">
-                <a:latin typeface="Times New Roman" panose="02020603050405020304" pitchFamily="18" charset="0"/>
-                <a:cs typeface="Times New Roman" panose="02020603050405020304" pitchFamily="18" charset="0"/>
-              </a:rPr>
-              <a:t> tìm nhiều cách giải h</a:t>
-            </a:r>
-            <a:r>
-              <a:rPr lang="vi-VN" dirty="0">
-                <a:latin typeface="Times New Roman" panose="02020603050405020304" pitchFamily="18" charset="0"/>
-                <a:cs typeface="Times New Roman" panose="02020603050405020304" pitchFamily="18" charset="0"/>
-              </a:rPr>
-              <a:t>ơ</a:t>
-            </a:r>
-            <a:r>
-              <a:rPr lang="en-US" dirty="0">
-                <a:latin typeface="Times New Roman" panose="02020603050405020304" pitchFamily="18" charset="0"/>
-                <a:cs typeface="Times New Roman" panose="02020603050405020304" pitchFamily="18" charset="0"/>
-              </a:rPr>
-              <a:t>n</a:t>
+              <a:t>Thiết kế game trên WPF.</a:t>
             </a:r>
           </a:p>
           <a:p>
@@ -14876,7 +12796,7 @@
                             </p:stCondLst>
                             <p:childTnLst>
                               <p:par>
-                                <p:cTn id="15" presetID="16" presetClass="entr" presetSubtype="21" fill="hold" nodeType="clickEffect">
+                                <p:cTn id="15" presetID="14" presetClass="entr" presetSubtype="10" fill="hold" nodeType="clickEffect">
                                   <p:stCondLst>
                                     <p:cond delay="0"/>
                                   </p:stCondLst>
@@ -14903,7 +12823,7 @@
                                         <p:strVal val="visible"/>
                                       </p:to>
                                     </p:set>
-                                    <p:animEffect transition="in" filter="barn(inVertical)">
+                                    <p:animEffect transition="in" filter="randombar(horizontal)">
                                       <p:cBhvr>
                                         <p:cTn id="17" dur="500"/>
                                         <p:tgtEl>
@@ -14937,7 +12857,7 @@
                             </p:stCondLst>
                             <p:childTnLst>
                               <p:par>
-                                <p:cTn id="20" presetID="10" presetClass="entr" presetSubtype="0" fill="hold" nodeType="clickEffect">
+                                <p:cTn id="20" presetID="14" presetClass="entr" presetSubtype="10" fill="hold" nodeType="clickEffect">
                                   <p:stCondLst>
                                     <p:cond delay="0"/>
                                   </p:stCondLst>
@@ -14964,7 +12884,7 @@
                                         <p:strVal val="visible"/>
                                       </p:to>
                                     </p:set>
-                                    <p:animEffect transition="in" filter="fade">
+                                    <p:animEffect transition="in" filter="randombar(horizontal)">
                                       <p:cBhvr>
                                         <p:cTn id="22" dur="500"/>
                                         <p:tgtEl>
@@ -14998,7 +12918,7 @@
                             </p:stCondLst>
                             <p:childTnLst>
                               <p:par>
-                                <p:cTn id="25" presetID="21" presetClass="entr" presetSubtype="1" fill="hold" nodeType="clickEffect">
+                                <p:cTn id="25" presetID="14" presetClass="entr" presetSubtype="10" fill="hold" nodeType="clickEffect">
                                   <p:stCondLst>
                                     <p:cond delay="0"/>
                                   </p:stCondLst>
@@ -15025,13 +12945,74 @@
                                         <p:strVal val="visible"/>
                                       </p:to>
                                     </p:set>
-                                    <p:animEffect transition="in" filter="wheel(1)">
+                                    <p:animEffect transition="in" filter="randombar(horizontal)">
                                       <p:cBhvr>
-                                        <p:cTn id="27" dur="2000"/>
+                                        <p:cTn id="27" dur="500"/>
                                         <p:tgtEl>
                                           <p:spTgt spid="3">
                                             <p:txEl>
                                               <p:pRg st="4" end="4"/>
+                                            </p:txEl>
+                                          </p:spTgt>
+                                        </p:tgtEl>
+                                      </p:cBhvr>
+                                    </p:animEffect>
+                                  </p:childTnLst>
+                                </p:cTn>
+                              </p:par>
+                            </p:childTnLst>
+                          </p:cTn>
+                        </p:par>
+                      </p:childTnLst>
+                    </p:cTn>
+                  </p:par>
+                  <p:par>
+                    <p:cTn id="28" fill="hold">
+                      <p:stCondLst>
+                        <p:cond delay="indefinite"/>
+                      </p:stCondLst>
+                      <p:childTnLst>
+                        <p:par>
+                          <p:cTn id="29" fill="hold">
+                            <p:stCondLst>
+                              <p:cond delay="0"/>
+                            </p:stCondLst>
+                            <p:childTnLst>
+                              <p:par>
+                                <p:cTn id="30" presetID="14" presetClass="entr" presetSubtype="10" fill="hold" nodeType="clickEffect">
+                                  <p:stCondLst>
+                                    <p:cond delay="0"/>
+                                  </p:stCondLst>
+                                  <p:childTnLst>
+                                    <p:set>
+                                      <p:cBhvr>
+                                        <p:cTn id="31" dur="1" fill="hold">
+                                          <p:stCondLst>
+                                            <p:cond delay="0"/>
+                                          </p:stCondLst>
+                                        </p:cTn>
+                                        <p:tgtEl>
+                                          <p:spTgt spid="3">
+                                            <p:txEl>
+                                              <p:pRg st="5" end="5"/>
+                                            </p:txEl>
+                                          </p:spTgt>
+                                        </p:tgtEl>
+                                        <p:attrNameLst>
+                                          <p:attrName>style.visibility</p:attrName>
+                                        </p:attrNameLst>
+                                      </p:cBhvr>
+                                      <p:to>
+                                        <p:strVal val="visible"/>
+                                      </p:to>
+                                    </p:set>
+                                    <p:animEffect transition="in" filter="randombar(horizontal)">
+                                      <p:cBhvr>
+                                        <p:cTn id="32" dur="500"/>
+                                        <p:tgtEl>
+                                          <p:spTgt spid="3">
+                                            <p:txEl>
+                                              <p:pRg st="5" end="5"/>
                                             </p:txEl>
                                           </p:spTgt>
                                         </p:tgtEl>
@@ -15071,7 +13052,7 @@
 </p:sld>
 </file>
 
-<file path=ppt/slides/slide15.xml><?xml version="1.0" encoding="utf-8"?>
+<file path=ppt/slides/slide14.xml><?xml version="1.0" encoding="utf-8"?>
 <p:sld xmlns:a="http://schemas.openxmlformats.org/drawingml/2006/main" xmlns:r="http://schemas.openxmlformats.org/officeDocument/2006/relationships" xmlns:p="http://schemas.openxmlformats.org/presentationml/2006/main">
   <p:cSld>
     <p:bg>
@@ -15574,13 +13555,13 @@
   <p:clrMapOvr>
     <a:masterClrMapping/>
   </p:clrMapOvr>
-  <mc:AlternateContent xmlns:mc="http://schemas.openxmlformats.org/markup-compatibility/2006" xmlns:p14="http://schemas.microsoft.com/office/powerpoint/2010/main">
-    <mc:Choice Requires="p14">
-      <p:transition spd="slow" p14:dur="4400">
-        <p14:honeycomb/>
+  <mc:AlternateContent xmlns:mc="http://schemas.openxmlformats.org/markup-compatibility/2006">
+    <mc:Choice xmlns:p15="http://schemas.microsoft.com/office/powerpoint/2012/main" Requires="p15">
+      <p:transition xmlns:p14="http://schemas.microsoft.com/office/powerpoint/2010/main" spd="slow" p14:dur="2000">
+        <p15:prstTrans prst="fracture"/>
       </p:transition>
     </mc:Choice>
-    <mc:Fallback xmlns="">
+    <mc:Fallback>
       <p:transition spd="slow">
         <p:fade/>
       </p:transition>
@@ -16020,7 +14001,7 @@
         </p:nvSpPr>
         <p:spPr>
           <a:xfrm>
-            <a:off x="2669754" y="1586918"/>
+            <a:off x="2770422" y="1954306"/>
             <a:ext cx="6311153" cy="2949388"/>
           </a:xfrm>
           <a:prstGeom prst="rect">
@@ -19719,392 +17700,12 @@
           </a:p>
         </p:txBody>
       </p:sp>
-      <p:sp>
-        <p:nvSpPr>
-          <p:cNvPr id="3" name="Content Placeholder 2">
+      <p:pic>
+        <p:nvPicPr>
+          <p:cNvPr id="14" name="Picture 13">
             <a:extLst>
               <a:ext uri="{FF2B5EF4-FFF2-40B4-BE49-F238E27FC236}">
-                <a16:creationId xmlns:a16="http://schemas.microsoft.com/office/drawing/2014/main" id="{DFE63AB9-4790-4FC6-BD85-4F2F9B18C684}"/>
-              </a:ext>
-            </a:extLst>
-          </p:cNvPr>
-          <p:cNvSpPr>
-            <a:spLocks noGrp="1"/>
-          </p:cNvSpPr>
-          <p:nvPr>
-            <p:ph idx="1"/>
-          </p:nvPr>
-        </p:nvSpPr>
-        <p:spPr/>
-        <p:txBody>
-          <a:bodyPr/>
-          <a:lstStyle/>
-          <a:p>
-            <a:endParaRPr lang="en-US" dirty="0"/>
-          </a:p>
-        </p:txBody>
-      </p:sp>
-    </p:spTree>
-    <p:extLst>
-      <p:ext uri="{BB962C8B-B14F-4D97-AF65-F5344CB8AC3E}">
-        <p14:creationId xmlns:p14="http://schemas.microsoft.com/office/powerpoint/2010/main" val="232349891"/>
-      </p:ext>
-    </p:extLst>
-  </p:cSld>
-  <p:clrMapOvr>
-    <a:masterClrMapping/>
-  </p:clrMapOvr>
-</p:sld>
-</file>
-
-<file path=ppt/slides/slide9.xml><?xml version="1.0" encoding="utf-8"?>
-<p:sld xmlns:a="http://schemas.openxmlformats.org/drawingml/2006/main" xmlns:r="http://schemas.openxmlformats.org/officeDocument/2006/relationships" xmlns:p="http://schemas.openxmlformats.org/presentationml/2006/main">
-  <p:cSld>
-    <p:spTree>
-      <p:nvGrpSpPr>
-        <p:cNvPr id="1" name=""/>
-        <p:cNvGrpSpPr/>
-        <p:nvPr/>
-      </p:nvGrpSpPr>
-      <p:grpSpPr>
-        <a:xfrm>
-          <a:off x="0" y="0"/>
-          <a:ext cx="0" cy="0"/>
-          <a:chOff x="0" y="0"/>
-          <a:chExt cx="0" cy="0"/>
-        </a:xfrm>
-      </p:grpSpPr>
-      <p:sp>
-        <p:nvSpPr>
-          <p:cNvPr id="2" name="Title 1">
-            <a:extLst>
-              <a:ext uri="{FF2B5EF4-FFF2-40B4-BE49-F238E27FC236}">
-                <a16:creationId xmlns:a16="http://schemas.microsoft.com/office/drawing/2014/main" id="{92EB90DA-8A9F-41FF-B683-95D119B299B7}"/>
-              </a:ext>
-            </a:extLst>
-          </p:cNvPr>
-          <p:cNvSpPr>
-            <a:spLocks noGrp="1"/>
-          </p:cNvSpPr>
-          <p:nvPr>
-            <p:ph type="title"/>
-          </p:nvPr>
-        </p:nvSpPr>
-        <p:spPr/>
-        <p:txBody>
-          <a:bodyPr/>
-          <a:lstStyle/>
-          <a:p>
-            <a:r>
-              <a:rPr lang="en-US" dirty="0">
-                <a:latin typeface="Times New Roman" panose="02020603050405020304" pitchFamily="18" charset="0"/>
-                <a:cs typeface="Times New Roman" panose="02020603050405020304" pitchFamily="18" charset="0"/>
-              </a:rPr>
-              <a:t>Hàm giải game sudoku</a:t>
-            </a:r>
-          </a:p>
-        </p:txBody>
-      </p:sp>
-      <p:sp>
-        <p:nvSpPr>
-          <p:cNvPr id="9" name="Arrow: Right 8">
-            <a:extLst>
-              <a:ext uri="{FF2B5EF4-FFF2-40B4-BE49-F238E27FC236}">
-                <a16:creationId xmlns:a16="http://schemas.microsoft.com/office/drawing/2014/main" id="{489B896E-7F71-49ED-8FF6-1338D8173C19}"/>
-              </a:ext>
-            </a:extLst>
-          </p:cNvPr>
-          <p:cNvSpPr/>
-          <p:nvPr/>
-        </p:nvSpPr>
-        <p:spPr>
-          <a:xfrm>
-            <a:off x="4993201" y="3516581"/>
-            <a:ext cx="1730188" cy="1118321"/>
-          </a:xfrm>
-          <a:prstGeom prst="rightArrow">
-            <a:avLst/>
-          </a:prstGeom>
-        </p:spPr>
-        <p:style>
-          <a:lnRef idx="2">
-            <a:schemeClr val="accent1">
-              <a:shade val="50000"/>
-            </a:schemeClr>
-          </a:lnRef>
-          <a:fillRef idx="1">
-            <a:schemeClr val="accent1"/>
-          </a:fillRef>
-          <a:effectRef idx="0">
-            <a:schemeClr val="accent1"/>
-          </a:effectRef>
-          <a:fontRef idx="minor">
-            <a:schemeClr val="lt1"/>
-          </a:fontRef>
-        </p:style>
-        <p:txBody>
-          <a:bodyPr rtlCol="0" anchor="ctr"/>
-          <a:lstStyle/>
-          <a:p>
-            <a:pPr algn="ctr"/>
-            <a:r>
-              <a:rPr lang="en-US" dirty="0" err="1">
-                <a:latin typeface="Times New Roman" panose="02020603050405020304" pitchFamily="18" charset="0"/>
-                <a:cs typeface="Times New Roman" panose="02020603050405020304" pitchFamily="18" charset="0"/>
-              </a:rPr>
-              <a:t>Khử</a:t>
-            </a:r>
-            <a:r>
-              <a:rPr lang="en-US" dirty="0">
-                <a:latin typeface="Times New Roman" panose="02020603050405020304" pitchFamily="18" charset="0"/>
-                <a:cs typeface="Times New Roman" panose="02020603050405020304" pitchFamily="18" charset="0"/>
-              </a:rPr>
-              <a:t> đệ quy</a:t>
-            </a:r>
-          </a:p>
-        </p:txBody>
-      </p:sp>
-      <p:sp>
-        <p:nvSpPr>
-          <p:cNvPr id="10" name="TextBox 9">
-            <a:extLst>
-              <a:ext uri="{FF2B5EF4-FFF2-40B4-BE49-F238E27FC236}">
-                <a16:creationId xmlns:a16="http://schemas.microsoft.com/office/drawing/2014/main" id="{CC96CF1D-2128-48F2-B618-5526850AEA22}"/>
-              </a:ext>
-            </a:extLst>
-          </p:cNvPr>
-          <p:cNvSpPr txBox="1"/>
-          <p:nvPr/>
-        </p:nvSpPr>
-        <p:spPr>
-          <a:xfrm>
-            <a:off x="4032526" y="3900571"/>
-            <a:ext cx="1309919" cy="369332"/>
-          </a:xfrm>
-          <a:prstGeom prst="rect">
-            <a:avLst/>
-          </a:prstGeom>
-          <a:noFill/>
-        </p:spPr>
-        <p:txBody>
-          <a:bodyPr wrap="square" rtlCol="0">
-            <a:spAutoFit/>
-          </a:bodyPr>
-          <a:lstStyle/>
-          <a:p>
-            <a:r>
-              <a:rPr lang="en-US" dirty="0">
-                <a:latin typeface="Times New Roman" panose="02020603050405020304" pitchFamily="18" charset="0"/>
-                <a:cs typeface="Times New Roman" panose="02020603050405020304" pitchFamily="18" charset="0"/>
-              </a:rPr>
-              <a:t>Đệ Quy</a:t>
-            </a:r>
-          </a:p>
-        </p:txBody>
-      </p:sp>
-      <p:sp>
-        <p:nvSpPr>
-          <p:cNvPr id="12" name="TextBox 11">
-            <a:extLst>
-              <a:ext uri="{FF2B5EF4-FFF2-40B4-BE49-F238E27FC236}">
-                <a16:creationId xmlns:a16="http://schemas.microsoft.com/office/drawing/2014/main" id="{0909745D-A720-4E57-844A-E9B179ACC7A9}"/>
-              </a:ext>
-            </a:extLst>
-          </p:cNvPr>
-          <p:cNvSpPr txBox="1"/>
-          <p:nvPr/>
-        </p:nvSpPr>
-        <p:spPr>
-          <a:xfrm>
-            <a:off x="6793928" y="3726037"/>
-            <a:ext cx="2065107" cy="707886"/>
-          </a:xfrm>
-          <a:prstGeom prst="rect">
-            <a:avLst/>
-          </a:prstGeom>
-          <a:noFill/>
-        </p:spPr>
-        <p:txBody>
-          <a:bodyPr wrap="square" rtlCol="0">
-            <a:spAutoFit/>
-          </a:bodyPr>
-          <a:lstStyle/>
-          <a:p>
-            <a:r>
-              <a:rPr lang="en-US" sz="4000" b="1" dirty="0">
-                <a:solidFill>
-                  <a:srgbClr val="FF0000"/>
-                </a:solidFill>
-                <a:effectLst>
-                  <a:outerShdw blurRad="38100" dist="38100" dir="2700000" algn="tl">
-                    <a:srgbClr val="000000">
-                      <a:alpha val="43137"/>
-                    </a:srgbClr>
-                  </a:outerShdw>
-                </a:effectLst>
-                <a:latin typeface="Times New Roman" panose="02020603050405020304" pitchFamily="18" charset="0"/>
-                <a:cs typeface="Times New Roman" panose="02020603050405020304" pitchFamily="18" charset="0"/>
-              </a:rPr>
-              <a:t>STACK</a:t>
-            </a:r>
-          </a:p>
-        </p:txBody>
-      </p:sp>
-      <p:sp>
-        <p:nvSpPr>
-          <p:cNvPr id="13" name="TextBox 12">
-            <a:extLst>
-              <a:ext uri="{FF2B5EF4-FFF2-40B4-BE49-F238E27FC236}">
-                <a16:creationId xmlns:a16="http://schemas.microsoft.com/office/drawing/2014/main" id="{97D2629D-2BD4-429C-8ECD-C48FFCA830A9}"/>
-              </a:ext>
-            </a:extLst>
-          </p:cNvPr>
-          <p:cNvSpPr txBox="1"/>
-          <p:nvPr/>
-        </p:nvSpPr>
-        <p:spPr>
-          <a:xfrm>
-            <a:off x="5298141" y="2097741"/>
-            <a:ext cx="2501153" cy="369332"/>
-          </a:xfrm>
-          <a:prstGeom prst="rect">
-            <a:avLst/>
-          </a:prstGeom>
-          <a:noFill/>
-        </p:spPr>
-        <p:txBody>
-          <a:bodyPr wrap="square" rtlCol="0">
-            <a:spAutoFit/>
-          </a:bodyPr>
-          <a:lstStyle/>
-          <a:p>
-            <a:r>
-              <a:rPr lang="en-US" dirty="0">
-                <a:latin typeface="Times New Roman" panose="02020603050405020304" pitchFamily="18" charset="0"/>
-                <a:cs typeface="Times New Roman" panose="02020603050405020304" pitchFamily="18" charset="0"/>
-              </a:rPr>
-              <a:t>Khó hiểu </a:t>
-            </a:r>
-            <a:r>
-              <a:rPr lang="en-US" dirty="0" err="1">
-                <a:latin typeface="Times New Roman" panose="02020603050405020304" pitchFamily="18" charset="0"/>
-                <a:cs typeface="Times New Roman" panose="02020603050405020304" pitchFamily="18" charset="0"/>
-              </a:rPr>
-              <a:t>cho</a:t>
-            </a:r>
-            <a:r>
-              <a:rPr lang="en-US" dirty="0">
-                <a:latin typeface="Times New Roman" panose="02020603050405020304" pitchFamily="18" charset="0"/>
-                <a:cs typeface="Times New Roman" panose="02020603050405020304" pitchFamily="18" charset="0"/>
-              </a:rPr>
-              <a:t> ng</a:t>
-            </a:r>
-            <a:r>
-              <a:rPr lang="vi-VN" dirty="0">
-                <a:latin typeface="Times New Roman" panose="02020603050405020304" pitchFamily="18" charset="0"/>
-                <a:cs typeface="Times New Roman" panose="02020603050405020304" pitchFamily="18" charset="0"/>
-              </a:rPr>
-              <a:t>ư</a:t>
-            </a:r>
-            <a:r>
-              <a:rPr lang="en-US" dirty="0" err="1">
-                <a:latin typeface="Times New Roman" panose="02020603050405020304" pitchFamily="18" charset="0"/>
-                <a:cs typeface="Times New Roman" panose="02020603050405020304" pitchFamily="18" charset="0"/>
-              </a:rPr>
-              <a:t>ời</a:t>
-            </a:r>
-            <a:r>
-              <a:rPr lang="en-US" dirty="0">
-                <a:latin typeface="Times New Roman" panose="02020603050405020304" pitchFamily="18" charset="0"/>
-                <a:cs typeface="Times New Roman" panose="02020603050405020304" pitchFamily="18" charset="0"/>
-              </a:rPr>
-              <a:t> đọc</a:t>
-            </a:r>
-          </a:p>
-        </p:txBody>
-      </p:sp>
-      <p:sp>
-        <p:nvSpPr>
-          <p:cNvPr id="14" name="TextBox 13">
-            <a:extLst>
-              <a:ext uri="{FF2B5EF4-FFF2-40B4-BE49-F238E27FC236}">
-                <a16:creationId xmlns:a16="http://schemas.microsoft.com/office/drawing/2014/main" id="{9E3E57D2-E400-45C7-9389-225BE2763987}"/>
-              </a:ext>
-            </a:extLst>
-          </p:cNvPr>
-          <p:cNvSpPr txBox="1"/>
-          <p:nvPr/>
-        </p:nvSpPr>
-        <p:spPr>
-          <a:xfrm>
-            <a:off x="5298140" y="2533376"/>
-            <a:ext cx="2501153" cy="369332"/>
-          </a:xfrm>
-          <a:prstGeom prst="rect">
-            <a:avLst/>
-          </a:prstGeom>
-          <a:noFill/>
-        </p:spPr>
-        <p:txBody>
-          <a:bodyPr wrap="square" rtlCol="0">
-            <a:spAutoFit/>
-          </a:bodyPr>
-          <a:lstStyle/>
-          <a:p>
-            <a:r>
-              <a:rPr lang="en-US" dirty="0">
-                <a:latin typeface="Times New Roman" panose="02020603050405020304" pitchFamily="18" charset="0"/>
-                <a:cs typeface="Times New Roman" panose="02020603050405020304" pitchFamily="18" charset="0"/>
-              </a:rPr>
-              <a:t>Tốn nhiều bộ nhớ</a:t>
-            </a:r>
-          </a:p>
-        </p:txBody>
-      </p:sp>
-      <p:sp>
-        <p:nvSpPr>
-          <p:cNvPr id="15" name="TextBox 14">
-            <a:extLst>
-              <a:ext uri="{FF2B5EF4-FFF2-40B4-BE49-F238E27FC236}">
-                <a16:creationId xmlns:a16="http://schemas.microsoft.com/office/drawing/2014/main" id="{D0EFC1EC-1208-4AA0-A0B2-62DEF74F6657}"/>
-              </a:ext>
-            </a:extLst>
-          </p:cNvPr>
-          <p:cNvSpPr txBox="1"/>
-          <p:nvPr/>
-        </p:nvSpPr>
-        <p:spPr>
-          <a:xfrm>
-            <a:off x="5298140" y="2968564"/>
-            <a:ext cx="2065107" cy="369332"/>
-          </a:xfrm>
-          <a:prstGeom prst="rect">
-            <a:avLst/>
-          </a:prstGeom>
-          <a:noFill/>
-        </p:spPr>
-        <p:txBody>
-          <a:bodyPr wrap="square" rtlCol="0">
-            <a:spAutoFit/>
-          </a:bodyPr>
-          <a:lstStyle/>
-          <a:p>
-            <a:r>
-              <a:rPr lang="en-US" dirty="0">
-                <a:latin typeface="Times New Roman" panose="02020603050405020304" pitchFamily="18" charset="0"/>
-                <a:cs typeface="Times New Roman" panose="02020603050405020304" pitchFamily="18" charset="0"/>
-              </a:rPr>
-              <a:t>Xử lý chậm</a:t>
-            </a:r>
-          </a:p>
-        </p:txBody>
-      </p:sp>
-      <p:pic>
-        <p:nvPicPr>
-          <p:cNvPr id="16" name="Picture 15">
-            <a:extLst>
-              <a:ext uri="{FF2B5EF4-FFF2-40B4-BE49-F238E27FC236}">
-                <a16:creationId xmlns:a16="http://schemas.microsoft.com/office/drawing/2014/main" id="{CB61A595-CBA2-4B53-9D17-AC6607FC3863}"/>
+                <a16:creationId xmlns:a16="http://schemas.microsoft.com/office/drawing/2014/main" id="{E21DED3C-3077-4D27-A616-A725F58CF8F3}"/>
               </a:ext>
             </a:extLst>
           </p:cNvPr>
@@ -20121,8 +17722,8 @@
         </p:blipFill>
         <p:spPr>
           <a:xfrm>
-            <a:off x="4132774" y="679284"/>
-            <a:ext cx="5371592" cy="5499431"/>
+            <a:off x="2435684" y="2006657"/>
+            <a:ext cx="6817329" cy="4149187"/>
           </a:xfrm>
           <a:prstGeom prst="rect">
             <a:avLst/>
@@ -20131,10 +17732,10 @@
       </p:pic>
       <p:pic>
         <p:nvPicPr>
-          <p:cNvPr id="19" name="Picture 18">
+          <p:cNvPr id="15" name="Picture 14">
             <a:extLst>
               <a:ext uri="{FF2B5EF4-FFF2-40B4-BE49-F238E27FC236}">
-                <a16:creationId xmlns:a16="http://schemas.microsoft.com/office/drawing/2014/main" id="{9897E1B8-8D9E-4362-99B6-7CE8462B316E}"/>
+                <a16:creationId xmlns:a16="http://schemas.microsoft.com/office/drawing/2014/main" id="{45DC7649-6EA7-4CBA-919E-A7B3665B8A04}"/>
               </a:ext>
             </a:extLst>
           </p:cNvPr>
@@ -20151,637 +17752,24 @@
         </p:blipFill>
         <p:spPr>
           <a:xfrm>
-            <a:off x="423368" y="1959240"/>
-            <a:ext cx="3662760" cy="4304073"/>
+            <a:off x="1098958" y="1966577"/>
+            <a:ext cx="9654835" cy="4158682"/>
           </a:xfrm>
           <a:prstGeom prst="rect">
             <a:avLst/>
           </a:prstGeom>
         </p:spPr>
       </p:pic>
-      <p:sp>
-        <p:nvSpPr>
-          <p:cNvPr id="20" name="TextBox 19">
-            <a:extLst>
-              <a:ext uri="{FF2B5EF4-FFF2-40B4-BE49-F238E27FC236}">
-                <a16:creationId xmlns:a16="http://schemas.microsoft.com/office/drawing/2014/main" id="{0A8ADFCE-B24E-4346-A1B1-BAFC71A57B8D}"/>
-              </a:ext>
-            </a:extLst>
-          </p:cNvPr>
-          <p:cNvSpPr txBox="1"/>
-          <p:nvPr/>
-        </p:nvSpPr>
-        <p:spPr>
-          <a:xfrm>
-            <a:off x="366482" y="1959241"/>
-            <a:ext cx="3550023" cy="646331"/>
-          </a:xfrm>
-          <a:prstGeom prst="rect">
-            <a:avLst/>
-          </a:prstGeom>
-          <a:noFill/>
-        </p:spPr>
-        <p:txBody>
-          <a:bodyPr wrap="square" rtlCol="0">
-            <a:spAutoFit/>
-          </a:bodyPr>
-          <a:lstStyle/>
-          <a:p>
-            <a:r>
-              <a:rPr lang="en-US" dirty="0">
-                <a:latin typeface="Times New Roman" panose="02020603050405020304" pitchFamily="18" charset="0"/>
-                <a:cs typeface="Times New Roman" panose="02020603050405020304" pitchFamily="18" charset="0"/>
-              </a:rPr>
-              <a:t>Thông </a:t>
-            </a:r>
-            <a:r>
-              <a:rPr lang="en-US" dirty="0" err="1">
-                <a:latin typeface="Times New Roman" panose="02020603050405020304" pitchFamily="18" charset="0"/>
-                <a:cs typeface="Times New Roman" panose="02020603050405020304" pitchFamily="18" charset="0"/>
-              </a:rPr>
-              <a:t>th</a:t>
-            </a:r>
-            <a:r>
-              <a:rPr lang="vi-VN" dirty="0">
-                <a:latin typeface="Times New Roman" panose="02020603050405020304" pitchFamily="18" charset="0"/>
-                <a:cs typeface="Times New Roman" panose="02020603050405020304" pitchFamily="18" charset="0"/>
-              </a:rPr>
-              <a:t>ư</a:t>
-            </a:r>
-            <a:r>
-              <a:rPr lang="en-US" dirty="0" err="1">
-                <a:latin typeface="Times New Roman" panose="02020603050405020304" pitchFamily="18" charset="0"/>
-                <a:cs typeface="Times New Roman" panose="02020603050405020304" pitchFamily="18" charset="0"/>
-              </a:rPr>
-              <a:t>ờng</a:t>
-            </a:r>
-            <a:r>
-              <a:rPr lang="en-US" dirty="0">
-                <a:latin typeface="Times New Roman" panose="02020603050405020304" pitchFamily="18" charset="0"/>
-                <a:cs typeface="Times New Roman" panose="02020603050405020304" pitchFamily="18" charset="0"/>
-              </a:rPr>
-              <a:t> sẽ </a:t>
-            </a:r>
-            <a:r>
-              <a:rPr lang="en-US" dirty="0" err="1">
-                <a:latin typeface="Times New Roman" panose="02020603050405020304" pitchFamily="18" charset="0"/>
-                <a:cs typeface="Times New Roman" panose="02020603050405020304" pitchFamily="18" charset="0"/>
-              </a:rPr>
-              <a:t>áp</a:t>
-            </a:r>
-            <a:r>
-              <a:rPr lang="en-US" dirty="0">
-                <a:latin typeface="Times New Roman" panose="02020603050405020304" pitchFamily="18" charset="0"/>
-                <a:cs typeface="Times New Roman" panose="02020603050405020304" pitchFamily="18" charset="0"/>
-              </a:rPr>
-              <a:t> dụng đệ quy để viết thuật toán quay </a:t>
-            </a:r>
-            <a:r>
-              <a:rPr lang="en-US" dirty="0" err="1">
-                <a:latin typeface="Times New Roman" panose="02020603050405020304" pitchFamily="18" charset="0"/>
-                <a:cs typeface="Times New Roman" panose="02020603050405020304" pitchFamily="18" charset="0"/>
-              </a:rPr>
-              <a:t>lui</a:t>
-            </a:r>
-            <a:endParaRPr lang="en-US" dirty="0">
-              <a:latin typeface="Times New Roman" panose="02020603050405020304" pitchFamily="18" charset="0"/>
-              <a:cs typeface="Times New Roman" panose="02020603050405020304" pitchFamily="18" charset="0"/>
-            </a:endParaRPr>
-          </a:p>
-        </p:txBody>
-      </p:sp>
-      <p:pic>
-        <p:nvPicPr>
-          <p:cNvPr id="21" name="Picture 20">
-            <a:extLst>
-              <a:ext uri="{FF2B5EF4-FFF2-40B4-BE49-F238E27FC236}">
-                <a16:creationId xmlns:a16="http://schemas.microsoft.com/office/drawing/2014/main" id="{C031A4F8-4AD7-4020-AA64-64D5BFF81E2B}"/>
-              </a:ext>
-            </a:extLst>
-          </p:cNvPr>
-          <p:cNvPicPr>
-            <a:picLocks noChangeAspect="1"/>
-          </p:cNvPicPr>
-          <p:nvPr/>
-        </p:nvPicPr>
-        <p:blipFill>
-          <a:blip r:embed="rId4"/>
-          <a:stretch>
-            <a:fillRect/>
-          </a:stretch>
-        </p:blipFill>
-        <p:spPr>
-          <a:xfrm>
-            <a:off x="470014" y="2004418"/>
-            <a:ext cx="3400425" cy="1609725"/>
-          </a:xfrm>
-          <a:prstGeom prst="rect">
-            <a:avLst/>
-          </a:prstGeom>
-        </p:spPr>
-      </p:pic>
-      <p:pic>
-        <p:nvPicPr>
-          <p:cNvPr id="22" name="Picture 21">
-            <a:extLst>
-              <a:ext uri="{FF2B5EF4-FFF2-40B4-BE49-F238E27FC236}">
-                <a16:creationId xmlns:a16="http://schemas.microsoft.com/office/drawing/2014/main" id="{B75100D6-937C-4E72-87A9-E604A2F91C4D}"/>
-              </a:ext>
-            </a:extLst>
-          </p:cNvPr>
-          <p:cNvPicPr>
-            <a:picLocks noChangeAspect="1"/>
-          </p:cNvPicPr>
-          <p:nvPr/>
-        </p:nvPicPr>
-        <p:blipFill>
-          <a:blip r:embed="rId5"/>
-          <a:stretch>
-            <a:fillRect/>
-          </a:stretch>
-        </p:blipFill>
-        <p:spPr>
-          <a:xfrm>
-            <a:off x="423368" y="3726037"/>
-            <a:ext cx="3404836" cy="2882868"/>
-          </a:xfrm>
-          <a:prstGeom prst="rect">
-            <a:avLst/>
-          </a:prstGeom>
-        </p:spPr>
-      </p:pic>
-      <p:sp>
-        <p:nvSpPr>
-          <p:cNvPr id="24" name="Rectangle 23">
-            <a:extLst>
-              <a:ext uri="{FF2B5EF4-FFF2-40B4-BE49-F238E27FC236}">
-                <a16:creationId xmlns:a16="http://schemas.microsoft.com/office/drawing/2014/main" id="{10FDB73C-3633-4835-920D-E41C0E9D40C7}"/>
-              </a:ext>
-            </a:extLst>
-          </p:cNvPr>
-          <p:cNvSpPr/>
-          <p:nvPr/>
-        </p:nvSpPr>
-        <p:spPr>
-          <a:xfrm>
-            <a:off x="9522384" y="3320119"/>
-            <a:ext cx="2065108" cy="1314783"/>
-          </a:xfrm>
-          <a:prstGeom prst="rect">
-            <a:avLst/>
-          </a:prstGeom>
-        </p:spPr>
-        <p:style>
-          <a:lnRef idx="2">
-            <a:schemeClr val="accent1">
-              <a:shade val="50000"/>
-            </a:schemeClr>
-          </a:lnRef>
-          <a:fillRef idx="1">
-            <a:schemeClr val="accent1"/>
-          </a:fillRef>
-          <a:effectRef idx="0">
-            <a:schemeClr val="accent1"/>
-          </a:effectRef>
-          <a:fontRef idx="minor">
-            <a:schemeClr val="lt1"/>
-          </a:fontRef>
-        </p:style>
-        <p:txBody>
-          <a:bodyPr rtlCol="0" anchor="ctr"/>
-          <a:lstStyle/>
-          <a:p>
-            <a:pPr algn="ctr"/>
-            <a:endParaRPr lang="en-US" dirty="0">
-              <a:latin typeface="Times New Roman" panose="02020603050405020304" pitchFamily="18" charset="0"/>
-              <a:cs typeface="Times New Roman" panose="02020603050405020304" pitchFamily="18" charset="0"/>
-            </a:endParaRPr>
-          </a:p>
-        </p:txBody>
-      </p:sp>
-      <p:pic>
-        <p:nvPicPr>
-          <p:cNvPr id="25" name="Picture 24">
-            <a:extLst>
-              <a:ext uri="{FF2B5EF4-FFF2-40B4-BE49-F238E27FC236}">
-                <a16:creationId xmlns:a16="http://schemas.microsoft.com/office/drawing/2014/main" id="{A6B54C9E-2819-450E-8EFE-3EC199D7B4AE}"/>
-              </a:ext>
-            </a:extLst>
-          </p:cNvPr>
-          <p:cNvPicPr>
-            <a:picLocks noChangeAspect="1"/>
-          </p:cNvPicPr>
-          <p:nvPr/>
-        </p:nvPicPr>
-        <p:blipFill>
-          <a:blip r:embed="rId6"/>
-          <a:stretch>
-            <a:fillRect/>
-          </a:stretch>
-        </p:blipFill>
-        <p:spPr>
-          <a:xfrm>
-            <a:off x="9504366" y="3836215"/>
-            <a:ext cx="2184881" cy="282589"/>
-          </a:xfrm>
-          <a:prstGeom prst="rect">
-            <a:avLst/>
-          </a:prstGeom>
-        </p:spPr>
-      </p:pic>
-      <p:sp>
-        <p:nvSpPr>
-          <p:cNvPr id="27" name="Rectangle 26">
-            <a:extLst>
-              <a:ext uri="{FF2B5EF4-FFF2-40B4-BE49-F238E27FC236}">
-                <a16:creationId xmlns:a16="http://schemas.microsoft.com/office/drawing/2014/main" id="{822C8CBB-B36D-4A0D-ABFF-2521A4AE16D9}"/>
-              </a:ext>
-            </a:extLst>
-          </p:cNvPr>
-          <p:cNvSpPr/>
-          <p:nvPr/>
-        </p:nvSpPr>
-        <p:spPr>
-          <a:xfrm>
-            <a:off x="420473" y="1885199"/>
-            <a:ext cx="11274013" cy="4903694"/>
-          </a:xfrm>
-          <a:prstGeom prst="rect">
-            <a:avLst/>
-          </a:prstGeom>
-          <a:solidFill>
-            <a:schemeClr val="bg1"/>
-          </a:solidFill>
-        </p:spPr>
-        <p:style>
-          <a:lnRef idx="2">
-            <a:schemeClr val="accent1">
-              <a:shade val="50000"/>
-            </a:schemeClr>
-          </a:lnRef>
-          <a:fillRef idx="1">
-            <a:schemeClr val="accent1"/>
-          </a:fillRef>
-          <a:effectRef idx="0">
-            <a:schemeClr val="accent1"/>
-          </a:effectRef>
-          <a:fontRef idx="minor">
-            <a:schemeClr val="lt1"/>
-          </a:fontRef>
-        </p:style>
-        <p:txBody>
-          <a:bodyPr rtlCol="0" anchor="ctr"/>
-          <a:lstStyle/>
-          <a:p>
-            <a:pPr algn="ctr"/>
-            <a:endParaRPr lang="en-US" dirty="0">
-              <a:latin typeface="Times New Roman" panose="02020603050405020304" pitchFamily="18" charset="0"/>
-              <a:cs typeface="Times New Roman" panose="02020603050405020304" pitchFamily="18" charset="0"/>
-            </a:endParaRPr>
-          </a:p>
-        </p:txBody>
-      </p:sp>
-      <p:sp>
-        <p:nvSpPr>
-          <p:cNvPr id="28" name="TextBox 27">
-            <a:extLst>
-              <a:ext uri="{FF2B5EF4-FFF2-40B4-BE49-F238E27FC236}">
-                <a16:creationId xmlns:a16="http://schemas.microsoft.com/office/drawing/2014/main" id="{C3EF84E0-6589-4536-B7E0-A332B041BEAE}"/>
-              </a:ext>
-            </a:extLst>
-          </p:cNvPr>
-          <p:cNvSpPr txBox="1"/>
-          <p:nvPr/>
-        </p:nvSpPr>
-        <p:spPr>
-          <a:xfrm>
-            <a:off x="959224" y="2533376"/>
-            <a:ext cx="3963438" cy="369332"/>
-          </a:xfrm>
-          <a:prstGeom prst="rect">
-            <a:avLst/>
-          </a:prstGeom>
-          <a:noFill/>
-        </p:spPr>
-        <p:txBody>
-          <a:bodyPr wrap="square" rtlCol="0">
-            <a:spAutoFit/>
-          </a:bodyPr>
-          <a:lstStyle/>
-          <a:p>
-            <a:endParaRPr lang="en-US" dirty="0">
-              <a:latin typeface="Times New Roman" panose="02020603050405020304" pitchFamily="18" charset="0"/>
-              <a:cs typeface="Times New Roman" panose="02020603050405020304" pitchFamily="18" charset="0"/>
-            </a:endParaRPr>
-          </a:p>
-        </p:txBody>
-      </p:sp>
-      <p:sp>
-        <p:nvSpPr>
-          <p:cNvPr id="29" name="TextBox 28">
-            <a:extLst>
-              <a:ext uri="{FF2B5EF4-FFF2-40B4-BE49-F238E27FC236}">
-                <a16:creationId xmlns:a16="http://schemas.microsoft.com/office/drawing/2014/main" id="{D8B99F86-53BA-4DDB-844E-06AF5898E819}"/>
-              </a:ext>
-            </a:extLst>
-          </p:cNvPr>
-          <p:cNvSpPr txBox="1"/>
-          <p:nvPr/>
-        </p:nvSpPr>
-        <p:spPr>
-          <a:xfrm>
-            <a:off x="903719" y="2228159"/>
-            <a:ext cx="6598023" cy="2862322"/>
-          </a:xfrm>
-          <a:prstGeom prst="rect">
-            <a:avLst/>
-          </a:prstGeom>
-          <a:noFill/>
-        </p:spPr>
-        <p:txBody>
-          <a:bodyPr wrap="square" rtlCol="0">
-            <a:spAutoFit/>
-          </a:bodyPr>
-          <a:lstStyle/>
-          <a:p>
-            <a:r>
-              <a:rPr lang="en-US" dirty="0">
-                <a:latin typeface="Times New Roman" panose="02020603050405020304" pitchFamily="18" charset="0"/>
-                <a:cs typeface="Times New Roman" panose="02020603050405020304" pitchFamily="18" charset="0"/>
-              </a:rPr>
-              <a:t>Hàm giải sẽ đ</a:t>
-            </a:r>
-            <a:r>
-              <a:rPr lang="vi-VN" dirty="0">
-                <a:latin typeface="Times New Roman" panose="02020603050405020304" pitchFamily="18" charset="0"/>
-                <a:cs typeface="Times New Roman" panose="02020603050405020304" pitchFamily="18" charset="0"/>
-              </a:rPr>
-              <a:t>ư</a:t>
-            </a:r>
-            <a:r>
-              <a:rPr lang="en-US" dirty="0" err="1">
-                <a:latin typeface="Times New Roman" panose="02020603050405020304" pitchFamily="18" charset="0"/>
-                <a:cs typeface="Times New Roman" panose="02020603050405020304" pitchFamily="18" charset="0"/>
-              </a:rPr>
-              <a:t>ợc</a:t>
-            </a:r>
-            <a:r>
-              <a:rPr lang="en-US" dirty="0">
-                <a:latin typeface="Times New Roman" panose="02020603050405020304" pitchFamily="18" charset="0"/>
-                <a:cs typeface="Times New Roman" panose="02020603050405020304" pitchFamily="18" charset="0"/>
-              </a:rPr>
-              <a:t> </a:t>
-            </a:r>
-            <a:r>
-              <a:rPr lang="en-US" dirty="0" err="1">
-                <a:latin typeface="Times New Roman" panose="02020603050405020304" pitchFamily="18" charset="0"/>
-                <a:cs typeface="Times New Roman" panose="02020603050405020304" pitchFamily="18" charset="0"/>
-              </a:rPr>
-              <a:t>áp</a:t>
-            </a:r>
-            <a:r>
-              <a:rPr lang="en-US" dirty="0">
-                <a:latin typeface="Times New Roman" panose="02020603050405020304" pitchFamily="18" charset="0"/>
-                <a:cs typeface="Times New Roman" panose="02020603050405020304" pitchFamily="18" charset="0"/>
-              </a:rPr>
-              <a:t> dụng </a:t>
-            </a:r>
-            <a:r>
-              <a:rPr lang="en-US" dirty="0" err="1">
-                <a:latin typeface="Times New Roman" panose="02020603050405020304" pitchFamily="18" charset="0"/>
-                <a:cs typeface="Times New Roman" panose="02020603050405020304" pitchFamily="18" charset="0"/>
-              </a:rPr>
-              <a:t>rất</a:t>
-            </a:r>
-            <a:r>
-              <a:rPr lang="en-US" dirty="0">
-                <a:latin typeface="Times New Roman" panose="02020603050405020304" pitchFamily="18" charset="0"/>
-                <a:cs typeface="Times New Roman" panose="02020603050405020304" pitchFamily="18" charset="0"/>
-              </a:rPr>
-              <a:t> nhiều trong các chức năng của Game:</a:t>
-            </a:r>
-          </a:p>
-          <a:p>
-            <a:endParaRPr lang="en-US" dirty="0">
-              <a:latin typeface="Times New Roman" panose="02020603050405020304" pitchFamily="18" charset="0"/>
-              <a:cs typeface="Times New Roman" panose="02020603050405020304" pitchFamily="18" charset="0"/>
-            </a:endParaRPr>
-          </a:p>
-          <a:p>
-            <a:endParaRPr lang="en-US" dirty="0">
-              <a:latin typeface="Times New Roman" panose="02020603050405020304" pitchFamily="18" charset="0"/>
-              <a:cs typeface="Times New Roman" panose="02020603050405020304" pitchFamily="18" charset="0"/>
-            </a:endParaRPr>
-          </a:p>
-          <a:p>
-            <a:r>
-              <a:rPr lang="en-US" dirty="0">
-                <a:latin typeface="Times New Roman" panose="02020603050405020304" pitchFamily="18" charset="0"/>
-                <a:cs typeface="Times New Roman" panose="02020603050405020304" pitchFamily="18" charset="0"/>
-              </a:rPr>
-              <a:t>Solve: Giải cả ma trận.</a:t>
-            </a:r>
-          </a:p>
-          <a:p>
-            <a:endParaRPr lang="en-US" dirty="0">
-              <a:latin typeface="Times New Roman" panose="02020603050405020304" pitchFamily="18" charset="0"/>
-              <a:cs typeface="Times New Roman" panose="02020603050405020304" pitchFamily="18" charset="0"/>
-            </a:endParaRPr>
-          </a:p>
-          <a:p>
-            <a:endParaRPr lang="en-US" dirty="0">
-              <a:latin typeface="Times New Roman" panose="02020603050405020304" pitchFamily="18" charset="0"/>
-              <a:cs typeface="Times New Roman" panose="02020603050405020304" pitchFamily="18" charset="0"/>
-            </a:endParaRPr>
-          </a:p>
-          <a:p>
-            <a:r>
-              <a:rPr lang="en-US" dirty="0">
-                <a:latin typeface="Times New Roman" panose="02020603050405020304" pitchFamily="18" charset="0"/>
-                <a:cs typeface="Times New Roman" panose="02020603050405020304" pitchFamily="18" charset="0"/>
-              </a:rPr>
-              <a:t>Hint: Chỉ giải 1 ô mà ng</a:t>
-            </a:r>
-            <a:r>
-              <a:rPr lang="vi-VN" dirty="0">
-                <a:latin typeface="Times New Roman" panose="02020603050405020304" pitchFamily="18" charset="0"/>
-                <a:cs typeface="Times New Roman" panose="02020603050405020304" pitchFamily="18" charset="0"/>
-              </a:rPr>
-              <a:t>ư</a:t>
-            </a:r>
-            <a:r>
-              <a:rPr lang="en-US" dirty="0" err="1">
-                <a:latin typeface="Times New Roman" panose="02020603050405020304" pitchFamily="18" charset="0"/>
-                <a:cs typeface="Times New Roman" panose="02020603050405020304" pitchFamily="18" charset="0"/>
-              </a:rPr>
-              <a:t>ời</a:t>
-            </a:r>
-            <a:r>
-              <a:rPr lang="en-US" dirty="0">
-                <a:latin typeface="Times New Roman" panose="02020603050405020304" pitchFamily="18" charset="0"/>
-                <a:cs typeface="Times New Roman" panose="02020603050405020304" pitchFamily="18" charset="0"/>
-              </a:rPr>
-              <a:t> </a:t>
-            </a:r>
-            <a:r>
-              <a:rPr lang="en-US" dirty="0" err="1">
-                <a:latin typeface="Times New Roman" panose="02020603050405020304" pitchFamily="18" charset="0"/>
-                <a:cs typeface="Times New Roman" panose="02020603050405020304" pitchFamily="18" charset="0"/>
-              </a:rPr>
-              <a:t>ch</a:t>
-            </a:r>
-            <a:r>
-              <a:rPr lang="vi-VN" dirty="0">
-                <a:latin typeface="Times New Roman" panose="02020603050405020304" pitchFamily="18" charset="0"/>
-                <a:cs typeface="Times New Roman" panose="02020603050405020304" pitchFamily="18" charset="0"/>
-              </a:rPr>
-              <a:t>ơ</a:t>
-            </a:r>
-            <a:r>
-              <a:rPr lang="en-US" dirty="0" err="1">
-                <a:latin typeface="Times New Roman" panose="02020603050405020304" pitchFamily="18" charset="0"/>
-                <a:cs typeface="Times New Roman" panose="02020603050405020304" pitchFamily="18" charset="0"/>
-              </a:rPr>
-              <a:t>i</a:t>
-            </a:r>
-            <a:r>
-              <a:rPr lang="en-US" dirty="0">
-                <a:latin typeface="Times New Roman" panose="02020603050405020304" pitchFamily="18" charset="0"/>
-                <a:cs typeface="Times New Roman" panose="02020603050405020304" pitchFamily="18" charset="0"/>
-              </a:rPr>
-              <a:t> muốn giải</a:t>
-            </a:r>
-          </a:p>
-          <a:p>
-            <a:endParaRPr lang="en-US" dirty="0">
-              <a:latin typeface="Times New Roman" panose="02020603050405020304" pitchFamily="18" charset="0"/>
-              <a:cs typeface="Times New Roman" panose="02020603050405020304" pitchFamily="18" charset="0"/>
-            </a:endParaRPr>
-          </a:p>
-          <a:p>
-            <a:endParaRPr lang="en-US" dirty="0">
-              <a:latin typeface="Times New Roman" panose="02020603050405020304" pitchFamily="18" charset="0"/>
-              <a:cs typeface="Times New Roman" panose="02020603050405020304" pitchFamily="18" charset="0"/>
-            </a:endParaRPr>
-          </a:p>
-          <a:p>
-            <a:r>
-              <a:rPr lang="en-US" dirty="0">
-                <a:latin typeface="Times New Roman" panose="02020603050405020304" pitchFamily="18" charset="0"/>
-                <a:cs typeface="Times New Roman" panose="02020603050405020304" pitchFamily="18" charset="0"/>
-              </a:rPr>
-              <a:t>Level (Sinh </a:t>
-            </a:r>
-            <a:r>
-              <a:rPr lang="en-US" dirty="0" err="1">
-                <a:latin typeface="Times New Roman" panose="02020603050405020304" pitchFamily="18" charset="0"/>
-                <a:cs typeface="Times New Roman" panose="02020603050405020304" pitchFamily="18" charset="0"/>
-              </a:rPr>
-              <a:t>ngẫu</a:t>
-            </a:r>
-            <a:r>
-              <a:rPr lang="en-US" dirty="0">
-                <a:latin typeface="Times New Roman" panose="02020603050405020304" pitchFamily="18" charset="0"/>
-                <a:cs typeface="Times New Roman" panose="02020603050405020304" pitchFamily="18" charset="0"/>
-              </a:rPr>
-              <a:t> nhiên ma trận Sudoku)</a:t>
-            </a:r>
-          </a:p>
-        </p:txBody>
-      </p:sp>
-      <p:sp>
-        <p:nvSpPr>
-          <p:cNvPr id="31" name="TextBox 30">
-            <a:extLst>
-              <a:ext uri="{FF2B5EF4-FFF2-40B4-BE49-F238E27FC236}">
-                <a16:creationId xmlns:a16="http://schemas.microsoft.com/office/drawing/2014/main" id="{2D1DE856-244C-4A87-8EBC-932486FA85A9}"/>
-              </a:ext>
-            </a:extLst>
-          </p:cNvPr>
-          <p:cNvSpPr txBox="1"/>
-          <p:nvPr/>
-        </p:nvSpPr>
-        <p:spPr>
-          <a:xfrm>
-            <a:off x="6249518" y="3472059"/>
-            <a:ext cx="2707322" cy="707886"/>
-          </a:xfrm>
-          <a:prstGeom prst="rect">
-            <a:avLst/>
-          </a:prstGeom>
-          <a:noFill/>
-        </p:spPr>
-        <p:txBody>
-          <a:bodyPr wrap="square" rtlCol="0">
-            <a:spAutoFit/>
-          </a:bodyPr>
-          <a:lstStyle/>
-          <a:p>
-            <a:r>
-              <a:rPr lang="en-US" sz="2000" dirty="0">
-                <a:latin typeface="Times New Roman" panose="02020603050405020304" pitchFamily="18" charset="0"/>
-                <a:cs typeface="Times New Roman" panose="02020603050405020304" pitchFamily="18" charset="0"/>
-              </a:rPr>
-              <a:t>Tất cả sẽ đ</a:t>
-            </a:r>
-            <a:r>
-              <a:rPr lang="vi-VN" sz="2000" dirty="0">
-                <a:latin typeface="Times New Roman" panose="02020603050405020304" pitchFamily="18" charset="0"/>
-                <a:cs typeface="Times New Roman" panose="02020603050405020304" pitchFamily="18" charset="0"/>
-              </a:rPr>
-              <a:t>ư</a:t>
-            </a:r>
-            <a:r>
-              <a:rPr lang="en-US" sz="2000" dirty="0" err="1">
-                <a:latin typeface="Times New Roman" panose="02020603050405020304" pitchFamily="18" charset="0"/>
-                <a:cs typeface="Times New Roman" panose="02020603050405020304" pitchFamily="18" charset="0"/>
-              </a:rPr>
-              <a:t>ợc</a:t>
-            </a:r>
-            <a:r>
-              <a:rPr lang="en-US" sz="2000" dirty="0">
-                <a:latin typeface="Times New Roman" panose="02020603050405020304" pitchFamily="18" charset="0"/>
-                <a:cs typeface="Times New Roman" panose="02020603050405020304" pitchFamily="18" charset="0"/>
-              </a:rPr>
-              <a:t> DEMO sau thuyết trình </a:t>
-            </a:r>
-            <a:r>
-              <a:rPr lang="en-US" sz="2000" dirty="0">
-                <a:latin typeface="Times New Roman" panose="02020603050405020304" pitchFamily="18" charset="0"/>
-                <a:cs typeface="Times New Roman" panose="02020603050405020304" pitchFamily="18" charset="0"/>
-                <a:sym typeface="Wingdings" panose="05000000000000000000" pitchFamily="2" charset="2"/>
-              </a:rPr>
-              <a:t>   </a:t>
-            </a:r>
-            <a:endParaRPr lang="en-US" sz="2000" dirty="0">
-              <a:latin typeface="Times New Roman" panose="02020603050405020304" pitchFamily="18" charset="0"/>
-              <a:cs typeface="Times New Roman" panose="02020603050405020304" pitchFamily="18" charset="0"/>
-            </a:endParaRPr>
-          </a:p>
-        </p:txBody>
-      </p:sp>
     </p:spTree>
     <p:extLst>
       <p:ext uri="{BB962C8B-B14F-4D97-AF65-F5344CB8AC3E}">
-        <p14:creationId xmlns:p14="http://schemas.microsoft.com/office/powerpoint/2010/main" val="3108214073"/>
+        <p14:creationId xmlns:p14="http://schemas.microsoft.com/office/powerpoint/2010/main" val="232349891"/>
       </p:ext>
     </p:extLst>
   </p:cSld>
   <p:clrMapOvr>
     <a:masterClrMapping/>
   </p:clrMapOvr>
-  <mc:AlternateContent xmlns:mc="http://schemas.openxmlformats.org/markup-compatibility/2006" xmlns:p15="http://schemas.microsoft.com/office/powerpoint/2012/main">
-    <mc:Choice Requires="p15">
-      <p:transition xmlns:p14="http://schemas.microsoft.com/office/powerpoint/2010/main" spd="slow" p14:dur="2000">
-        <p15:prstTrans prst="wind"/>
-      </p:transition>
-    </mc:Choice>
-    <mc:Fallback xmlns="">
-      <p:transition spd="slow">
-        <p:fade/>
-      </p:transition>
-    </mc:Fallback>
-  </mc:AlternateContent>
   <p:timing>
     <p:tnLst>
       <p:par>
@@ -20803,7 +17791,7 @@
                             </p:stCondLst>
                             <p:childTnLst>
                               <p:par>
-                                <p:cTn id="5" presetID="2" presetClass="entr" presetSubtype="4" fill="hold" grpId="0" nodeType="clickEffect">
+                                <p:cTn id="5" presetID="6" presetClass="entr" presetSubtype="16" fill="hold" nodeType="clickEffect">
                                   <p:stCondLst>
                                     <p:cond delay="0"/>
                                   </p:stCondLst>
@@ -20811,294 +17799,6 @@
                                     <p:set>
                                       <p:cBhvr>
                                         <p:cTn id="6" dur="1" fill="hold">
-                                          <p:stCondLst>
-                                            <p:cond delay="0"/>
-                                          </p:stCondLst>
-                                        </p:cTn>
-                                        <p:tgtEl>
-                                          <p:spTgt spid="20"/>
-                                        </p:tgtEl>
-                                        <p:attrNameLst>
-                                          <p:attrName>style.visibility</p:attrName>
-                                        </p:attrNameLst>
-                                      </p:cBhvr>
-                                      <p:to>
-                                        <p:strVal val="visible"/>
-                                      </p:to>
-                                    </p:set>
-                                    <p:anim calcmode="lin" valueType="num">
-                                      <p:cBhvr additive="base">
-                                        <p:cTn id="7" dur="500" fill="hold"/>
-                                        <p:tgtEl>
-                                          <p:spTgt spid="20"/>
-                                        </p:tgtEl>
-                                        <p:attrNameLst>
-                                          <p:attrName>ppt_x</p:attrName>
-                                        </p:attrNameLst>
-                                      </p:cBhvr>
-                                      <p:tavLst>
-                                        <p:tav tm="0">
-                                          <p:val>
-                                            <p:strVal val="#ppt_x"/>
-                                          </p:val>
-                                        </p:tav>
-                                        <p:tav tm="100000">
-                                          <p:val>
-                                            <p:strVal val="#ppt_x"/>
-                                          </p:val>
-                                        </p:tav>
-                                      </p:tavLst>
-                                    </p:anim>
-                                    <p:anim calcmode="lin" valueType="num">
-                                      <p:cBhvr additive="base">
-                                        <p:cTn id="8" dur="500" fill="hold"/>
-                                        <p:tgtEl>
-                                          <p:spTgt spid="20"/>
-                                        </p:tgtEl>
-                                        <p:attrNameLst>
-                                          <p:attrName>ppt_y</p:attrName>
-                                        </p:attrNameLst>
-                                      </p:cBhvr>
-                                      <p:tavLst>
-                                        <p:tav tm="0">
-                                          <p:val>
-                                            <p:strVal val="1+#ppt_h/2"/>
-                                          </p:val>
-                                        </p:tav>
-                                        <p:tav tm="100000">
-                                          <p:val>
-                                            <p:strVal val="#ppt_y"/>
-                                          </p:val>
-                                        </p:tav>
-                                      </p:tavLst>
-                                    </p:anim>
-                                  </p:childTnLst>
-                                </p:cTn>
-                              </p:par>
-                            </p:childTnLst>
-                          </p:cTn>
-                        </p:par>
-                      </p:childTnLst>
-                    </p:cTn>
-                  </p:par>
-                  <p:par>
-                    <p:cTn id="9" fill="hold">
-                      <p:stCondLst>
-                        <p:cond delay="indefinite"/>
-                      </p:stCondLst>
-                      <p:childTnLst>
-                        <p:par>
-                          <p:cTn id="10" fill="hold">
-                            <p:stCondLst>
-                              <p:cond delay="0"/>
-                            </p:stCondLst>
-                            <p:childTnLst>
-                              <p:par>
-                                <p:cTn id="11" presetID="10" presetClass="exit" presetSubtype="0" fill="hold" grpId="1" nodeType="clickEffect">
-                                  <p:stCondLst>
-                                    <p:cond delay="0"/>
-                                  </p:stCondLst>
-                                  <p:childTnLst>
-                                    <p:animEffect transition="out" filter="fade">
-                                      <p:cBhvr>
-                                        <p:cTn id="12" dur="500"/>
-                                        <p:tgtEl>
-                                          <p:spTgt spid="20"/>
-                                        </p:tgtEl>
-                                      </p:cBhvr>
-                                    </p:animEffect>
-                                    <p:set>
-                                      <p:cBhvr>
-                                        <p:cTn id="13" dur="1" fill="hold">
-                                          <p:stCondLst>
-                                            <p:cond delay="499"/>
-                                          </p:stCondLst>
-                                        </p:cTn>
-                                        <p:tgtEl>
-                                          <p:spTgt spid="20"/>
-                                        </p:tgtEl>
-                                        <p:attrNameLst>
-                                          <p:attrName>style.visibility</p:attrName>
-                                        </p:attrNameLst>
-                                      </p:cBhvr>
-                                      <p:to>
-                                        <p:strVal val="hidden"/>
-                                      </p:to>
-                                    </p:set>
-                                  </p:childTnLst>
-                                </p:cTn>
-                              </p:par>
-                            </p:childTnLst>
-                          </p:cTn>
-                        </p:par>
-                      </p:childTnLst>
-                    </p:cTn>
-                  </p:par>
-                  <p:par>
-                    <p:cTn id="14" fill="hold">
-                      <p:stCondLst>
-                        <p:cond delay="indefinite"/>
-                      </p:stCondLst>
-                      <p:childTnLst>
-                        <p:par>
-                          <p:cTn id="15" fill="hold">
-                            <p:stCondLst>
-                              <p:cond delay="0"/>
-                            </p:stCondLst>
-                            <p:childTnLst>
-                              <p:par>
-                                <p:cTn id="16" presetID="16" presetClass="entr" presetSubtype="21" fill="hold" nodeType="clickEffect">
-                                  <p:stCondLst>
-                                    <p:cond delay="0"/>
-                                  </p:stCondLst>
-                                  <p:childTnLst>
-                                    <p:set>
-                                      <p:cBhvr>
-                                        <p:cTn id="17" dur="1" fill="hold">
-                                          <p:stCondLst>
-                                            <p:cond delay="0"/>
-                                          </p:stCondLst>
-                                        </p:cTn>
-                                        <p:tgtEl>
-                                          <p:spTgt spid="19"/>
-                                        </p:tgtEl>
-                                        <p:attrNameLst>
-                                          <p:attrName>style.visibility</p:attrName>
-                                        </p:attrNameLst>
-                                      </p:cBhvr>
-                                      <p:to>
-                                        <p:strVal val="visible"/>
-                                      </p:to>
-                                    </p:set>
-                                    <p:animEffect transition="in" filter="barn(inVertical)">
-                                      <p:cBhvr>
-                                        <p:cTn id="18" dur="500"/>
-                                        <p:tgtEl>
-                                          <p:spTgt spid="19"/>
-                                        </p:tgtEl>
-                                      </p:cBhvr>
-                                    </p:animEffect>
-                                  </p:childTnLst>
-                                </p:cTn>
-                              </p:par>
-                            </p:childTnLst>
-                          </p:cTn>
-                        </p:par>
-                      </p:childTnLst>
-                    </p:cTn>
-                  </p:par>
-                  <p:par>
-                    <p:cTn id="19" fill="hold">
-                      <p:stCondLst>
-                        <p:cond delay="indefinite"/>
-                      </p:stCondLst>
-                      <p:childTnLst>
-                        <p:par>
-                          <p:cTn id="20" fill="hold">
-                            <p:stCondLst>
-                              <p:cond delay="0"/>
-                            </p:stCondLst>
-                            <p:childTnLst>
-                              <p:par>
-                                <p:cTn id="21" presetID="2" presetClass="entr" presetSubtype="4" fill="hold" grpId="0" nodeType="clickEffect">
-                                  <p:stCondLst>
-                                    <p:cond delay="0"/>
-                                  </p:stCondLst>
-                                  <p:childTnLst>
-                                    <p:set>
-                                      <p:cBhvr>
-                                        <p:cTn id="22" dur="1" fill="hold">
-                                          <p:stCondLst>
-                                            <p:cond delay="0"/>
-                                          </p:stCondLst>
-                                        </p:cTn>
-                                        <p:tgtEl>
-                                          <p:spTgt spid="13"/>
-                                        </p:tgtEl>
-                                        <p:attrNameLst>
-                                          <p:attrName>style.visibility</p:attrName>
-                                        </p:attrNameLst>
-                                      </p:cBhvr>
-                                      <p:to>
-                                        <p:strVal val="visible"/>
-                                      </p:to>
-                                    </p:set>
-                                    <p:anim calcmode="lin" valueType="num">
-                                      <p:cBhvr additive="base">
-                                        <p:cTn id="23" dur="500" fill="hold"/>
-                                        <p:tgtEl>
-                                          <p:spTgt spid="13"/>
-                                        </p:tgtEl>
-                                        <p:attrNameLst>
-                                          <p:attrName>ppt_x</p:attrName>
-                                        </p:attrNameLst>
-                                      </p:cBhvr>
-                                      <p:tavLst>
-                                        <p:tav tm="0">
-                                          <p:val>
-                                            <p:strVal val="#ppt_x"/>
-                                          </p:val>
-                                        </p:tav>
-                                        <p:tav tm="100000">
-                                          <p:val>
-                                            <p:strVal val="#ppt_x"/>
-                                          </p:val>
-                                        </p:tav>
-                                      </p:tavLst>
-                                    </p:anim>
-                                    <p:anim calcmode="lin" valueType="num">
-                                      <p:cBhvr additive="base">
-                                        <p:cTn id="24" dur="500" fill="hold"/>
-                                        <p:tgtEl>
-                                          <p:spTgt spid="13"/>
-                                        </p:tgtEl>
-                                        <p:attrNameLst>
-                                          <p:attrName>ppt_y</p:attrName>
-                                        </p:attrNameLst>
-                                      </p:cBhvr>
-                                      <p:tavLst>
-                                        <p:tav tm="0">
-                                          <p:val>
-                                            <p:strVal val="1+#ppt_h/2"/>
-                                          </p:val>
-                                        </p:tav>
-                                        <p:tav tm="100000">
-                                          <p:val>
-                                            <p:strVal val="#ppt_y"/>
-                                          </p:val>
-                                        </p:tav>
-                                      </p:tavLst>
-                                    </p:anim>
-                                  </p:childTnLst>
-                                </p:cTn>
-                              </p:par>
-                            </p:childTnLst>
-                          </p:cTn>
-                        </p:par>
-                      </p:childTnLst>
-                    </p:cTn>
-                  </p:par>
-                  <p:par>
-                    <p:cTn id="25" fill="hold">
-                      <p:stCondLst>
-                        <p:cond delay="indefinite"/>
-                      </p:stCondLst>
-                      <p:childTnLst>
-                        <p:par>
-                          <p:cTn id="26" fill="hold">
-                            <p:stCondLst>
-                              <p:cond delay="0"/>
-                            </p:stCondLst>
-                            <p:childTnLst>
-                              <p:par>
-                                <p:cTn id="27" presetID="2" presetClass="entr" presetSubtype="4" fill="hold" grpId="0" nodeType="clickEffect">
-                                  <p:stCondLst>
-                                    <p:cond delay="0"/>
-                                  </p:stCondLst>
-                                  <p:childTnLst>
-                                    <p:set>
-                                      <p:cBhvr>
-                                        <p:cTn id="28" dur="1" fill="hold">
                                           <p:stCondLst>
                                             <p:cond delay="0"/>
                                           </p:stCondLst>
@@ -21114,52 +17814,14 @@
                                         <p:strVal val="visible"/>
                                       </p:to>
                                     </p:set>
-                                    <p:anim calcmode="lin" valueType="num">
-                                      <p:cBhvr additive="base">
-                                        <p:cTn id="29" dur="500" fill="hold"/>
+                                    <p:animEffect transition="in" filter="circle(in)">
+                                      <p:cBhvr>
+                                        <p:cTn id="7" dur="2000"/>
                                         <p:tgtEl>
                                           <p:spTgt spid="14"/>
                                         </p:tgtEl>
-                                        <p:attrNameLst>
-                                          <p:attrName>ppt_x</p:attrName>
-                                        </p:attrNameLst>
                                       </p:cBhvr>
-                                      <p:tavLst>
-                                        <p:tav tm="0">
-                                          <p:val>
-                                            <p:strVal val="#ppt_x"/>
-                                          </p:val>
-                                        </p:tav>
-                                        <p:tav tm="100000">
-                                          <p:val>
-                                            <p:strVal val="#ppt_x"/>
-                                          </p:val>
-                                        </p:tav>
-                                      </p:tavLst>
-                                    </p:anim>
-                                    <p:anim calcmode="lin" valueType="num">
-                                      <p:cBhvr additive="base">
-                                        <p:cTn id="30" dur="500" fill="hold"/>
-                                        <p:tgtEl>
-                                          <p:spTgt spid="14"/>
-                                        </p:tgtEl>
-                                        <p:attrNameLst>
-                                          <p:attrName>ppt_y</p:attrName>
-                                        </p:attrNameLst>
-                                      </p:cBhvr>
-                                      <p:tavLst>
-                                        <p:tav tm="0">
-                                          <p:val>
-                                            <p:strVal val="1+#ppt_h/2"/>
-                                          </p:val>
-                                        </p:tav>
-                                        <p:tav tm="100000">
-                                          <p:val>
-                                            <p:strVal val="#ppt_y"/>
-                                          </p:val>
-                                        </p:tav>
-                                      </p:tavLst>
-                                    </p:anim>
+                                    </p:animEffect>
                                   </p:childTnLst>
                                 </p:cTn>
                               </p:par>
@@ -21170,26 +17832,26 @@
                     </p:cTn>
                   </p:par>
                   <p:par>
-                    <p:cTn id="31" fill="hold">
+                    <p:cTn id="8" fill="hold">
                       <p:stCondLst>
                         <p:cond delay="indefinite"/>
                       </p:stCondLst>
                       <p:childTnLst>
                         <p:par>
-                          <p:cTn id="32" fill="hold">
+                          <p:cTn id="9" fill="hold">
                             <p:stCondLst>
                               <p:cond delay="0"/>
                             </p:stCondLst>
                             <p:childTnLst>
                               <p:par>
-                                <p:cTn id="33" presetID="2" presetClass="entr" presetSubtype="4" fill="hold" grpId="0" nodeType="clickEffect">
+                                <p:cTn id="10" presetID="16" presetClass="entr" presetSubtype="21" fill="hold" nodeType="clickEffect">
                                   <p:stCondLst>
                                     <p:cond delay="0"/>
                                   </p:stCondLst>
                                   <p:childTnLst>
                                     <p:set>
                                       <p:cBhvr>
-                                        <p:cTn id="34" dur="1" fill="hold">
+                                        <p:cTn id="11" dur="1" fill="hold">
                                           <p:stCondLst>
                                             <p:cond delay="0"/>
                                           </p:stCondLst>
@@ -21205,2087 +17867,11 @@
                                         <p:strVal val="visible"/>
                                       </p:to>
                                     </p:set>
-                                    <p:anim calcmode="lin" valueType="num">
-                                      <p:cBhvr additive="base">
-                                        <p:cTn id="35" dur="500" fill="hold"/>
+                                    <p:animEffect transition="in" filter="barn(inVertical)">
+                                      <p:cBhvr>
+                                        <p:cTn id="12" dur="500"/>
                                         <p:tgtEl>
                                           <p:spTgt spid="15"/>
-                                        </p:tgtEl>
-                                        <p:attrNameLst>
-                                          <p:attrName>ppt_x</p:attrName>
-                                        </p:attrNameLst>
-                                      </p:cBhvr>
-                                      <p:tavLst>
-                                        <p:tav tm="0">
-                                          <p:val>
-                                            <p:strVal val="#ppt_x"/>
-                                          </p:val>
-                                        </p:tav>
-                                        <p:tav tm="100000">
-                                          <p:val>
-                                            <p:strVal val="#ppt_x"/>
-                                          </p:val>
-                                        </p:tav>
-                                      </p:tavLst>
-                                    </p:anim>
-                                    <p:anim calcmode="lin" valueType="num">
-                                      <p:cBhvr additive="base">
-                                        <p:cTn id="36" dur="500" fill="hold"/>
-                                        <p:tgtEl>
-                                          <p:spTgt spid="15"/>
-                                        </p:tgtEl>
-                                        <p:attrNameLst>
-                                          <p:attrName>ppt_y</p:attrName>
-                                        </p:attrNameLst>
-                                      </p:cBhvr>
-                                      <p:tavLst>
-                                        <p:tav tm="0">
-                                          <p:val>
-                                            <p:strVal val="1+#ppt_h/2"/>
-                                          </p:val>
-                                        </p:tav>
-                                        <p:tav tm="100000">
-                                          <p:val>
-                                            <p:strVal val="#ppt_y"/>
-                                          </p:val>
-                                        </p:tav>
-                                      </p:tavLst>
-                                    </p:anim>
-                                  </p:childTnLst>
-                                </p:cTn>
-                              </p:par>
-                            </p:childTnLst>
-                          </p:cTn>
-                        </p:par>
-                      </p:childTnLst>
-                    </p:cTn>
-                  </p:par>
-                  <p:par>
-                    <p:cTn id="37" fill="hold">
-                      <p:stCondLst>
-                        <p:cond delay="indefinite"/>
-                      </p:stCondLst>
-                      <p:childTnLst>
-                        <p:par>
-                          <p:cTn id="38" fill="hold">
-                            <p:stCondLst>
-                              <p:cond delay="0"/>
-                            </p:stCondLst>
-                            <p:childTnLst>
-                              <p:par>
-                                <p:cTn id="39" presetID="26" presetClass="entr" presetSubtype="0" fill="hold" grpId="0" nodeType="clickEffect">
-                                  <p:stCondLst>
-                                    <p:cond delay="0"/>
-                                  </p:stCondLst>
-                                  <p:childTnLst>
-                                    <p:set>
-                                      <p:cBhvr>
-                                        <p:cTn id="40" dur="1" fill="hold">
-                                          <p:stCondLst>
-                                            <p:cond delay="0"/>
-                                          </p:stCondLst>
-                                        </p:cTn>
-                                        <p:tgtEl>
-                                          <p:spTgt spid="10"/>
-                                        </p:tgtEl>
-                                        <p:attrNameLst>
-                                          <p:attrName>style.visibility</p:attrName>
-                                        </p:attrNameLst>
-                                      </p:cBhvr>
-                                      <p:to>
-                                        <p:strVal val="visible"/>
-                                      </p:to>
-                                    </p:set>
-                                    <p:animEffect transition="in" filter="wipe(down)">
-                                      <p:cBhvr>
-                                        <p:cTn id="41" dur="580">
-                                          <p:stCondLst>
-                                            <p:cond delay="0"/>
-                                          </p:stCondLst>
-                                        </p:cTn>
-                                        <p:tgtEl>
-                                          <p:spTgt spid="10"/>
-                                        </p:tgtEl>
-                                      </p:cBhvr>
-                                    </p:animEffect>
-                                    <p:anim calcmode="lin" valueType="num">
-                                      <p:cBhvr>
-                                        <p:cTn id="42" dur="1822" tmFilter="0,0; 0.14,0.36; 0.43,0.73; 0.71,0.91; 1.0,1.0">
-                                          <p:stCondLst>
-                                            <p:cond delay="0"/>
-                                          </p:stCondLst>
-                                        </p:cTn>
-                                        <p:tgtEl>
-                                          <p:spTgt spid="10"/>
-                                        </p:tgtEl>
-                                        <p:attrNameLst>
-                                          <p:attrName>ppt_x</p:attrName>
-                                        </p:attrNameLst>
-                                      </p:cBhvr>
-                                      <p:tavLst>
-                                        <p:tav tm="0">
-                                          <p:val>
-                                            <p:strVal val="#ppt_x-0.25"/>
-                                          </p:val>
-                                        </p:tav>
-                                        <p:tav tm="100000">
-                                          <p:val>
-                                            <p:strVal val="#ppt_x"/>
-                                          </p:val>
-                                        </p:tav>
-                                      </p:tavLst>
-                                    </p:anim>
-                                    <p:anim calcmode="lin" valueType="num">
-                                      <p:cBhvr>
-                                        <p:cTn id="43" dur="664" tmFilter="0.0,0.0; 0.25,0.07; 0.50,0.2; 0.75,0.467; 1.0,1.0">
-                                          <p:stCondLst>
-                                            <p:cond delay="0"/>
-                                          </p:stCondLst>
-                                        </p:cTn>
-                                        <p:tgtEl>
-                                          <p:spTgt spid="10"/>
-                                        </p:tgtEl>
-                                        <p:attrNameLst>
-                                          <p:attrName>ppt_y</p:attrName>
-                                        </p:attrNameLst>
-                                      </p:cBhvr>
-                                      <p:tavLst>
-                                        <p:tav tm="0" fmla="#ppt_y-sin(pi*$)/3">
-                                          <p:val>
-                                            <p:fltVal val="0.5"/>
-                                          </p:val>
-                                        </p:tav>
-                                        <p:tav tm="100000">
-                                          <p:val>
-                                            <p:fltVal val="1"/>
-                                          </p:val>
-                                        </p:tav>
-                                      </p:tavLst>
-                                    </p:anim>
-                                    <p:anim calcmode="lin" valueType="num">
-                                      <p:cBhvr>
-                                        <p:cTn id="44" dur="664" tmFilter="0, 0; 0.125,0.2665; 0.25,0.4; 0.375,0.465; 0.5,0.5;  0.625,0.535; 0.75,0.6; 0.875,0.7335; 1,1">
-                                          <p:stCondLst>
-                                            <p:cond delay="664"/>
-                                          </p:stCondLst>
-                                        </p:cTn>
-                                        <p:tgtEl>
-                                          <p:spTgt spid="10"/>
-                                        </p:tgtEl>
-                                        <p:attrNameLst>
-                                          <p:attrName>ppt_y</p:attrName>
-                                        </p:attrNameLst>
-                                      </p:cBhvr>
-                                      <p:tavLst>
-                                        <p:tav tm="0" fmla="#ppt_y-sin(pi*$)/9">
-                                          <p:val>
-                                            <p:fltVal val="0"/>
-                                          </p:val>
-                                        </p:tav>
-                                        <p:tav tm="100000">
-                                          <p:val>
-                                            <p:fltVal val="1"/>
-                                          </p:val>
-                                        </p:tav>
-                                      </p:tavLst>
-                                    </p:anim>
-                                    <p:anim calcmode="lin" valueType="num">
-                                      <p:cBhvr>
-                                        <p:cTn id="45" dur="332" tmFilter="0, 0; 0.125,0.2665; 0.25,0.4; 0.375,0.465; 0.5,0.5;  0.625,0.535; 0.75,0.6; 0.875,0.7335; 1,1">
-                                          <p:stCondLst>
-                                            <p:cond delay="1324"/>
-                                          </p:stCondLst>
-                                        </p:cTn>
-                                        <p:tgtEl>
-                                          <p:spTgt spid="10"/>
-                                        </p:tgtEl>
-                                        <p:attrNameLst>
-                                          <p:attrName>ppt_y</p:attrName>
-                                        </p:attrNameLst>
-                                      </p:cBhvr>
-                                      <p:tavLst>
-                                        <p:tav tm="0" fmla="#ppt_y-sin(pi*$)/27">
-                                          <p:val>
-                                            <p:fltVal val="0"/>
-                                          </p:val>
-                                        </p:tav>
-                                        <p:tav tm="100000">
-                                          <p:val>
-                                            <p:fltVal val="1"/>
-                                          </p:val>
-                                        </p:tav>
-                                      </p:tavLst>
-                                    </p:anim>
-                                    <p:anim calcmode="lin" valueType="num">
-                                      <p:cBhvr>
-                                        <p:cTn id="46" dur="164" tmFilter="0, 0; 0.125,0.2665; 0.25,0.4; 0.375,0.465; 0.5,0.5;  0.625,0.535; 0.75,0.6; 0.875,0.7335; 1,1">
-                                          <p:stCondLst>
-                                            <p:cond delay="1656"/>
-                                          </p:stCondLst>
-                                        </p:cTn>
-                                        <p:tgtEl>
-                                          <p:spTgt spid="10"/>
-                                        </p:tgtEl>
-                                        <p:attrNameLst>
-                                          <p:attrName>ppt_y</p:attrName>
-                                        </p:attrNameLst>
-                                      </p:cBhvr>
-                                      <p:tavLst>
-                                        <p:tav tm="0" fmla="#ppt_y-sin(pi*$)/81">
-                                          <p:val>
-                                            <p:fltVal val="0"/>
-                                          </p:val>
-                                        </p:tav>
-                                        <p:tav tm="100000">
-                                          <p:val>
-                                            <p:fltVal val="1"/>
-                                          </p:val>
-                                        </p:tav>
-                                      </p:tavLst>
-                                    </p:anim>
-                                    <p:animScale>
-                                      <p:cBhvr>
-                                        <p:cTn id="47" dur="26">
-                                          <p:stCondLst>
-                                            <p:cond delay="650"/>
-                                          </p:stCondLst>
-                                        </p:cTn>
-                                        <p:tgtEl>
-                                          <p:spTgt spid="10"/>
-                                        </p:tgtEl>
-                                      </p:cBhvr>
-                                      <p:to x="100000" y="60000"/>
-                                    </p:animScale>
-                                    <p:animScale>
-                                      <p:cBhvr>
-                                        <p:cTn id="48" dur="166" decel="50000">
-                                          <p:stCondLst>
-                                            <p:cond delay="676"/>
-                                          </p:stCondLst>
-                                        </p:cTn>
-                                        <p:tgtEl>
-                                          <p:spTgt spid="10"/>
-                                        </p:tgtEl>
-                                      </p:cBhvr>
-                                      <p:to x="100000" y="100000"/>
-                                    </p:animScale>
-                                    <p:animScale>
-                                      <p:cBhvr>
-                                        <p:cTn id="49" dur="26">
-                                          <p:stCondLst>
-                                            <p:cond delay="1312"/>
-                                          </p:stCondLst>
-                                        </p:cTn>
-                                        <p:tgtEl>
-                                          <p:spTgt spid="10"/>
-                                        </p:tgtEl>
-                                      </p:cBhvr>
-                                      <p:to x="100000" y="80000"/>
-                                    </p:animScale>
-                                    <p:animScale>
-                                      <p:cBhvr>
-                                        <p:cTn id="50" dur="166" decel="50000">
-                                          <p:stCondLst>
-                                            <p:cond delay="1338"/>
-                                          </p:stCondLst>
-                                        </p:cTn>
-                                        <p:tgtEl>
-                                          <p:spTgt spid="10"/>
-                                        </p:tgtEl>
-                                      </p:cBhvr>
-                                      <p:to x="100000" y="100000"/>
-                                    </p:animScale>
-                                    <p:animScale>
-                                      <p:cBhvr>
-                                        <p:cTn id="51" dur="26">
-                                          <p:stCondLst>
-                                            <p:cond delay="1642"/>
-                                          </p:stCondLst>
-                                        </p:cTn>
-                                        <p:tgtEl>
-                                          <p:spTgt spid="10"/>
-                                        </p:tgtEl>
-                                      </p:cBhvr>
-                                      <p:to x="100000" y="90000"/>
-                                    </p:animScale>
-                                    <p:animScale>
-                                      <p:cBhvr>
-                                        <p:cTn id="52" dur="166" decel="50000">
-                                          <p:stCondLst>
-                                            <p:cond delay="1668"/>
-                                          </p:stCondLst>
-                                        </p:cTn>
-                                        <p:tgtEl>
-                                          <p:spTgt spid="10"/>
-                                        </p:tgtEl>
-                                      </p:cBhvr>
-                                      <p:to x="100000" y="100000"/>
-                                    </p:animScale>
-                                    <p:animScale>
-                                      <p:cBhvr>
-                                        <p:cTn id="53" dur="26">
-                                          <p:stCondLst>
-                                            <p:cond delay="1808"/>
-                                          </p:stCondLst>
-                                        </p:cTn>
-                                        <p:tgtEl>
-                                          <p:spTgt spid="10"/>
-                                        </p:tgtEl>
-                                      </p:cBhvr>
-                                      <p:to x="100000" y="95000"/>
-                                    </p:animScale>
-                                    <p:animScale>
-                                      <p:cBhvr>
-                                        <p:cTn id="54" dur="166" decel="50000">
-                                          <p:stCondLst>
-                                            <p:cond delay="1834"/>
-                                          </p:stCondLst>
-                                        </p:cTn>
-                                        <p:tgtEl>
-                                          <p:spTgt spid="10"/>
-                                        </p:tgtEl>
-                                      </p:cBhvr>
-                                      <p:to x="100000" y="100000"/>
-                                    </p:animScale>
-                                  </p:childTnLst>
-                                </p:cTn>
-                              </p:par>
-                              <p:par>
-                                <p:cTn id="55" presetID="26" presetClass="entr" presetSubtype="0" fill="hold" grpId="0" nodeType="withEffect">
-                                  <p:stCondLst>
-                                    <p:cond delay="0"/>
-                                  </p:stCondLst>
-                                  <p:childTnLst>
-                                    <p:set>
-                                      <p:cBhvr>
-                                        <p:cTn id="56" dur="1" fill="hold">
-                                          <p:stCondLst>
-                                            <p:cond delay="0"/>
-                                          </p:stCondLst>
-                                        </p:cTn>
-                                        <p:tgtEl>
-                                          <p:spTgt spid="9"/>
-                                        </p:tgtEl>
-                                        <p:attrNameLst>
-                                          <p:attrName>style.visibility</p:attrName>
-                                        </p:attrNameLst>
-                                      </p:cBhvr>
-                                      <p:to>
-                                        <p:strVal val="visible"/>
-                                      </p:to>
-                                    </p:set>
-                                    <p:animEffect transition="in" filter="wipe(down)">
-                                      <p:cBhvr>
-                                        <p:cTn id="57" dur="580">
-                                          <p:stCondLst>
-                                            <p:cond delay="0"/>
-                                          </p:stCondLst>
-                                        </p:cTn>
-                                        <p:tgtEl>
-                                          <p:spTgt spid="9"/>
-                                        </p:tgtEl>
-                                      </p:cBhvr>
-                                    </p:animEffect>
-                                    <p:anim calcmode="lin" valueType="num">
-                                      <p:cBhvr>
-                                        <p:cTn id="58" dur="1822" tmFilter="0,0; 0.14,0.36; 0.43,0.73; 0.71,0.91; 1.0,1.0">
-                                          <p:stCondLst>
-                                            <p:cond delay="0"/>
-                                          </p:stCondLst>
-                                        </p:cTn>
-                                        <p:tgtEl>
-                                          <p:spTgt spid="9"/>
-                                        </p:tgtEl>
-                                        <p:attrNameLst>
-                                          <p:attrName>ppt_x</p:attrName>
-                                        </p:attrNameLst>
-                                      </p:cBhvr>
-                                      <p:tavLst>
-                                        <p:tav tm="0">
-                                          <p:val>
-                                            <p:strVal val="#ppt_x-0.25"/>
-                                          </p:val>
-                                        </p:tav>
-                                        <p:tav tm="100000">
-                                          <p:val>
-                                            <p:strVal val="#ppt_x"/>
-                                          </p:val>
-                                        </p:tav>
-                                      </p:tavLst>
-                                    </p:anim>
-                                    <p:anim calcmode="lin" valueType="num">
-                                      <p:cBhvr>
-                                        <p:cTn id="59" dur="664" tmFilter="0.0,0.0; 0.25,0.07; 0.50,0.2; 0.75,0.467; 1.0,1.0">
-                                          <p:stCondLst>
-                                            <p:cond delay="0"/>
-                                          </p:stCondLst>
-                                        </p:cTn>
-                                        <p:tgtEl>
-                                          <p:spTgt spid="9"/>
-                                        </p:tgtEl>
-                                        <p:attrNameLst>
-                                          <p:attrName>ppt_y</p:attrName>
-                                        </p:attrNameLst>
-                                      </p:cBhvr>
-                                      <p:tavLst>
-                                        <p:tav tm="0" fmla="#ppt_y-sin(pi*$)/3">
-                                          <p:val>
-                                            <p:fltVal val="0.5"/>
-                                          </p:val>
-                                        </p:tav>
-                                        <p:tav tm="100000">
-                                          <p:val>
-                                            <p:fltVal val="1"/>
-                                          </p:val>
-                                        </p:tav>
-                                      </p:tavLst>
-                                    </p:anim>
-                                    <p:anim calcmode="lin" valueType="num">
-                                      <p:cBhvr>
-                                        <p:cTn id="60" dur="664" tmFilter="0, 0; 0.125,0.2665; 0.25,0.4; 0.375,0.465; 0.5,0.5;  0.625,0.535; 0.75,0.6; 0.875,0.7335; 1,1">
-                                          <p:stCondLst>
-                                            <p:cond delay="664"/>
-                                          </p:stCondLst>
-                                        </p:cTn>
-                                        <p:tgtEl>
-                                          <p:spTgt spid="9"/>
-                                        </p:tgtEl>
-                                        <p:attrNameLst>
-                                          <p:attrName>ppt_y</p:attrName>
-                                        </p:attrNameLst>
-                                      </p:cBhvr>
-                                      <p:tavLst>
-                                        <p:tav tm="0" fmla="#ppt_y-sin(pi*$)/9">
-                                          <p:val>
-                                            <p:fltVal val="0"/>
-                                          </p:val>
-                                        </p:tav>
-                                        <p:tav tm="100000">
-                                          <p:val>
-                                            <p:fltVal val="1"/>
-                                          </p:val>
-                                        </p:tav>
-                                      </p:tavLst>
-                                    </p:anim>
-                                    <p:anim calcmode="lin" valueType="num">
-                                      <p:cBhvr>
-                                        <p:cTn id="61" dur="332" tmFilter="0, 0; 0.125,0.2665; 0.25,0.4; 0.375,0.465; 0.5,0.5;  0.625,0.535; 0.75,0.6; 0.875,0.7335; 1,1">
-                                          <p:stCondLst>
-                                            <p:cond delay="1324"/>
-                                          </p:stCondLst>
-                                        </p:cTn>
-                                        <p:tgtEl>
-                                          <p:spTgt spid="9"/>
-                                        </p:tgtEl>
-                                        <p:attrNameLst>
-                                          <p:attrName>ppt_y</p:attrName>
-                                        </p:attrNameLst>
-                                      </p:cBhvr>
-                                      <p:tavLst>
-                                        <p:tav tm="0" fmla="#ppt_y-sin(pi*$)/27">
-                                          <p:val>
-                                            <p:fltVal val="0"/>
-                                          </p:val>
-                                        </p:tav>
-                                        <p:tav tm="100000">
-                                          <p:val>
-                                            <p:fltVal val="1"/>
-                                          </p:val>
-                                        </p:tav>
-                                      </p:tavLst>
-                                    </p:anim>
-                                    <p:anim calcmode="lin" valueType="num">
-                                      <p:cBhvr>
-                                        <p:cTn id="62" dur="164" tmFilter="0, 0; 0.125,0.2665; 0.25,0.4; 0.375,0.465; 0.5,0.5;  0.625,0.535; 0.75,0.6; 0.875,0.7335; 1,1">
-                                          <p:stCondLst>
-                                            <p:cond delay="1656"/>
-                                          </p:stCondLst>
-                                        </p:cTn>
-                                        <p:tgtEl>
-                                          <p:spTgt spid="9"/>
-                                        </p:tgtEl>
-                                        <p:attrNameLst>
-                                          <p:attrName>ppt_y</p:attrName>
-                                        </p:attrNameLst>
-                                      </p:cBhvr>
-                                      <p:tavLst>
-                                        <p:tav tm="0" fmla="#ppt_y-sin(pi*$)/81">
-                                          <p:val>
-                                            <p:fltVal val="0"/>
-                                          </p:val>
-                                        </p:tav>
-                                        <p:tav tm="100000">
-                                          <p:val>
-                                            <p:fltVal val="1"/>
-                                          </p:val>
-                                        </p:tav>
-                                      </p:tavLst>
-                                    </p:anim>
-                                    <p:animScale>
-                                      <p:cBhvr>
-                                        <p:cTn id="63" dur="26">
-                                          <p:stCondLst>
-                                            <p:cond delay="650"/>
-                                          </p:stCondLst>
-                                        </p:cTn>
-                                        <p:tgtEl>
-                                          <p:spTgt spid="9"/>
-                                        </p:tgtEl>
-                                      </p:cBhvr>
-                                      <p:to x="100000" y="60000"/>
-                                    </p:animScale>
-                                    <p:animScale>
-                                      <p:cBhvr>
-                                        <p:cTn id="64" dur="166" decel="50000">
-                                          <p:stCondLst>
-                                            <p:cond delay="676"/>
-                                          </p:stCondLst>
-                                        </p:cTn>
-                                        <p:tgtEl>
-                                          <p:spTgt spid="9"/>
-                                        </p:tgtEl>
-                                      </p:cBhvr>
-                                      <p:to x="100000" y="100000"/>
-                                    </p:animScale>
-                                    <p:animScale>
-                                      <p:cBhvr>
-                                        <p:cTn id="65" dur="26">
-                                          <p:stCondLst>
-                                            <p:cond delay="1312"/>
-                                          </p:stCondLst>
-                                        </p:cTn>
-                                        <p:tgtEl>
-                                          <p:spTgt spid="9"/>
-                                        </p:tgtEl>
-                                      </p:cBhvr>
-                                      <p:to x="100000" y="80000"/>
-                                    </p:animScale>
-                                    <p:animScale>
-                                      <p:cBhvr>
-                                        <p:cTn id="66" dur="166" decel="50000">
-                                          <p:stCondLst>
-                                            <p:cond delay="1338"/>
-                                          </p:stCondLst>
-                                        </p:cTn>
-                                        <p:tgtEl>
-                                          <p:spTgt spid="9"/>
-                                        </p:tgtEl>
-                                      </p:cBhvr>
-                                      <p:to x="100000" y="100000"/>
-                                    </p:animScale>
-                                    <p:animScale>
-                                      <p:cBhvr>
-                                        <p:cTn id="67" dur="26">
-                                          <p:stCondLst>
-                                            <p:cond delay="1642"/>
-                                          </p:stCondLst>
-                                        </p:cTn>
-                                        <p:tgtEl>
-                                          <p:spTgt spid="9"/>
-                                        </p:tgtEl>
-                                      </p:cBhvr>
-                                      <p:to x="100000" y="90000"/>
-                                    </p:animScale>
-                                    <p:animScale>
-                                      <p:cBhvr>
-                                        <p:cTn id="68" dur="166" decel="50000">
-                                          <p:stCondLst>
-                                            <p:cond delay="1668"/>
-                                          </p:stCondLst>
-                                        </p:cTn>
-                                        <p:tgtEl>
-                                          <p:spTgt spid="9"/>
-                                        </p:tgtEl>
-                                      </p:cBhvr>
-                                      <p:to x="100000" y="100000"/>
-                                    </p:animScale>
-                                    <p:animScale>
-                                      <p:cBhvr>
-                                        <p:cTn id="69" dur="26">
-                                          <p:stCondLst>
-                                            <p:cond delay="1808"/>
-                                          </p:stCondLst>
-                                        </p:cTn>
-                                        <p:tgtEl>
-                                          <p:spTgt spid="9"/>
-                                        </p:tgtEl>
-                                      </p:cBhvr>
-                                      <p:to x="100000" y="95000"/>
-                                    </p:animScale>
-                                    <p:animScale>
-                                      <p:cBhvr>
-                                        <p:cTn id="70" dur="166" decel="50000">
-                                          <p:stCondLst>
-                                            <p:cond delay="1834"/>
-                                          </p:stCondLst>
-                                        </p:cTn>
-                                        <p:tgtEl>
-                                          <p:spTgt spid="9"/>
-                                        </p:tgtEl>
-                                      </p:cBhvr>
-                                      <p:to x="100000" y="100000"/>
-                                    </p:animScale>
-                                  </p:childTnLst>
-                                </p:cTn>
-                              </p:par>
-                              <p:par>
-                                <p:cTn id="71" presetID="26" presetClass="entr" presetSubtype="0" fill="hold" grpId="0" nodeType="withEffect">
-                                  <p:stCondLst>
-                                    <p:cond delay="0"/>
-                                  </p:stCondLst>
-                                  <p:childTnLst>
-                                    <p:set>
-                                      <p:cBhvr>
-                                        <p:cTn id="72" dur="1" fill="hold">
-                                          <p:stCondLst>
-                                            <p:cond delay="0"/>
-                                          </p:stCondLst>
-                                        </p:cTn>
-                                        <p:tgtEl>
-                                          <p:spTgt spid="12"/>
-                                        </p:tgtEl>
-                                        <p:attrNameLst>
-                                          <p:attrName>style.visibility</p:attrName>
-                                        </p:attrNameLst>
-                                      </p:cBhvr>
-                                      <p:to>
-                                        <p:strVal val="visible"/>
-                                      </p:to>
-                                    </p:set>
-                                    <p:animEffect transition="in" filter="wipe(down)">
-                                      <p:cBhvr>
-                                        <p:cTn id="73" dur="580">
-                                          <p:stCondLst>
-                                            <p:cond delay="0"/>
-                                          </p:stCondLst>
-                                        </p:cTn>
-                                        <p:tgtEl>
-                                          <p:spTgt spid="12"/>
-                                        </p:tgtEl>
-                                      </p:cBhvr>
-                                    </p:animEffect>
-                                    <p:anim calcmode="lin" valueType="num">
-                                      <p:cBhvr>
-                                        <p:cTn id="74" dur="1822" tmFilter="0,0; 0.14,0.36; 0.43,0.73; 0.71,0.91; 1.0,1.0">
-                                          <p:stCondLst>
-                                            <p:cond delay="0"/>
-                                          </p:stCondLst>
-                                        </p:cTn>
-                                        <p:tgtEl>
-                                          <p:spTgt spid="12"/>
-                                        </p:tgtEl>
-                                        <p:attrNameLst>
-                                          <p:attrName>ppt_x</p:attrName>
-                                        </p:attrNameLst>
-                                      </p:cBhvr>
-                                      <p:tavLst>
-                                        <p:tav tm="0">
-                                          <p:val>
-                                            <p:strVal val="#ppt_x-0.25"/>
-                                          </p:val>
-                                        </p:tav>
-                                        <p:tav tm="100000">
-                                          <p:val>
-                                            <p:strVal val="#ppt_x"/>
-                                          </p:val>
-                                        </p:tav>
-                                      </p:tavLst>
-                                    </p:anim>
-                                    <p:anim calcmode="lin" valueType="num">
-                                      <p:cBhvr>
-                                        <p:cTn id="75" dur="664" tmFilter="0.0,0.0; 0.25,0.07; 0.50,0.2; 0.75,0.467; 1.0,1.0">
-                                          <p:stCondLst>
-                                            <p:cond delay="0"/>
-                                          </p:stCondLst>
-                                        </p:cTn>
-                                        <p:tgtEl>
-                                          <p:spTgt spid="12"/>
-                                        </p:tgtEl>
-                                        <p:attrNameLst>
-                                          <p:attrName>ppt_y</p:attrName>
-                                        </p:attrNameLst>
-                                      </p:cBhvr>
-                                      <p:tavLst>
-                                        <p:tav tm="0" fmla="#ppt_y-sin(pi*$)/3">
-                                          <p:val>
-                                            <p:fltVal val="0.5"/>
-                                          </p:val>
-                                        </p:tav>
-                                        <p:tav tm="100000">
-                                          <p:val>
-                                            <p:fltVal val="1"/>
-                                          </p:val>
-                                        </p:tav>
-                                      </p:tavLst>
-                                    </p:anim>
-                                    <p:anim calcmode="lin" valueType="num">
-                                      <p:cBhvr>
-                                        <p:cTn id="76" dur="664" tmFilter="0, 0; 0.125,0.2665; 0.25,0.4; 0.375,0.465; 0.5,0.5;  0.625,0.535; 0.75,0.6; 0.875,0.7335; 1,1">
-                                          <p:stCondLst>
-                                            <p:cond delay="664"/>
-                                          </p:stCondLst>
-                                        </p:cTn>
-                                        <p:tgtEl>
-                                          <p:spTgt spid="12"/>
-                                        </p:tgtEl>
-                                        <p:attrNameLst>
-                                          <p:attrName>ppt_y</p:attrName>
-                                        </p:attrNameLst>
-                                      </p:cBhvr>
-                                      <p:tavLst>
-                                        <p:tav tm="0" fmla="#ppt_y-sin(pi*$)/9">
-                                          <p:val>
-                                            <p:fltVal val="0"/>
-                                          </p:val>
-                                        </p:tav>
-                                        <p:tav tm="100000">
-                                          <p:val>
-                                            <p:fltVal val="1"/>
-                                          </p:val>
-                                        </p:tav>
-                                      </p:tavLst>
-                                    </p:anim>
-                                    <p:anim calcmode="lin" valueType="num">
-                                      <p:cBhvr>
-                                        <p:cTn id="77" dur="332" tmFilter="0, 0; 0.125,0.2665; 0.25,0.4; 0.375,0.465; 0.5,0.5;  0.625,0.535; 0.75,0.6; 0.875,0.7335; 1,1">
-                                          <p:stCondLst>
-                                            <p:cond delay="1324"/>
-                                          </p:stCondLst>
-                                        </p:cTn>
-                                        <p:tgtEl>
-                                          <p:spTgt spid="12"/>
-                                        </p:tgtEl>
-                                        <p:attrNameLst>
-                                          <p:attrName>ppt_y</p:attrName>
-                                        </p:attrNameLst>
-                                      </p:cBhvr>
-                                      <p:tavLst>
-                                        <p:tav tm="0" fmla="#ppt_y-sin(pi*$)/27">
-                                          <p:val>
-                                            <p:fltVal val="0"/>
-                                          </p:val>
-                                        </p:tav>
-                                        <p:tav tm="100000">
-                                          <p:val>
-                                            <p:fltVal val="1"/>
-                                          </p:val>
-                                        </p:tav>
-                                      </p:tavLst>
-                                    </p:anim>
-                                    <p:anim calcmode="lin" valueType="num">
-                                      <p:cBhvr>
-                                        <p:cTn id="78" dur="164" tmFilter="0, 0; 0.125,0.2665; 0.25,0.4; 0.375,0.465; 0.5,0.5;  0.625,0.535; 0.75,0.6; 0.875,0.7335; 1,1">
-                                          <p:stCondLst>
-                                            <p:cond delay="1656"/>
-                                          </p:stCondLst>
-                                        </p:cTn>
-                                        <p:tgtEl>
-                                          <p:spTgt spid="12"/>
-                                        </p:tgtEl>
-                                        <p:attrNameLst>
-                                          <p:attrName>ppt_y</p:attrName>
-                                        </p:attrNameLst>
-                                      </p:cBhvr>
-                                      <p:tavLst>
-                                        <p:tav tm="0" fmla="#ppt_y-sin(pi*$)/81">
-                                          <p:val>
-                                            <p:fltVal val="0"/>
-                                          </p:val>
-                                        </p:tav>
-                                        <p:tav tm="100000">
-                                          <p:val>
-                                            <p:fltVal val="1"/>
-                                          </p:val>
-                                        </p:tav>
-                                      </p:tavLst>
-                                    </p:anim>
-                                    <p:animScale>
-                                      <p:cBhvr>
-                                        <p:cTn id="79" dur="26">
-                                          <p:stCondLst>
-                                            <p:cond delay="650"/>
-                                          </p:stCondLst>
-                                        </p:cTn>
-                                        <p:tgtEl>
-                                          <p:spTgt spid="12"/>
-                                        </p:tgtEl>
-                                      </p:cBhvr>
-                                      <p:to x="100000" y="60000"/>
-                                    </p:animScale>
-                                    <p:animScale>
-                                      <p:cBhvr>
-                                        <p:cTn id="80" dur="166" decel="50000">
-                                          <p:stCondLst>
-                                            <p:cond delay="676"/>
-                                          </p:stCondLst>
-                                        </p:cTn>
-                                        <p:tgtEl>
-                                          <p:spTgt spid="12"/>
-                                        </p:tgtEl>
-                                      </p:cBhvr>
-                                      <p:to x="100000" y="100000"/>
-                                    </p:animScale>
-                                    <p:animScale>
-                                      <p:cBhvr>
-                                        <p:cTn id="81" dur="26">
-                                          <p:stCondLst>
-                                            <p:cond delay="1312"/>
-                                          </p:stCondLst>
-                                        </p:cTn>
-                                        <p:tgtEl>
-                                          <p:spTgt spid="12"/>
-                                        </p:tgtEl>
-                                      </p:cBhvr>
-                                      <p:to x="100000" y="80000"/>
-                                    </p:animScale>
-                                    <p:animScale>
-                                      <p:cBhvr>
-                                        <p:cTn id="82" dur="166" decel="50000">
-                                          <p:stCondLst>
-                                            <p:cond delay="1338"/>
-                                          </p:stCondLst>
-                                        </p:cTn>
-                                        <p:tgtEl>
-                                          <p:spTgt spid="12"/>
-                                        </p:tgtEl>
-                                      </p:cBhvr>
-                                      <p:to x="100000" y="100000"/>
-                                    </p:animScale>
-                                    <p:animScale>
-                                      <p:cBhvr>
-                                        <p:cTn id="83" dur="26">
-                                          <p:stCondLst>
-                                            <p:cond delay="1642"/>
-                                          </p:stCondLst>
-                                        </p:cTn>
-                                        <p:tgtEl>
-                                          <p:spTgt spid="12"/>
-                                        </p:tgtEl>
-                                      </p:cBhvr>
-                                      <p:to x="100000" y="90000"/>
-                                    </p:animScale>
-                                    <p:animScale>
-                                      <p:cBhvr>
-                                        <p:cTn id="84" dur="166" decel="50000">
-                                          <p:stCondLst>
-                                            <p:cond delay="1668"/>
-                                          </p:stCondLst>
-                                        </p:cTn>
-                                        <p:tgtEl>
-                                          <p:spTgt spid="12"/>
-                                        </p:tgtEl>
-                                      </p:cBhvr>
-                                      <p:to x="100000" y="100000"/>
-                                    </p:animScale>
-                                    <p:animScale>
-                                      <p:cBhvr>
-                                        <p:cTn id="85" dur="26">
-                                          <p:stCondLst>
-                                            <p:cond delay="1808"/>
-                                          </p:stCondLst>
-                                        </p:cTn>
-                                        <p:tgtEl>
-                                          <p:spTgt spid="12"/>
-                                        </p:tgtEl>
-                                      </p:cBhvr>
-                                      <p:to x="100000" y="95000"/>
-                                    </p:animScale>
-                                    <p:animScale>
-                                      <p:cBhvr>
-                                        <p:cTn id="86" dur="166" decel="50000">
-                                          <p:stCondLst>
-                                            <p:cond delay="1834"/>
-                                          </p:stCondLst>
-                                        </p:cTn>
-                                        <p:tgtEl>
-                                          <p:spTgt spid="12"/>
-                                        </p:tgtEl>
-                                      </p:cBhvr>
-                                      <p:to x="100000" y="100000"/>
-                                    </p:animScale>
-                                  </p:childTnLst>
-                                </p:cTn>
-                              </p:par>
-                            </p:childTnLst>
-                          </p:cTn>
-                        </p:par>
-                      </p:childTnLst>
-                    </p:cTn>
-                  </p:par>
-                  <p:par>
-                    <p:cTn id="87" fill="hold">
-                      <p:stCondLst>
-                        <p:cond delay="indefinite"/>
-                      </p:stCondLst>
-                      <p:childTnLst>
-                        <p:par>
-                          <p:cTn id="88" fill="hold">
-                            <p:stCondLst>
-                              <p:cond delay="0"/>
-                            </p:stCondLst>
-                            <p:childTnLst>
-                              <p:par>
-                                <p:cTn id="89" presetID="14" presetClass="entr" presetSubtype="10" fill="hold" grpId="0" nodeType="clickEffect">
-                                  <p:stCondLst>
-                                    <p:cond delay="0"/>
-                                  </p:stCondLst>
-                                  <p:childTnLst>
-                                    <p:set>
-                                      <p:cBhvr>
-                                        <p:cTn id="90" dur="1" fill="hold">
-                                          <p:stCondLst>
-                                            <p:cond delay="0"/>
-                                          </p:stCondLst>
-                                        </p:cTn>
-                                        <p:tgtEl>
-                                          <p:spTgt spid="24"/>
-                                        </p:tgtEl>
-                                        <p:attrNameLst>
-                                          <p:attrName>style.visibility</p:attrName>
-                                        </p:attrNameLst>
-                                      </p:cBhvr>
-                                      <p:to>
-                                        <p:strVal val="visible"/>
-                                      </p:to>
-                                    </p:set>
-                                    <p:animEffect transition="in" filter="randombar(horizontal)">
-                                      <p:cBhvr>
-                                        <p:cTn id="91" dur="500"/>
-                                        <p:tgtEl>
-                                          <p:spTgt spid="24"/>
-                                        </p:tgtEl>
-                                      </p:cBhvr>
-                                    </p:animEffect>
-                                  </p:childTnLst>
-                                </p:cTn>
-                              </p:par>
-                              <p:par>
-                                <p:cTn id="92" presetID="14" presetClass="entr" presetSubtype="10" fill="hold" nodeType="withEffect">
-                                  <p:stCondLst>
-                                    <p:cond delay="0"/>
-                                  </p:stCondLst>
-                                  <p:childTnLst>
-                                    <p:set>
-                                      <p:cBhvr>
-                                        <p:cTn id="93" dur="1" fill="hold">
-                                          <p:stCondLst>
-                                            <p:cond delay="0"/>
-                                          </p:stCondLst>
-                                        </p:cTn>
-                                        <p:tgtEl>
-                                          <p:spTgt spid="25"/>
-                                        </p:tgtEl>
-                                        <p:attrNameLst>
-                                          <p:attrName>style.visibility</p:attrName>
-                                        </p:attrNameLst>
-                                      </p:cBhvr>
-                                      <p:to>
-                                        <p:strVal val="visible"/>
-                                      </p:to>
-                                    </p:set>
-                                    <p:animEffect transition="in" filter="randombar(horizontal)">
-                                      <p:cBhvr>
-                                        <p:cTn id="94" dur="500"/>
-                                        <p:tgtEl>
-                                          <p:spTgt spid="25"/>
-                                        </p:tgtEl>
-                                      </p:cBhvr>
-                                    </p:animEffect>
-                                  </p:childTnLst>
-                                </p:cTn>
-                              </p:par>
-                            </p:childTnLst>
-                          </p:cTn>
-                        </p:par>
-                      </p:childTnLst>
-                    </p:cTn>
-                  </p:par>
-                  <p:par>
-                    <p:cTn id="95" fill="hold">
-                      <p:stCondLst>
-                        <p:cond delay="indefinite"/>
-                      </p:stCondLst>
-                      <p:childTnLst>
-                        <p:par>
-                          <p:cTn id="96" fill="hold">
-                            <p:stCondLst>
-                              <p:cond delay="0"/>
-                            </p:stCondLst>
-                            <p:childTnLst>
-                              <p:par>
-                                <p:cTn id="97" presetID="53" presetClass="entr" presetSubtype="16" fill="hold" nodeType="clickEffect">
-                                  <p:stCondLst>
-                                    <p:cond delay="0"/>
-                                  </p:stCondLst>
-                                  <p:childTnLst>
-                                    <p:set>
-                                      <p:cBhvr>
-                                        <p:cTn id="98" dur="1" fill="hold">
-                                          <p:stCondLst>
-                                            <p:cond delay="0"/>
-                                          </p:stCondLst>
-                                        </p:cTn>
-                                        <p:tgtEl>
-                                          <p:spTgt spid="21"/>
-                                        </p:tgtEl>
-                                        <p:attrNameLst>
-                                          <p:attrName>style.visibility</p:attrName>
-                                        </p:attrNameLst>
-                                      </p:cBhvr>
-                                      <p:to>
-                                        <p:strVal val="visible"/>
-                                      </p:to>
-                                    </p:set>
-                                    <p:anim calcmode="lin" valueType="num">
-                                      <p:cBhvr>
-                                        <p:cTn id="99" dur="500" fill="hold"/>
-                                        <p:tgtEl>
-                                          <p:spTgt spid="21"/>
-                                        </p:tgtEl>
-                                        <p:attrNameLst>
-                                          <p:attrName>ppt_w</p:attrName>
-                                        </p:attrNameLst>
-                                      </p:cBhvr>
-                                      <p:tavLst>
-                                        <p:tav tm="0">
-                                          <p:val>
-                                            <p:fltVal val="0"/>
-                                          </p:val>
-                                        </p:tav>
-                                        <p:tav tm="100000">
-                                          <p:val>
-                                            <p:strVal val="#ppt_w"/>
-                                          </p:val>
-                                        </p:tav>
-                                      </p:tavLst>
-                                    </p:anim>
-                                    <p:anim calcmode="lin" valueType="num">
-                                      <p:cBhvr>
-                                        <p:cTn id="100" dur="500" fill="hold"/>
-                                        <p:tgtEl>
-                                          <p:spTgt spid="21"/>
-                                        </p:tgtEl>
-                                        <p:attrNameLst>
-                                          <p:attrName>ppt_h</p:attrName>
-                                        </p:attrNameLst>
-                                      </p:cBhvr>
-                                      <p:tavLst>
-                                        <p:tav tm="0">
-                                          <p:val>
-                                            <p:fltVal val="0"/>
-                                          </p:val>
-                                        </p:tav>
-                                        <p:tav tm="100000">
-                                          <p:val>
-                                            <p:strVal val="#ppt_h"/>
-                                          </p:val>
-                                        </p:tav>
-                                      </p:tavLst>
-                                    </p:anim>
-                                    <p:animEffect transition="in" filter="fade">
-                                      <p:cBhvr>
-                                        <p:cTn id="101" dur="500"/>
-                                        <p:tgtEl>
-                                          <p:spTgt spid="21"/>
-                                        </p:tgtEl>
-                                      </p:cBhvr>
-                                    </p:animEffect>
-                                  </p:childTnLst>
-                                </p:cTn>
-                              </p:par>
-                            </p:childTnLst>
-                          </p:cTn>
-                        </p:par>
-                        <p:par>
-                          <p:cTn id="102" fill="hold">
-                            <p:stCondLst>
-                              <p:cond delay="500"/>
-                            </p:stCondLst>
-                            <p:childTnLst>
-                              <p:par>
-                                <p:cTn id="103" presetID="16" presetClass="exit" presetSubtype="21" fill="hold" nodeType="afterEffect">
-                                  <p:stCondLst>
-                                    <p:cond delay="0"/>
-                                  </p:stCondLst>
-                                  <p:childTnLst>
-                                    <p:animEffect transition="out" filter="barn(inVertical)">
-                                      <p:cBhvr>
-                                        <p:cTn id="104" dur="500"/>
-                                        <p:tgtEl>
-                                          <p:spTgt spid="19"/>
-                                        </p:tgtEl>
-                                      </p:cBhvr>
-                                    </p:animEffect>
-                                    <p:set>
-                                      <p:cBhvr>
-                                        <p:cTn id="105" dur="1" fill="hold">
-                                          <p:stCondLst>
-                                            <p:cond delay="499"/>
-                                          </p:stCondLst>
-                                        </p:cTn>
-                                        <p:tgtEl>
-                                          <p:spTgt spid="19"/>
-                                        </p:tgtEl>
-                                        <p:attrNameLst>
-                                          <p:attrName>style.visibility</p:attrName>
-                                        </p:attrNameLst>
-                                      </p:cBhvr>
-                                      <p:to>
-                                        <p:strVal val="hidden"/>
-                                      </p:to>
-                                    </p:set>
-                                  </p:childTnLst>
-                                </p:cTn>
-                              </p:par>
-                            </p:childTnLst>
-                          </p:cTn>
-                        </p:par>
-                      </p:childTnLst>
-                    </p:cTn>
-                  </p:par>
-                  <p:par>
-                    <p:cTn id="106" fill="hold">
-                      <p:stCondLst>
-                        <p:cond delay="indefinite"/>
-                      </p:stCondLst>
-                      <p:childTnLst>
-                        <p:par>
-                          <p:cTn id="107" fill="hold">
-                            <p:stCondLst>
-                              <p:cond delay="0"/>
-                            </p:stCondLst>
-                            <p:childTnLst>
-                              <p:par>
-                                <p:cTn id="108" presetID="6" presetClass="entr" presetSubtype="16" fill="hold" nodeType="clickEffect">
-                                  <p:stCondLst>
-                                    <p:cond delay="0"/>
-                                  </p:stCondLst>
-                                  <p:childTnLst>
-                                    <p:set>
-                                      <p:cBhvr>
-                                        <p:cTn id="109" dur="1" fill="hold">
-                                          <p:stCondLst>
-                                            <p:cond delay="0"/>
-                                          </p:stCondLst>
-                                        </p:cTn>
-                                        <p:tgtEl>
-                                          <p:spTgt spid="16"/>
-                                        </p:tgtEl>
-                                        <p:attrNameLst>
-                                          <p:attrName>style.visibility</p:attrName>
-                                        </p:attrNameLst>
-                                      </p:cBhvr>
-                                      <p:to>
-                                        <p:strVal val="visible"/>
-                                      </p:to>
-                                    </p:set>
-                                    <p:animEffect transition="in" filter="circle(in)">
-                                      <p:cBhvr>
-                                        <p:cTn id="110" dur="2000"/>
-                                        <p:tgtEl>
-                                          <p:spTgt spid="16"/>
-                                        </p:tgtEl>
-                                      </p:cBhvr>
-                                    </p:animEffect>
-                                  </p:childTnLst>
-                                </p:cTn>
-                              </p:par>
-                            </p:childTnLst>
-                          </p:cTn>
-                        </p:par>
-                        <p:par>
-                          <p:cTn id="111" fill="hold">
-                            <p:stCondLst>
-                              <p:cond delay="2000"/>
-                            </p:stCondLst>
-                            <p:childTnLst>
-                              <p:par>
-                                <p:cTn id="112" presetID="2" presetClass="entr" presetSubtype="4" fill="hold" nodeType="afterEffect">
-                                  <p:stCondLst>
-                                    <p:cond delay="0"/>
-                                  </p:stCondLst>
-                                  <p:childTnLst>
-                                    <p:set>
-                                      <p:cBhvr>
-                                        <p:cTn id="113" dur="1" fill="hold">
-                                          <p:stCondLst>
-                                            <p:cond delay="0"/>
-                                          </p:stCondLst>
-                                        </p:cTn>
-                                        <p:tgtEl>
-                                          <p:spTgt spid="22"/>
-                                        </p:tgtEl>
-                                        <p:attrNameLst>
-                                          <p:attrName>style.visibility</p:attrName>
-                                        </p:attrNameLst>
-                                      </p:cBhvr>
-                                      <p:to>
-                                        <p:strVal val="visible"/>
-                                      </p:to>
-                                    </p:set>
-                                    <p:anim calcmode="lin" valueType="num">
-                                      <p:cBhvr additive="base">
-                                        <p:cTn id="114" dur="500" fill="hold"/>
-                                        <p:tgtEl>
-                                          <p:spTgt spid="22"/>
-                                        </p:tgtEl>
-                                        <p:attrNameLst>
-                                          <p:attrName>ppt_x</p:attrName>
-                                        </p:attrNameLst>
-                                      </p:cBhvr>
-                                      <p:tavLst>
-                                        <p:tav tm="0">
-                                          <p:val>
-                                            <p:strVal val="#ppt_x"/>
-                                          </p:val>
-                                        </p:tav>
-                                        <p:tav tm="100000">
-                                          <p:val>
-                                            <p:strVal val="#ppt_x"/>
-                                          </p:val>
-                                        </p:tav>
-                                      </p:tavLst>
-                                    </p:anim>
-                                    <p:anim calcmode="lin" valueType="num">
-                                      <p:cBhvr additive="base">
-                                        <p:cTn id="115" dur="500" fill="hold"/>
-                                        <p:tgtEl>
-                                          <p:spTgt spid="22"/>
-                                        </p:tgtEl>
-                                        <p:attrNameLst>
-                                          <p:attrName>ppt_y</p:attrName>
-                                        </p:attrNameLst>
-                                      </p:cBhvr>
-                                      <p:tavLst>
-                                        <p:tav tm="0">
-                                          <p:val>
-                                            <p:strVal val="1+#ppt_h/2"/>
-                                          </p:val>
-                                        </p:tav>
-                                        <p:tav tm="100000">
-                                          <p:val>
-                                            <p:strVal val="#ppt_y"/>
-                                          </p:val>
-                                        </p:tav>
-                                      </p:tavLst>
-                                    </p:anim>
-                                  </p:childTnLst>
-                                </p:cTn>
-                              </p:par>
-                            </p:childTnLst>
-                          </p:cTn>
-                        </p:par>
-                      </p:childTnLst>
-                    </p:cTn>
-                  </p:par>
-                  <p:par>
-                    <p:cTn id="116" fill="hold">
-                      <p:stCondLst>
-                        <p:cond delay="indefinite"/>
-                      </p:stCondLst>
-                      <p:childTnLst>
-                        <p:par>
-                          <p:cTn id="117" fill="hold">
-                            <p:stCondLst>
-                              <p:cond delay="0"/>
-                            </p:stCondLst>
-                            <p:childTnLst>
-                              <p:par>
-                                <p:cTn id="118" presetID="6" presetClass="exit" presetSubtype="32" fill="hold" nodeType="clickEffect">
-                                  <p:stCondLst>
-                                    <p:cond delay="0"/>
-                                  </p:stCondLst>
-                                  <p:childTnLst>
-                                    <p:animEffect transition="out" filter="circle(out)">
-                                      <p:cBhvr>
-                                        <p:cTn id="119" dur="2000"/>
-                                        <p:tgtEl>
-                                          <p:spTgt spid="16"/>
-                                        </p:tgtEl>
-                                      </p:cBhvr>
-                                    </p:animEffect>
-                                    <p:set>
-                                      <p:cBhvr>
-                                        <p:cTn id="120" dur="1" fill="hold">
-                                          <p:stCondLst>
-                                            <p:cond delay="1999"/>
-                                          </p:stCondLst>
-                                        </p:cTn>
-                                        <p:tgtEl>
-                                          <p:spTgt spid="16"/>
-                                        </p:tgtEl>
-                                        <p:attrNameLst>
-                                          <p:attrName>style.visibility</p:attrName>
-                                        </p:attrNameLst>
-                                      </p:cBhvr>
-                                      <p:to>
-                                        <p:strVal val="hidden"/>
-                                      </p:to>
-                                    </p:set>
-                                  </p:childTnLst>
-                                </p:cTn>
-                              </p:par>
-                            </p:childTnLst>
-                          </p:cTn>
-                        </p:par>
-                        <p:par>
-                          <p:cTn id="121" fill="hold">
-                            <p:stCondLst>
-                              <p:cond delay="2000"/>
-                            </p:stCondLst>
-                            <p:childTnLst>
-                              <p:par>
-                                <p:cTn id="122" presetID="22" presetClass="entr" presetSubtype="4" fill="hold" grpId="0" nodeType="afterEffect">
-                                  <p:stCondLst>
-                                    <p:cond delay="0"/>
-                                  </p:stCondLst>
-                                  <p:childTnLst>
-                                    <p:set>
-                                      <p:cBhvr>
-                                        <p:cTn id="123" dur="1" fill="hold">
-                                          <p:stCondLst>
-                                            <p:cond delay="0"/>
-                                          </p:stCondLst>
-                                        </p:cTn>
-                                        <p:tgtEl>
-                                          <p:spTgt spid="27"/>
-                                        </p:tgtEl>
-                                        <p:attrNameLst>
-                                          <p:attrName>style.visibility</p:attrName>
-                                        </p:attrNameLst>
-                                      </p:cBhvr>
-                                      <p:to>
-                                        <p:strVal val="visible"/>
-                                      </p:to>
-                                    </p:set>
-                                    <p:animEffect transition="in" filter="wipe(down)">
-                                      <p:cBhvr>
-                                        <p:cTn id="124" dur="250"/>
-                                        <p:tgtEl>
-                                          <p:spTgt spid="27"/>
-                                        </p:tgtEl>
-                                      </p:cBhvr>
-                                    </p:animEffect>
-                                  </p:childTnLst>
-                                </p:cTn>
-                              </p:par>
-                            </p:childTnLst>
-                          </p:cTn>
-                        </p:par>
-                      </p:childTnLst>
-                    </p:cTn>
-                  </p:par>
-                  <p:par>
-                    <p:cTn id="125" fill="hold">
-                      <p:stCondLst>
-                        <p:cond delay="indefinite"/>
-                      </p:stCondLst>
-                      <p:childTnLst>
-                        <p:par>
-                          <p:cTn id="126" fill="hold">
-                            <p:stCondLst>
-                              <p:cond delay="0"/>
-                            </p:stCondLst>
-                            <p:childTnLst>
-                              <p:par>
-                                <p:cTn id="127" presetID="14" presetClass="entr" presetSubtype="10" fill="hold" nodeType="clickEffect">
-                                  <p:stCondLst>
-                                    <p:cond delay="0"/>
-                                  </p:stCondLst>
-                                  <p:childTnLst>
-                                    <p:set>
-                                      <p:cBhvr>
-                                        <p:cTn id="128" dur="1" fill="hold">
-                                          <p:stCondLst>
-                                            <p:cond delay="0"/>
-                                          </p:stCondLst>
-                                        </p:cTn>
-                                        <p:tgtEl>
-                                          <p:spTgt spid="29">
-                                            <p:txEl>
-                                              <p:pRg st="0" end="0"/>
-                                            </p:txEl>
-                                          </p:spTgt>
-                                        </p:tgtEl>
-                                        <p:attrNameLst>
-                                          <p:attrName>style.visibility</p:attrName>
-                                        </p:attrNameLst>
-                                      </p:cBhvr>
-                                      <p:to>
-                                        <p:strVal val="visible"/>
-                                      </p:to>
-                                    </p:set>
-                                    <p:animEffect transition="in" filter="randombar(horizontal)">
-                                      <p:cBhvr>
-                                        <p:cTn id="129" dur="500"/>
-                                        <p:tgtEl>
-                                          <p:spTgt spid="29">
-                                            <p:txEl>
-                                              <p:pRg st="0" end="0"/>
-                                            </p:txEl>
-                                          </p:spTgt>
-                                        </p:tgtEl>
-                                      </p:cBhvr>
-                                    </p:animEffect>
-                                  </p:childTnLst>
-                                </p:cTn>
-                              </p:par>
-                            </p:childTnLst>
-                          </p:cTn>
-                        </p:par>
-                      </p:childTnLst>
-                    </p:cTn>
-                  </p:par>
-                  <p:par>
-                    <p:cTn id="130" fill="hold">
-                      <p:stCondLst>
-                        <p:cond delay="indefinite"/>
-                      </p:stCondLst>
-                      <p:childTnLst>
-                        <p:par>
-                          <p:cTn id="131" fill="hold">
-                            <p:stCondLst>
-                              <p:cond delay="0"/>
-                            </p:stCondLst>
-                            <p:childTnLst>
-                              <p:par>
-                                <p:cTn id="132" presetID="2" presetClass="entr" presetSubtype="4" fill="hold" nodeType="clickEffect">
-                                  <p:stCondLst>
-                                    <p:cond delay="0"/>
-                                  </p:stCondLst>
-                                  <p:childTnLst>
-                                    <p:set>
-                                      <p:cBhvr>
-                                        <p:cTn id="133" dur="1" fill="hold">
-                                          <p:stCondLst>
-                                            <p:cond delay="0"/>
-                                          </p:stCondLst>
-                                        </p:cTn>
-                                        <p:tgtEl>
-                                          <p:spTgt spid="29">
-                                            <p:txEl>
-                                              <p:pRg st="3" end="3"/>
-                                            </p:txEl>
-                                          </p:spTgt>
-                                        </p:tgtEl>
-                                        <p:attrNameLst>
-                                          <p:attrName>style.visibility</p:attrName>
-                                        </p:attrNameLst>
-                                      </p:cBhvr>
-                                      <p:to>
-                                        <p:strVal val="visible"/>
-                                      </p:to>
-                                    </p:set>
-                                    <p:anim calcmode="lin" valueType="num">
-                                      <p:cBhvr additive="base">
-                                        <p:cTn id="134" dur="500" fill="hold"/>
-                                        <p:tgtEl>
-                                          <p:spTgt spid="29">
-                                            <p:txEl>
-                                              <p:pRg st="3" end="3"/>
-                                            </p:txEl>
-                                          </p:spTgt>
-                                        </p:tgtEl>
-                                        <p:attrNameLst>
-                                          <p:attrName>ppt_x</p:attrName>
-                                        </p:attrNameLst>
-                                      </p:cBhvr>
-                                      <p:tavLst>
-                                        <p:tav tm="0">
-                                          <p:val>
-                                            <p:strVal val="#ppt_x"/>
-                                          </p:val>
-                                        </p:tav>
-                                        <p:tav tm="100000">
-                                          <p:val>
-                                            <p:strVal val="#ppt_x"/>
-                                          </p:val>
-                                        </p:tav>
-                                      </p:tavLst>
-                                    </p:anim>
-                                    <p:anim calcmode="lin" valueType="num">
-                                      <p:cBhvr additive="base">
-                                        <p:cTn id="135" dur="500" fill="hold"/>
-                                        <p:tgtEl>
-                                          <p:spTgt spid="29">
-                                            <p:txEl>
-                                              <p:pRg st="3" end="3"/>
-                                            </p:txEl>
-                                          </p:spTgt>
-                                        </p:tgtEl>
-                                        <p:attrNameLst>
-                                          <p:attrName>ppt_y</p:attrName>
-                                        </p:attrNameLst>
-                                      </p:cBhvr>
-                                      <p:tavLst>
-                                        <p:tav tm="0">
-                                          <p:val>
-                                            <p:strVal val="1+#ppt_h/2"/>
-                                          </p:val>
-                                        </p:tav>
-                                        <p:tav tm="100000">
-                                          <p:val>
-                                            <p:strVal val="#ppt_y"/>
-                                          </p:val>
-                                        </p:tav>
-                                      </p:tavLst>
-                                    </p:anim>
-                                  </p:childTnLst>
-                                </p:cTn>
-                              </p:par>
-                            </p:childTnLst>
-                          </p:cTn>
-                        </p:par>
-                      </p:childTnLst>
-                    </p:cTn>
-                  </p:par>
-                  <p:par>
-                    <p:cTn id="136" fill="hold">
-                      <p:stCondLst>
-                        <p:cond delay="indefinite"/>
-                      </p:stCondLst>
-                      <p:childTnLst>
-                        <p:par>
-                          <p:cTn id="137" fill="hold">
-                            <p:stCondLst>
-                              <p:cond delay="0"/>
-                            </p:stCondLst>
-                            <p:childTnLst>
-                              <p:par>
-                                <p:cTn id="138" presetID="31" presetClass="entr" presetSubtype="0" fill="hold" nodeType="clickEffect">
-                                  <p:stCondLst>
-                                    <p:cond delay="0"/>
-                                  </p:stCondLst>
-                                  <p:childTnLst>
-                                    <p:set>
-                                      <p:cBhvr>
-                                        <p:cTn id="139" dur="1" fill="hold">
-                                          <p:stCondLst>
-                                            <p:cond delay="0"/>
-                                          </p:stCondLst>
-                                        </p:cTn>
-                                        <p:tgtEl>
-                                          <p:spTgt spid="29">
-                                            <p:txEl>
-                                              <p:pRg st="6" end="6"/>
-                                            </p:txEl>
-                                          </p:spTgt>
-                                        </p:tgtEl>
-                                        <p:attrNameLst>
-                                          <p:attrName>style.visibility</p:attrName>
-                                        </p:attrNameLst>
-                                      </p:cBhvr>
-                                      <p:to>
-                                        <p:strVal val="visible"/>
-                                      </p:to>
-                                    </p:set>
-                                    <p:anim calcmode="lin" valueType="num">
-                                      <p:cBhvr>
-                                        <p:cTn id="140" dur="1000" fill="hold"/>
-                                        <p:tgtEl>
-                                          <p:spTgt spid="29">
-                                            <p:txEl>
-                                              <p:pRg st="6" end="6"/>
-                                            </p:txEl>
-                                          </p:spTgt>
-                                        </p:tgtEl>
-                                        <p:attrNameLst>
-                                          <p:attrName>ppt_w</p:attrName>
-                                        </p:attrNameLst>
-                                      </p:cBhvr>
-                                      <p:tavLst>
-                                        <p:tav tm="0">
-                                          <p:val>
-                                            <p:fltVal val="0"/>
-                                          </p:val>
-                                        </p:tav>
-                                        <p:tav tm="100000">
-                                          <p:val>
-                                            <p:strVal val="#ppt_w"/>
-                                          </p:val>
-                                        </p:tav>
-                                      </p:tavLst>
-                                    </p:anim>
-                                    <p:anim calcmode="lin" valueType="num">
-                                      <p:cBhvr>
-                                        <p:cTn id="141" dur="1000" fill="hold"/>
-                                        <p:tgtEl>
-                                          <p:spTgt spid="29">
-                                            <p:txEl>
-                                              <p:pRg st="6" end="6"/>
-                                            </p:txEl>
-                                          </p:spTgt>
-                                        </p:tgtEl>
-                                        <p:attrNameLst>
-                                          <p:attrName>ppt_h</p:attrName>
-                                        </p:attrNameLst>
-                                      </p:cBhvr>
-                                      <p:tavLst>
-                                        <p:tav tm="0">
-                                          <p:val>
-                                            <p:fltVal val="0"/>
-                                          </p:val>
-                                        </p:tav>
-                                        <p:tav tm="100000">
-                                          <p:val>
-                                            <p:strVal val="#ppt_h"/>
-                                          </p:val>
-                                        </p:tav>
-                                      </p:tavLst>
-                                    </p:anim>
-                                    <p:anim calcmode="lin" valueType="num">
-                                      <p:cBhvr>
-                                        <p:cTn id="142" dur="1000" fill="hold"/>
-                                        <p:tgtEl>
-                                          <p:spTgt spid="29">
-                                            <p:txEl>
-                                              <p:pRg st="6" end="6"/>
-                                            </p:txEl>
-                                          </p:spTgt>
-                                        </p:tgtEl>
-                                        <p:attrNameLst>
-                                          <p:attrName>style.rotation</p:attrName>
-                                        </p:attrNameLst>
-                                      </p:cBhvr>
-                                      <p:tavLst>
-                                        <p:tav tm="0">
-                                          <p:val>
-                                            <p:fltVal val="90"/>
-                                          </p:val>
-                                        </p:tav>
-                                        <p:tav tm="100000">
-                                          <p:val>
-                                            <p:fltVal val="0"/>
-                                          </p:val>
-                                        </p:tav>
-                                      </p:tavLst>
-                                    </p:anim>
-                                    <p:animEffect transition="in" filter="fade">
-                                      <p:cBhvr>
-                                        <p:cTn id="143" dur="1000"/>
-                                        <p:tgtEl>
-                                          <p:spTgt spid="29">
-                                            <p:txEl>
-                                              <p:pRg st="6" end="6"/>
-                                            </p:txEl>
-                                          </p:spTgt>
-                                        </p:tgtEl>
-                                      </p:cBhvr>
-                                    </p:animEffect>
-                                  </p:childTnLst>
-                                </p:cTn>
-                              </p:par>
-                            </p:childTnLst>
-                          </p:cTn>
-                        </p:par>
-                      </p:childTnLst>
-                    </p:cTn>
-                  </p:par>
-                  <p:par>
-                    <p:cTn id="144" fill="hold">
-                      <p:stCondLst>
-                        <p:cond delay="indefinite"/>
-                      </p:stCondLst>
-                      <p:childTnLst>
-                        <p:par>
-                          <p:cTn id="145" fill="hold">
-                            <p:stCondLst>
-                              <p:cond delay="0"/>
-                            </p:stCondLst>
-                            <p:childTnLst>
-                              <p:par>
-                                <p:cTn id="146" presetID="26" presetClass="entr" presetSubtype="0" fill="hold" nodeType="clickEffect">
-                                  <p:stCondLst>
-                                    <p:cond delay="0"/>
-                                  </p:stCondLst>
-                                  <p:childTnLst>
-                                    <p:set>
-                                      <p:cBhvr>
-                                        <p:cTn id="147" dur="1" fill="hold">
-                                          <p:stCondLst>
-                                            <p:cond delay="0"/>
-                                          </p:stCondLst>
-                                        </p:cTn>
-                                        <p:tgtEl>
-                                          <p:spTgt spid="29">
-                                            <p:txEl>
-                                              <p:pRg st="9" end="9"/>
-                                            </p:txEl>
-                                          </p:spTgt>
-                                        </p:tgtEl>
-                                        <p:attrNameLst>
-                                          <p:attrName>style.visibility</p:attrName>
-                                        </p:attrNameLst>
-                                      </p:cBhvr>
-                                      <p:to>
-                                        <p:strVal val="visible"/>
-                                      </p:to>
-                                    </p:set>
-                                    <p:animEffect transition="in" filter="wipe(down)">
-                                      <p:cBhvr>
-                                        <p:cTn id="148" dur="580">
-                                          <p:stCondLst>
-                                            <p:cond delay="0"/>
-                                          </p:stCondLst>
-                                        </p:cTn>
-                                        <p:tgtEl>
-                                          <p:spTgt spid="29">
-                                            <p:txEl>
-                                              <p:pRg st="9" end="9"/>
-                                            </p:txEl>
-                                          </p:spTgt>
-                                        </p:tgtEl>
-                                      </p:cBhvr>
-                                    </p:animEffect>
-                                    <p:anim calcmode="lin" valueType="num">
-                                      <p:cBhvr>
-                                        <p:cTn id="149" dur="1822" tmFilter="0,0; 0.14,0.36; 0.43,0.73; 0.71,0.91; 1.0,1.0">
-                                          <p:stCondLst>
-                                            <p:cond delay="0"/>
-                                          </p:stCondLst>
-                                        </p:cTn>
-                                        <p:tgtEl>
-                                          <p:spTgt spid="29">
-                                            <p:txEl>
-                                              <p:pRg st="9" end="9"/>
-                                            </p:txEl>
-                                          </p:spTgt>
-                                        </p:tgtEl>
-                                        <p:attrNameLst>
-                                          <p:attrName>ppt_x</p:attrName>
-                                        </p:attrNameLst>
-                                      </p:cBhvr>
-                                      <p:tavLst>
-                                        <p:tav tm="0">
-                                          <p:val>
-                                            <p:strVal val="#ppt_x-0.25"/>
-                                          </p:val>
-                                        </p:tav>
-                                        <p:tav tm="100000">
-                                          <p:val>
-                                            <p:strVal val="#ppt_x"/>
-                                          </p:val>
-                                        </p:tav>
-                                      </p:tavLst>
-                                    </p:anim>
-                                    <p:anim calcmode="lin" valueType="num">
-                                      <p:cBhvr>
-                                        <p:cTn id="150" dur="664" tmFilter="0.0,0.0; 0.25,0.07; 0.50,0.2; 0.75,0.467; 1.0,1.0">
-                                          <p:stCondLst>
-                                            <p:cond delay="0"/>
-                                          </p:stCondLst>
-                                        </p:cTn>
-                                        <p:tgtEl>
-                                          <p:spTgt spid="29">
-                                            <p:txEl>
-                                              <p:pRg st="9" end="9"/>
-                                            </p:txEl>
-                                          </p:spTgt>
-                                        </p:tgtEl>
-                                        <p:attrNameLst>
-                                          <p:attrName>ppt_y</p:attrName>
-                                        </p:attrNameLst>
-                                      </p:cBhvr>
-                                      <p:tavLst>
-                                        <p:tav tm="0" fmla="#ppt_y-sin(pi*$)/3">
-                                          <p:val>
-                                            <p:fltVal val="0.5"/>
-                                          </p:val>
-                                        </p:tav>
-                                        <p:tav tm="100000">
-                                          <p:val>
-                                            <p:fltVal val="1"/>
-                                          </p:val>
-                                        </p:tav>
-                                      </p:tavLst>
-                                    </p:anim>
-                                    <p:anim calcmode="lin" valueType="num">
-                                      <p:cBhvr>
-                                        <p:cTn id="151" dur="664" tmFilter="0, 0; 0.125,0.2665; 0.25,0.4; 0.375,0.465; 0.5,0.5;  0.625,0.535; 0.75,0.6; 0.875,0.7335; 1,1">
-                                          <p:stCondLst>
-                                            <p:cond delay="664"/>
-                                          </p:stCondLst>
-                                        </p:cTn>
-                                        <p:tgtEl>
-                                          <p:spTgt spid="29">
-                                            <p:txEl>
-                                              <p:pRg st="9" end="9"/>
-                                            </p:txEl>
-                                          </p:spTgt>
-                                        </p:tgtEl>
-                                        <p:attrNameLst>
-                                          <p:attrName>ppt_y</p:attrName>
-                                        </p:attrNameLst>
-                                      </p:cBhvr>
-                                      <p:tavLst>
-                                        <p:tav tm="0" fmla="#ppt_y-sin(pi*$)/9">
-                                          <p:val>
-                                            <p:fltVal val="0"/>
-                                          </p:val>
-                                        </p:tav>
-                                        <p:tav tm="100000">
-                                          <p:val>
-                                            <p:fltVal val="1"/>
-                                          </p:val>
-                                        </p:tav>
-                                      </p:tavLst>
-                                    </p:anim>
-                                    <p:anim calcmode="lin" valueType="num">
-                                      <p:cBhvr>
-                                        <p:cTn id="152" dur="332" tmFilter="0, 0; 0.125,0.2665; 0.25,0.4; 0.375,0.465; 0.5,0.5;  0.625,0.535; 0.75,0.6; 0.875,0.7335; 1,1">
-                                          <p:stCondLst>
-                                            <p:cond delay="1324"/>
-                                          </p:stCondLst>
-                                        </p:cTn>
-                                        <p:tgtEl>
-                                          <p:spTgt spid="29">
-                                            <p:txEl>
-                                              <p:pRg st="9" end="9"/>
-                                            </p:txEl>
-                                          </p:spTgt>
-                                        </p:tgtEl>
-                                        <p:attrNameLst>
-                                          <p:attrName>ppt_y</p:attrName>
-                                        </p:attrNameLst>
-                                      </p:cBhvr>
-                                      <p:tavLst>
-                                        <p:tav tm="0" fmla="#ppt_y-sin(pi*$)/27">
-                                          <p:val>
-                                            <p:fltVal val="0"/>
-                                          </p:val>
-                                        </p:tav>
-                                        <p:tav tm="100000">
-                                          <p:val>
-                                            <p:fltVal val="1"/>
-                                          </p:val>
-                                        </p:tav>
-                                      </p:tavLst>
-                                    </p:anim>
-                                    <p:anim calcmode="lin" valueType="num">
-                                      <p:cBhvr>
-                                        <p:cTn id="153" dur="164" tmFilter="0, 0; 0.125,0.2665; 0.25,0.4; 0.375,0.465; 0.5,0.5;  0.625,0.535; 0.75,0.6; 0.875,0.7335; 1,1">
-                                          <p:stCondLst>
-                                            <p:cond delay="1656"/>
-                                          </p:stCondLst>
-                                        </p:cTn>
-                                        <p:tgtEl>
-                                          <p:spTgt spid="29">
-                                            <p:txEl>
-                                              <p:pRg st="9" end="9"/>
-                                            </p:txEl>
-                                          </p:spTgt>
-                                        </p:tgtEl>
-                                        <p:attrNameLst>
-                                          <p:attrName>ppt_y</p:attrName>
-                                        </p:attrNameLst>
-                                      </p:cBhvr>
-                                      <p:tavLst>
-                                        <p:tav tm="0" fmla="#ppt_y-sin(pi*$)/81">
-                                          <p:val>
-                                            <p:fltVal val="0"/>
-                                          </p:val>
-                                        </p:tav>
-                                        <p:tav tm="100000">
-                                          <p:val>
-                                            <p:fltVal val="1"/>
-                                          </p:val>
-                                        </p:tav>
-                                      </p:tavLst>
-                                    </p:anim>
-                                    <p:animScale>
-                                      <p:cBhvr>
-                                        <p:cTn id="154" dur="26">
-                                          <p:stCondLst>
-                                            <p:cond delay="650"/>
-                                          </p:stCondLst>
-                                        </p:cTn>
-                                        <p:tgtEl>
-                                          <p:spTgt spid="29">
-                                            <p:txEl>
-                                              <p:pRg st="9" end="9"/>
-                                            </p:txEl>
-                                          </p:spTgt>
-                                        </p:tgtEl>
-                                      </p:cBhvr>
-                                      <p:to x="100000" y="60000"/>
-                                    </p:animScale>
-                                    <p:animScale>
-                                      <p:cBhvr>
-                                        <p:cTn id="155" dur="166" decel="50000">
-                                          <p:stCondLst>
-                                            <p:cond delay="676"/>
-                                          </p:stCondLst>
-                                        </p:cTn>
-                                        <p:tgtEl>
-                                          <p:spTgt spid="29">
-                                            <p:txEl>
-                                              <p:pRg st="9" end="9"/>
-                                            </p:txEl>
-                                          </p:spTgt>
-                                        </p:tgtEl>
-                                      </p:cBhvr>
-                                      <p:to x="100000" y="100000"/>
-                                    </p:animScale>
-                                    <p:animScale>
-                                      <p:cBhvr>
-                                        <p:cTn id="156" dur="26">
-                                          <p:stCondLst>
-                                            <p:cond delay="1312"/>
-                                          </p:stCondLst>
-                                        </p:cTn>
-                                        <p:tgtEl>
-                                          <p:spTgt spid="29">
-                                            <p:txEl>
-                                              <p:pRg st="9" end="9"/>
-                                            </p:txEl>
-                                          </p:spTgt>
-                                        </p:tgtEl>
-                                      </p:cBhvr>
-                                      <p:to x="100000" y="80000"/>
-                                    </p:animScale>
-                                    <p:animScale>
-                                      <p:cBhvr>
-                                        <p:cTn id="157" dur="166" decel="50000">
-                                          <p:stCondLst>
-                                            <p:cond delay="1338"/>
-                                          </p:stCondLst>
-                                        </p:cTn>
-                                        <p:tgtEl>
-                                          <p:spTgt spid="29">
-                                            <p:txEl>
-                                              <p:pRg st="9" end="9"/>
-                                            </p:txEl>
-                                          </p:spTgt>
-                                        </p:tgtEl>
-                                      </p:cBhvr>
-                                      <p:to x="100000" y="100000"/>
-                                    </p:animScale>
-                                    <p:animScale>
-                                      <p:cBhvr>
-                                        <p:cTn id="158" dur="26">
-                                          <p:stCondLst>
-                                            <p:cond delay="1642"/>
-                                          </p:stCondLst>
-                                        </p:cTn>
-                                        <p:tgtEl>
-                                          <p:spTgt spid="29">
-                                            <p:txEl>
-                                              <p:pRg st="9" end="9"/>
-                                            </p:txEl>
-                                          </p:spTgt>
-                                        </p:tgtEl>
-                                      </p:cBhvr>
-                                      <p:to x="100000" y="90000"/>
-                                    </p:animScale>
-                                    <p:animScale>
-                                      <p:cBhvr>
-                                        <p:cTn id="159" dur="166" decel="50000">
-                                          <p:stCondLst>
-                                            <p:cond delay="1668"/>
-                                          </p:stCondLst>
-                                        </p:cTn>
-                                        <p:tgtEl>
-                                          <p:spTgt spid="29">
-                                            <p:txEl>
-                                              <p:pRg st="9" end="9"/>
-                                            </p:txEl>
-                                          </p:spTgt>
-                                        </p:tgtEl>
-                                      </p:cBhvr>
-                                      <p:to x="100000" y="100000"/>
-                                    </p:animScale>
-                                    <p:animScale>
-                                      <p:cBhvr>
-                                        <p:cTn id="160" dur="26">
-                                          <p:stCondLst>
-                                            <p:cond delay="1808"/>
-                                          </p:stCondLst>
-                                        </p:cTn>
-                                        <p:tgtEl>
-                                          <p:spTgt spid="29">
-                                            <p:txEl>
-                                              <p:pRg st="9" end="9"/>
-                                            </p:txEl>
-                                          </p:spTgt>
-                                        </p:tgtEl>
-                                      </p:cBhvr>
-                                      <p:to x="100000" y="95000"/>
-                                    </p:animScale>
-                                    <p:animScale>
-                                      <p:cBhvr>
-                                        <p:cTn id="161" dur="166" decel="50000">
-                                          <p:stCondLst>
-                                            <p:cond delay="1834"/>
-                                          </p:stCondLst>
-                                        </p:cTn>
-                                        <p:tgtEl>
-                                          <p:spTgt spid="29">
-                                            <p:txEl>
-                                              <p:pRg st="9" end="9"/>
-                                            </p:txEl>
-                                          </p:spTgt>
-                                        </p:tgtEl>
-                                      </p:cBhvr>
-                                      <p:to x="100000" y="100000"/>
-                                    </p:animScale>
-                                  </p:childTnLst>
-                                </p:cTn>
-                              </p:par>
-                            </p:childTnLst>
-                          </p:cTn>
-                        </p:par>
-                      </p:childTnLst>
-                    </p:cTn>
-                  </p:par>
-                  <p:par>
-                    <p:cTn id="162" fill="hold">
-                      <p:stCondLst>
-                        <p:cond delay="indefinite"/>
-                      </p:stCondLst>
-                      <p:childTnLst>
-                        <p:par>
-                          <p:cTn id="163" fill="hold">
-                            <p:stCondLst>
-                              <p:cond delay="0"/>
-                            </p:stCondLst>
-                            <p:childTnLst>
-                              <p:par>
-                                <p:cTn id="164" presetID="6" presetClass="entr" presetSubtype="16" fill="hold" nodeType="clickEffect">
-                                  <p:stCondLst>
-                                    <p:cond delay="0"/>
-                                  </p:stCondLst>
-                                  <p:childTnLst>
-                                    <p:set>
-                                      <p:cBhvr>
-                                        <p:cTn id="165" dur="1" fill="hold">
-                                          <p:stCondLst>
-                                            <p:cond delay="0"/>
-                                          </p:stCondLst>
-                                        </p:cTn>
-                                        <p:tgtEl>
-                                          <p:spTgt spid="31">
-                                            <p:txEl>
-                                              <p:pRg st="0" end="0"/>
-                                            </p:txEl>
-                                          </p:spTgt>
-                                        </p:tgtEl>
-                                        <p:attrNameLst>
-                                          <p:attrName>style.visibility</p:attrName>
-                                        </p:attrNameLst>
-                                      </p:cBhvr>
-                                      <p:to>
-                                        <p:strVal val="visible"/>
-                                      </p:to>
-                                    </p:set>
-                                    <p:animEffect transition="in" filter="circle(in)">
-                                      <p:cBhvr>
-                                        <p:cTn id="166" dur="2000"/>
-                                        <p:tgtEl>
-                                          <p:spTgt spid="31">
-                                            <p:txEl>
-                                              <p:pRg st="0" end="0"/>
-                                            </p:txEl>
-                                          </p:spTgt>
                                         </p:tgtEl>
                                       </p:cBhvr>
                                     </p:animEffect>
@@ -23319,19 +17905,131 @@
         </p:cTn>
       </p:par>
     </p:tnLst>
-    <p:bldLst>
-      <p:bldP spid="9" grpId="0" animBg="1"/>
-      <p:bldP spid="10" grpId="0"/>
-      <p:bldP spid="12" grpId="0"/>
-      <p:bldP spid="13" grpId="0"/>
-      <p:bldP spid="14" grpId="0"/>
-      <p:bldP spid="15" grpId="0"/>
-      <p:bldP spid="20" grpId="0"/>
-      <p:bldP spid="20" grpId="1"/>
-      <p:bldP spid="24" grpId="0" animBg="1"/>
-      <p:bldP spid="27" grpId="0" animBg="1"/>
-    </p:bldLst>
   </p:timing>
+</p:sld>
+</file>
+
+<file path=ppt/slides/slide9.xml><?xml version="1.0" encoding="utf-8"?>
+<p:sld xmlns:a="http://schemas.openxmlformats.org/drawingml/2006/main" xmlns:r="http://schemas.openxmlformats.org/officeDocument/2006/relationships" xmlns:p="http://schemas.openxmlformats.org/presentationml/2006/main">
+  <p:cSld>
+    <p:spTree>
+      <p:nvGrpSpPr>
+        <p:cNvPr id="1" name=""/>
+        <p:cNvGrpSpPr/>
+        <p:nvPr/>
+      </p:nvGrpSpPr>
+      <p:grpSpPr>
+        <a:xfrm>
+          <a:off x="0" y="0"/>
+          <a:ext cx="0" cy="0"/>
+          <a:chOff x="0" y="0"/>
+          <a:chExt cx="0" cy="0"/>
+        </a:xfrm>
+      </p:grpSpPr>
+      <p:sp>
+        <p:nvSpPr>
+          <p:cNvPr id="2" name="Title 1">
+            <a:extLst>
+              <a:ext uri="{FF2B5EF4-FFF2-40B4-BE49-F238E27FC236}">
+                <a16:creationId xmlns:a16="http://schemas.microsoft.com/office/drawing/2014/main" id="{C65F4A4E-592B-426D-9F2F-B67180A5CA04}"/>
+              </a:ext>
+            </a:extLst>
+          </p:cNvPr>
+          <p:cNvSpPr>
+            <a:spLocks noGrp="1"/>
+          </p:cNvSpPr>
+          <p:nvPr>
+            <p:ph type="title"/>
+          </p:nvPr>
+        </p:nvSpPr>
+        <p:spPr>
+          <a:xfrm>
+            <a:off x="581192" y="702156"/>
+            <a:ext cx="2413678" cy="1013800"/>
+          </a:xfrm>
+        </p:spPr>
+        <p:txBody>
+          <a:bodyPr/>
+          <a:lstStyle/>
+          <a:p>
+            <a:r>
+              <a:rPr lang="en-US" dirty="0" err="1"/>
+              <a:t>ChessBOard</a:t>
+            </a:r>
+            <a:endParaRPr lang="en-US" dirty="0"/>
+          </a:p>
+        </p:txBody>
+      </p:sp>
+      <p:pic>
+        <p:nvPicPr>
+          <p:cNvPr id="4" name="Picture 3">
+            <a:extLst>
+              <a:ext uri="{FF2B5EF4-FFF2-40B4-BE49-F238E27FC236}">
+                <a16:creationId xmlns:a16="http://schemas.microsoft.com/office/drawing/2014/main" id="{444D9184-D6B0-47BC-8796-4208D1D0BF25}"/>
+              </a:ext>
+            </a:extLst>
+          </p:cNvPr>
+          <p:cNvPicPr>
+            <a:picLocks noChangeAspect="1"/>
+          </p:cNvPicPr>
+          <p:nvPr/>
+        </p:nvPicPr>
+        <p:blipFill>
+          <a:blip r:embed="rId2"/>
+          <a:stretch>
+            <a:fillRect/>
+          </a:stretch>
+        </p:blipFill>
+        <p:spPr>
+          <a:xfrm>
+            <a:off x="444615" y="1837189"/>
+            <a:ext cx="6650867" cy="4801871"/>
+          </a:xfrm>
+          <a:prstGeom prst="rect">
+            <a:avLst/>
+          </a:prstGeom>
+        </p:spPr>
+      </p:pic>
+      <p:pic>
+        <p:nvPicPr>
+          <p:cNvPr id="5" name="Picture 4">
+            <a:extLst>
+              <a:ext uri="{FF2B5EF4-FFF2-40B4-BE49-F238E27FC236}">
+                <a16:creationId xmlns:a16="http://schemas.microsoft.com/office/drawing/2014/main" id="{E49C6A1C-0312-4A7A-9BBB-CE7CC3D7E51E}"/>
+              </a:ext>
+            </a:extLst>
+          </p:cNvPr>
+          <p:cNvPicPr>
+            <a:picLocks noChangeAspect="1"/>
+          </p:cNvPicPr>
+          <p:nvPr/>
+        </p:nvPicPr>
+        <p:blipFill>
+          <a:blip r:embed="rId3"/>
+          <a:stretch>
+            <a:fillRect/>
+          </a:stretch>
+        </p:blipFill>
+        <p:spPr>
+          <a:xfrm>
+            <a:off x="7323590" y="2348918"/>
+            <a:ext cx="3312554" cy="2575420"/>
+          </a:xfrm>
+          <a:prstGeom prst="rect">
+            <a:avLst/>
+          </a:prstGeom>
+        </p:spPr>
+      </p:pic>
+    </p:spTree>
+    <p:extLst>
+      <p:ext uri="{BB962C8B-B14F-4D97-AF65-F5344CB8AC3E}">
+        <p14:creationId xmlns:p14="http://schemas.microsoft.com/office/powerpoint/2010/main" val="2464097867"/>
+      </p:ext>
+    </p:extLst>
+  </p:cSld>
+  <p:clrMapOvr>
+    <a:masterClrMapping/>
+  </p:clrMapOvr>
 </p:sld>
 </file>
 
@@ -23613,6 +18311,15 @@
 </file>
 
 <file path=customXml/item2.xml><?xml version="1.0" encoding="utf-8"?>
+<?mso-contentType ?>
+<FormTemplates xmlns="http://schemas.microsoft.com/sharepoint/v3/contenttype/forms">
+  <Display>DocumentLibraryForm</Display>
+  <Edit>DocumentLibraryForm</Edit>
+  <New>DocumentLibraryForm</New>
+</FormTemplates>
+</file>
+
+<file path=customXml/item3.xml><?xml version="1.0" encoding="utf-8"?>
 <ct:contentTypeSchema xmlns:ct="http://schemas.microsoft.com/office/2006/metadata/contentType" xmlns:ma="http://schemas.microsoft.com/office/2006/metadata/properties/metaAttributes" ct:_="" ma:_="" ma:contentTypeName="Document" ma:contentTypeID="0x01010079F111ED35F8CC479449609E8A0923A6" ma:contentTypeVersion="11" ma:contentTypeDescription="Create a new document." ma:contentTypeScope="" ma:versionID="1c2eb7a32e66fb6e4260f3771546a5e2">
   <xsd:schema xmlns:xsd="http://www.w3.org/2001/XMLSchema" xmlns:xs="http://www.w3.org/2001/XMLSchema" xmlns:p="http://schemas.microsoft.com/office/2006/metadata/properties" xmlns:ns2="71af3243-3dd4-4a8d-8c0d-dd76da1f02a5" xmlns:ns3="16c05727-aa75-4e4a-9b5f-8a80a1165891" targetNamespace="http://schemas.microsoft.com/office/2006/metadata/properties" ma:root="true" ma:fieldsID="04e1f6479c48b08974ba73b5ca973489" ns2:_="" ns3:_="">
     <xsd:import namespace="71af3243-3dd4-4a8d-8c0d-dd76da1f02a5"/>
@@ -23823,15 +18530,6 @@
 </ct:contentTypeSchema>
 </file>
 
-<file path=customXml/item3.xml><?xml version="1.0" encoding="utf-8"?>
-<?mso-contentType ?>
-<FormTemplates xmlns="http://schemas.microsoft.com/sharepoint/v3/contenttype/forms">
-  <Display>DocumentLibraryForm</Display>
-  <Edit>DocumentLibraryForm</Edit>
-  <New>DocumentLibraryForm</New>
-</FormTemplates>
-</file>
-
 <file path=customXml/itemProps1.xml><?xml version="1.0" encoding="utf-8"?>
 <ds:datastoreItem xmlns:ds="http://schemas.openxmlformats.org/officeDocument/2006/customXml" ds:itemID="{1EBC12AA-1C15-4500-BC9C-8EE83A441DE9}">
   <ds:schemaRefs>
@@ -23850,6 +18548,14 @@
 </file>
 
 <file path=customXml/itemProps2.xml><?xml version="1.0" encoding="utf-8"?>
+<ds:datastoreItem xmlns:ds="http://schemas.openxmlformats.org/officeDocument/2006/customXml" ds:itemID="{BA0CF3B2-1F0F-4FC5-8002-3E4869ABAD55}">
+  <ds:schemaRefs>
+    <ds:schemaRef ds:uri="http://schemas.microsoft.com/sharepoint/v3/contenttype/forms"/>
+  </ds:schemaRefs>
+</ds:datastoreItem>
+</file>
+
+<file path=customXml/itemProps3.xml><?xml version="1.0" encoding="utf-8"?>
 <ds:datastoreItem xmlns:ds="http://schemas.openxmlformats.org/officeDocument/2006/customXml" ds:itemID="{1F69AFF4-BB30-4BA0-AD22-82CC3C43276B}">
   <ds:schemaRefs>
     <ds:schemaRef ds:uri="http://schemas.microsoft.com/office/2006/metadata/contentType"/>
@@ -23866,12 +18572,4 @@
     <ds:schemaRef ds:uri="http://schemas.microsoft.com/internal/obd"/>
   </ds:schemaRefs>
 </ds:datastoreItem>
-</file>
-
-<file path=customXml/itemProps3.xml><?xml version="1.0" encoding="utf-8"?>
-<ds:datastoreItem xmlns:ds="http://schemas.openxmlformats.org/officeDocument/2006/customXml" ds:itemID="{BA0CF3B2-1F0F-4FC5-8002-3E4869ABAD55}">
-  <ds:schemaRefs>
-    <ds:schemaRef ds:uri="http://schemas.microsoft.com/sharepoint/v3/contenttype/forms"/>
-  </ds:schemaRefs>
-</ds:datastoreItem>
 </file>
--- a/Document/ThuyetTrinh.pptx
+++ b/Document/ThuyetTrinh.pptx
@@ -7182,7 +7182,7 @@
             <a:fld id="{B61BEF0D-F0BB-DE4B-95CE-6DB70DBA9567}" type="datetimeFigureOut">
               <a:rPr lang="en-US" smtClean="0"/>
               <a:pPr/>
-              <a:t>11/29/2019</a:t>
+              <a:t>11/30/2019</a:t>
             </a:fld>
             <a:endParaRPr lang="en-US" dirty="0"/>
           </a:p>
@@ -7446,7 +7446,7 @@
             <a:fld id="{B61BEF0D-F0BB-DE4B-95CE-6DB70DBA9567}" type="datetimeFigureOut">
               <a:rPr lang="en-US" smtClean="0"/>
               <a:pPr/>
-              <a:t>11/29/2019</a:t>
+              <a:t>11/30/2019</a:t>
             </a:fld>
             <a:endParaRPr lang="en-US" dirty="0"/>
           </a:p>
@@ -7683,7 +7683,7 @@
             <a:fld id="{B61BEF0D-F0BB-DE4B-95CE-6DB70DBA9567}" type="datetimeFigureOut">
               <a:rPr lang="en-US" smtClean="0"/>
               <a:pPr/>
-              <a:t>11/29/2019</a:t>
+              <a:t>11/30/2019</a:t>
             </a:fld>
             <a:endParaRPr lang="en-US" dirty="0"/>
           </a:p>
@@ -7925,7 +7925,7 @@
             <a:fld id="{B61BEF0D-F0BB-DE4B-95CE-6DB70DBA9567}" type="datetimeFigureOut">
               <a:rPr lang="en-US" smtClean="0"/>
               <a:pPr/>
-              <a:t>11/29/2019</a:t>
+              <a:t>11/30/2019</a:t>
             </a:fld>
             <a:endParaRPr lang="en-US" dirty="0"/>
           </a:p>
@@ -8234,7 +8234,7 @@
             <a:fld id="{B61BEF0D-F0BB-DE4B-95CE-6DB70DBA9567}" type="datetimeFigureOut">
               <a:rPr lang="en-US" smtClean="0"/>
               <a:pPr/>
-              <a:t>11/29/2019</a:t>
+              <a:t>11/30/2019</a:t>
             </a:fld>
             <a:endParaRPr lang="en-US" dirty="0"/>
           </a:p>
@@ -8538,7 +8538,7 @@
             <a:fld id="{B61BEF0D-F0BB-DE4B-95CE-6DB70DBA9567}" type="datetimeFigureOut">
               <a:rPr lang="en-US" smtClean="0"/>
               <a:pPr/>
-              <a:t>11/29/2019</a:t>
+              <a:t>11/30/2019</a:t>
             </a:fld>
             <a:endParaRPr lang="en-US" dirty="0"/>
           </a:p>
@@ -8962,7 +8962,7 @@
             <a:fld id="{B61BEF0D-F0BB-DE4B-95CE-6DB70DBA9567}" type="datetimeFigureOut">
               <a:rPr lang="en-US" smtClean="0"/>
               <a:pPr/>
-              <a:t>11/29/2019</a:t>
+              <a:t>11/30/2019</a:t>
             </a:fld>
             <a:endParaRPr lang="en-US" dirty="0"/>
           </a:p>
@@ -9059,7 +9059,7 @@
             <a:fld id="{B61BEF0D-F0BB-DE4B-95CE-6DB70DBA9567}" type="datetimeFigureOut">
               <a:rPr lang="en-US" smtClean="0"/>
               <a:pPr/>
-              <a:t>11/29/2019</a:t>
+              <a:t>11/30/2019</a:t>
             </a:fld>
             <a:endParaRPr lang="en-US" dirty="0"/>
           </a:p>
@@ -9223,7 +9223,7 @@
             <a:fld id="{B61BEF0D-F0BB-DE4B-95CE-6DB70DBA9567}" type="datetimeFigureOut">
               <a:rPr lang="en-US" smtClean="0"/>
               <a:pPr/>
-              <a:t>11/29/2019</a:t>
+              <a:t>11/30/2019</a:t>
             </a:fld>
             <a:endParaRPr lang="en-US" dirty="0"/>
           </a:p>
@@ -9603,7 +9603,7 @@
             <a:fld id="{B61BEF0D-F0BB-DE4B-95CE-6DB70DBA9567}" type="datetimeFigureOut">
               <a:rPr lang="en-US" smtClean="0"/>
               <a:pPr/>
-              <a:t>11/29/2019</a:t>
+              <a:t>11/30/2019</a:t>
             </a:fld>
             <a:endParaRPr lang="en-US" dirty="0"/>
           </a:p>
@@ -9894,7 +9894,7 @@
             <a:fld id="{B61BEF0D-F0BB-DE4B-95CE-6DB70DBA9567}" type="datetimeFigureOut">
               <a:rPr lang="en-US" smtClean="0"/>
               <a:pPr/>
-              <a:t>11/29/2019</a:t>
+              <a:t>11/30/2019</a:t>
             </a:fld>
             <a:endParaRPr lang="en-US" dirty="0"/>
           </a:p>
@@ -10107,7 +10107,7 @@
             <a:fld id="{B61BEF0D-F0BB-DE4B-95CE-6DB70DBA9567}" type="datetimeFigureOut">
               <a:rPr lang="en-US" smtClean="0"/>
               <a:pPr/>
-              <a:t>11/29/2019</a:t>
+              <a:t>11/30/2019</a:t>
             </a:fld>
             <a:endParaRPr lang="en-US" dirty="0"/>
           </a:p>
@@ -13555,13 +13555,13 @@
   <p:clrMapOvr>
     <a:masterClrMapping/>
   </p:clrMapOvr>
-  <mc:AlternateContent xmlns:mc="http://schemas.openxmlformats.org/markup-compatibility/2006">
-    <mc:Choice xmlns:p15="http://schemas.microsoft.com/office/powerpoint/2012/main" Requires="p15">
+  <mc:AlternateContent xmlns:mc="http://schemas.openxmlformats.org/markup-compatibility/2006" xmlns:p15="http://schemas.microsoft.com/office/powerpoint/2012/main">
+    <mc:Choice Requires="p15">
       <p:transition xmlns:p14="http://schemas.microsoft.com/office/powerpoint/2010/main" spd="slow" p14:dur="2000">
         <p15:prstTrans prst="fracture"/>
       </p:transition>
     </mc:Choice>
-    <mc:Fallback>
+    <mc:Fallback xmlns="">
       <p:transition spd="slow">
         <p:fade/>
       </p:transition>
@@ -17702,10 +17702,10 @@
       </p:sp>
       <p:pic>
         <p:nvPicPr>
-          <p:cNvPr id="14" name="Picture 13">
+          <p:cNvPr id="15" name="Picture 14">
             <a:extLst>
               <a:ext uri="{FF2B5EF4-FFF2-40B4-BE49-F238E27FC236}">
-                <a16:creationId xmlns:a16="http://schemas.microsoft.com/office/drawing/2014/main" id="{E21DED3C-3077-4D27-A616-A725F58CF8F3}"/>
+                <a16:creationId xmlns:a16="http://schemas.microsoft.com/office/drawing/2014/main" id="{45DC7649-6EA7-4CBA-919E-A7B3665B8A04}"/>
               </a:ext>
             </a:extLst>
           </p:cNvPr>
@@ -17722,37 +17722,7 @@
         </p:blipFill>
         <p:spPr>
           <a:xfrm>
-            <a:off x="2435684" y="2006657"/>
-            <a:ext cx="6817329" cy="4149187"/>
-          </a:xfrm>
-          <a:prstGeom prst="rect">
-            <a:avLst/>
-          </a:prstGeom>
-        </p:spPr>
-      </p:pic>
-      <p:pic>
-        <p:nvPicPr>
-          <p:cNvPr id="15" name="Picture 14">
-            <a:extLst>
-              <a:ext uri="{FF2B5EF4-FFF2-40B4-BE49-F238E27FC236}">
-                <a16:creationId xmlns:a16="http://schemas.microsoft.com/office/drawing/2014/main" id="{45DC7649-6EA7-4CBA-919E-A7B3665B8A04}"/>
-              </a:ext>
-            </a:extLst>
-          </p:cNvPr>
-          <p:cNvPicPr>
-            <a:picLocks noChangeAspect="1"/>
-          </p:cNvPicPr>
-          <p:nvPr/>
-        </p:nvPicPr>
-        <p:blipFill>
-          <a:blip r:embed="rId3"/>
-          <a:stretch>
-            <a:fillRect/>
-          </a:stretch>
-        </p:blipFill>
-        <p:spPr>
-          <a:xfrm>
-            <a:off x="1098958" y="1966577"/>
+            <a:off x="1268582" y="1997162"/>
             <a:ext cx="9654835" cy="4158682"/>
           </a:xfrm>
           <a:prstGeom prst="rect">
@@ -17791,7 +17761,7 @@
                             </p:stCondLst>
                             <p:childTnLst>
                               <p:par>
-                                <p:cTn id="5" presetID="6" presetClass="entr" presetSubtype="16" fill="hold" nodeType="clickEffect">
+                                <p:cTn id="5" presetID="16" presetClass="entr" presetSubtype="21" fill="hold" nodeType="clickEffect">
                                   <p:stCondLst>
                                     <p:cond delay="0"/>
                                   </p:stCondLst>
@@ -17799,59 +17769,6 @@
                                     <p:set>
                                       <p:cBhvr>
                                         <p:cTn id="6" dur="1" fill="hold">
-                                          <p:stCondLst>
-                                            <p:cond delay="0"/>
-                                          </p:stCondLst>
-                                        </p:cTn>
-                                        <p:tgtEl>
-                                          <p:spTgt spid="14"/>
-                                        </p:tgtEl>
-                                        <p:attrNameLst>
-                                          <p:attrName>style.visibility</p:attrName>
-                                        </p:attrNameLst>
-                                      </p:cBhvr>
-                                      <p:to>
-                                        <p:strVal val="visible"/>
-                                      </p:to>
-                                    </p:set>
-                                    <p:animEffect transition="in" filter="circle(in)">
-                                      <p:cBhvr>
-                                        <p:cTn id="7" dur="2000"/>
-                                        <p:tgtEl>
-                                          <p:spTgt spid="14"/>
-                                        </p:tgtEl>
-                                      </p:cBhvr>
-                                    </p:animEffect>
-                                  </p:childTnLst>
-                                </p:cTn>
-                              </p:par>
-                            </p:childTnLst>
-                          </p:cTn>
-                        </p:par>
-                      </p:childTnLst>
-                    </p:cTn>
-                  </p:par>
-                  <p:par>
-                    <p:cTn id="8" fill="hold">
-                      <p:stCondLst>
-                        <p:cond delay="indefinite"/>
-                      </p:stCondLst>
-                      <p:childTnLst>
-                        <p:par>
-                          <p:cTn id="9" fill="hold">
-                            <p:stCondLst>
-                              <p:cond delay="0"/>
-                            </p:stCondLst>
-                            <p:childTnLst>
-                              <p:par>
-                                <p:cTn id="10" presetID="16" presetClass="entr" presetSubtype="21" fill="hold" nodeType="clickEffect">
-                                  <p:stCondLst>
-                                    <p:cond delay="0"/>
-                                  </p:stCondLst>
-                                  <p:childTnLst>
-                                    <p:set>
-                                      <p:cBhvr>
-                                        <p:cTn id="11" dur="1" fill="hold">
                                           <p:stCondLst>
                                             <p:cond delay="0"/>
                                           </p:stCondLst>
@@ -17869,7 +17786,7 @@
                                     </p:set>
                                     <p:animEffect transition="in" filter="barn(inVertical)">
                                       <p:cBhvr>
-                                        <p:cTn id="12" dur="500"/>
+                                        <p:cTn id="7" dur="500"/>
                                         <p:tgtEl>
                                           <p:spTgt spid="15"/>
                                         </p:tgtEl>
@@ -18311,15 +18228,6 @@
 </file>
 
 <file path=customXml/item2.xml><?xml version="1.0" encoding="utf-8"?>
-<?mso-contentType ?>
-<FormTemplates xmlns="http://schemas.microsoft.com/sharepoint/v3/contenttype/forms">
-  <Display>DocumentLibraryForm</Display>
-  <Edit>DocumentLibraryForm</Edit>
-  <New>DocumentLibraryForm</New>
-</FormTemplates>
-</file>
-
-<file path=customXml/item3.xml><?xml version="1.0" encoding="utf-8"?>
 <ct:contentTypeSchema xmlns:ct="http://schemas.microsoft.com/office/2006/metadata/contentType" xmlns:ma="http://schemas.microsoft.com/office/2006/metadata/properties/metaAttributes" ct:_="" ma:_="" ma:contentTypeName="Document" ma:contentTypeID="0x01010079F111ED35F8CC479449609E8A0923A6" ma:contentTypeVersion="11" ma:contentTypeDescription="Create a new document." ma:contentTypeScope="" ma:versionID="1c2eb7a32e66fb6e4260f3771546a5e2">
   <xsd:schema xmlns:xsd="http://www.w3.org/2001/XMLSchema" xmlns:xs="http://www.w3.org/2001/XMLSchema" xmlns:p="http://schemas.microsoft.com/office/2006/metadata/properties" xmlns:ns2="71af3243-3dd4-4a8d-8c0d-dd76da1f02a5" xmlns:ns3="16c05727-aa75-4e4a-9b5f-8a80a1165891" targetNamespace="http://schemas.microsoft.com/office/2006/metadata/properties" ma:root="true" ma:fieldsID="04e1f6479c48b08974ba73b5ca973489" ns2:_="" ns3:_="">
     <xsd:import namespace="71af3243-3dd4-4a8d-8c0d-dd76da1f02a5"/>
@@ -18530,6 +18438,15 @@
 </ct:contentTypeSchema>
 </file>
 
+<file path=customXml/item3.xml><?xml version="1.0" encoding="utf-8"?>
+<?mso-contentType ?>
+<FormTemplates xmlns="http://schemas.microsoft.com/sharepoint/v3/contenttype/forms">
+  <Display>DocumentLibraryForm</Display>
+  <Edit>DocumentLibraryForm</Edit>
+  <New>DocumentLibraryForm</New>
+</FormTemplates>
+</file>
+
 <file path=customXml/itemProps1.xml><?xml version="1.0" encoding="utf-8"?>
 <ds:datastoreItem xmlns:ds="http://schemas.openxmlformats.org/officeDocument/2006/customXml" ds:itemID="{1EBC12AA-1C15-4500-BC9C-8EE83A441DE9}">
   <ds:schemaRefs>
@@ -18548,14 +18465,6 @@
 </file>
 
 <file path=customXml/itemProps2.xml><?xml version="1.0" encoding="utf-8"?>
-<ds:datastoreItem xmlns:ds="http://schemas.openxmlformats.org/officeDocument/2006/customXml" ds:itemID="{BA0CF3B2-1F0F-4FC5-8002-3E4869ABAD55}">
-  <ds:schemaRefs>
-    <ds:schemaRef ds:uri="http://schemas.microsoft.com/sharepoint/v3/contenttype/forms"/>
-  </ds:schemaRefs>
-</ds:datastoreItem>
-</file>
-
-<file path=customXml/itemProps3.xml><?xml version="1.0" encoding="utf-8"?>
 <ds:datastoreItem xmlns:ds="http://schemas.openxmlformats.org/officeDocument/2006/customXml" ds:itemID="{1F69AFF4-BB30-4BA0-AD22-82CC3C43276B}">
   <ds:schemaRefs>
     <ds:schemaRef ds:uri="http://schemas.microsoft.com/office/2006/metadata/contentType"/>
@@ -18572,4 +18481,12 @@
     <ds:schemaRef ds:uri="http://schemas.microsoft.com/internal/obd"/>
   </ds:schemaRefs>
 </ds:datastoreItem>
+</file>
+
+<file path=customXml/itemProps3.xml><?xml version="1.0" encoding="utf-8"?>
+<ds:datastoreItem xmlns:ds="http://schemas.openxmlformats.org/officeDocument/2006/customXml" ds:itemID="{BA0CF3B2-1F0F-4FC5-8002-3E4869ABAD55}">
+  <ds:schemaRefs>
+    <ds:schemaRef ds:uri="http://schemas.microsoft.com/sharepoint/v3/contenttype/forms"/>
+  </ds:schemaRefs>
+</ds:datastoreItem>
 </file>
--- a/Document/ThuyetTrinh.pptx
+++ b/Document/ThuyetTrinh.pptx
@@ -12,13 +12,14 @@
     <p:sldId id="259" r:id="rId9"/>
     <p:sldId id="262" r:id="rId10"/>
     <p:sldId id="265" r:id="rId11"/>
-    <p:sldId id="273" r:id="rId12"/>
-    <p:sldId id="274" r:id="rId13"/>
-    <p:sldId id="266" r:id="rId14"/>
-    <p:sldId id="271" r:id="rId15"/>
-    <p:sldId id="272" r:id="rId16"/>
-    <p:sldId id="269" r:id="rId17"/>
-    <p:sldId id="260" r:id="rId18"/>
+    <p:sldId id="266" r:id="rId12"/>
+    <p:sldId id="273" r:id="rId13"/>
+    <p:sldId id="274" r:id="rId14"/>
+    <p:sldId id="275" r:id="rId15"/>
+    <p:sldId id="271" r:id="rId16"/>
+    <p:sldId id="272" r:id="rId17"/>
+    <p:sldId id="269" r:id="rId18"/>
+    <p:sldId id="260" r:id="rId19"/>
   </p:sldIdLst>
   <p:sldSz cx="12192000" cy="6858000"/>
   <p:notesSz cx="6858000" cy="9144000"/>
@@ -1874,7 +1875,7 @@
           </a:pPr>
           <a:r>
             <a:rPr lang="en-US" dirty="0"/>
-            <a:t>Giới thiệu đồ án</a:t>
+            <a:t>Giới thiệu</a:t>
           </a:r>
         </a:p>
       </dgm:t>
@@ -2748,7 +2749,7 @@
           </a:pPr>
           <a:r>
             <a:rPr lang="en-US" sz="3600" kern="1200" dirty="0"/>
-            <a:t>Giới thiệu đồ án</a:t>
+            <a:t>Giới thiệu</a:t>
           </a:r>
         </a:p>
       </dsp:txBody>
@@ -11030,7 +11031,7 @@
           <p:cNvPr id="2" name="Title 1">
             <a:extLst>
               <a:ext uri="{FF2B5EF4-FFF2-40B4-BE49-F238E27FC236}">
-                <a16:creationId xmlns:a16="http://schemas.microsoft.com/office/drawing/2014/main" id="{92EB90DA-8A9F-41FF-B683-95D119B299B7}"/>
+                <a16:creationId xmlns:a16="http://schemas.microsoft.com/office/drawing/2014/main" id="{A8FD82DE-DF0F-4774-ADB1-E30F6FC67140}"/>
               </a:ext>
             </a:extLst>
           </p:cNvPr>
@@ -11041,34 +11042,24 @@
             <p:ph type="title"/>
           </p:nvPr>
         </p:nvSpPr>
-        <p:spPr>
-          <a:xfrm>
-            <a:off x="575894" y="729658"/>
-            <a:ext cx="3333376" cy="988332"/>
-          </a:xfrm>
-        </p:spPr>
+        <p:spPr/>
         <p:txBody>
-          <a:bodyPr>
-            <a:normAutofit/>
-          </a:bodyPr>
+          <a:bodyPr/>
           <a:lstStyle/>
           <a:p>
             <a:r>
-              <a:rPr lang="en-US" dirty="0">
-                <a:latin typeface="Times New Roman" panose="02020603050405020304" pitchFamily="18" charset="0"/>
-                <a:cs typeface="Times New Roman" panose="02020603050405020304" pitchFamily="18" charset="0"/>
-              </a:rPr>
-              <a:t>Thuật toán giải game sudoku</a:t>
+              <a:rPr lang="en-US" dirty="0"/>
+              <a:t>Các hoạt động</a:t>
             </a:r>
           </a:p>
         </p:txBody>
       </p:sp>
       <p:pic>
         <p:nvPicPr>
-          <p:cNvPr id="11" name="Picture 10">
+          <p:cNvPr id="4" name="Picture 3">
             <a:extLst>
               <a:ext uri="{FF2B5EF4-FFF2-40B4-BE49-F238E27FC236}">
-                <a16:creationId xmlns:a16="http://schemas.microsoft.com/office/drawing/2014/main" id="{2ACFADCA-6F56-4B51-83B6-82D431CF4823}"/>
+                <a16:creationId xmlns:a16="http://schemas.microsoft.com/office/drawing/2014/main" id="{E8B559BE-1CF8-404A-BF5D-D9E4D71C6ABE}"/>
               </a:ext>
             </a:extLst>
           </p:cNvPr>
@@ -11085,8 +11076,68 @@
         </p:blipFill>
         <p:spPr>
           <a:xfrm>
-            <a:off x="2095774" y="1946246"/>
-            <a:ext cx="7887125" cy="4731390"/>
+            <a:off x="436183" y="1881012"/>
+            <a:ext cx="3440116" cy="2707766"/>
+          </a:xfrm>
+          <a:prstGeom prst="rect">
+            <a:avLst/>
+          </a:prstGeom>
+        </p:spPr>
+      </p:pic>
+      <p:pic>
+        <p:nvPicPr>
+          <p:cNvPr id="5" name="Picture 4">
+            <a:extLst>
+              <a:ext uri="{FF2B5EF4-FFF2-40B4-BE49-F238E27FC236}">
+                <a16:creationId xmlns:a16="http://schemas.microsoft.com/office/drawing/2014/main" id="{327E2BCD-9DD3-4F09-868E-7D9ADAA2EDC7}"/>
+              </a:ext>
+            </a:extLst>
+          </p:cNvPr>
+          <p:cNvPicPr>
+            <a:picLocks noChangeAspect="1"/>
+          </p:cNvPicPr>
+          <p:nvPr/>
+        </p:nvPicPr>
+        <p:blipFill>
+          <a:blip r:embed="rId3"/>
+          <a:stretch>
+            <a:fillRect/>
+          </a:stretch>
+        </p:blipFill>
+        <p:spPr>
+          <a:xfrm>
+            <a:off x="327441" y="1881012"/>
+            <a:ext cx="3657600" cy="4657725"/>
+          </a:xfrm>
+          <a:prstGeom prst="rect">
+            <a:avLst/>
+          </a:prstGeom>
+        </p:spPr>
+      </p:pic>
+      <p:pic>
+        <p:nvPicPr>
+          <p:cNvPr id="6" name="Picture 5">
+            <a:extLst>
+              <a:ext uri="{FF2B5EF4-FFF2-40B4-BE49-F238E27FC236}">
+                <a16:creationId xmlns:a16="http://schemas.microsoft.com/office/drawing/2014/main" id="{FA4CEDFA-59B5-4601-AE11-659ACCFA1ABA}"/>
+              </a:ext>
+            </a:extLst>
+          </p:cNvPr>
+          <p:cNvPicPr>
+            <a:picLocks noChangeAspect="1"/>
+          </p:cNvPicPr>
+          <p:nvPr/>
+        </p:nvPicPr>
+        <p:blipFill>
+          <a:blip r:embed="rId4"/>
+          <a:stretch>
+            <a:fillRect/>
+          </a:stretch>
+        </p:blipFill>
+        <p:spPr>
+          <a:xfrm>
+            <a:off x="4509395" y="1881012"/>
+            <a:ext cx="6388348" cy="4657725"/>
           </a:xfrm>
           <a:prstGeom prst="rect">
             <a:avLst/>
@@ -11096,29 +11147,271 @@
     </p:spTree>
     <p:extLst>
       <p:ext uri="{BB962C8B-B14F-4D97-AF65-F5344CB8AC3E}">
-        <p14:creationId xmlns:p14="http://schemas.microsoft.com/office/powerpoint/2010/main" val="3108214073"/>
+        <p14:creationId xmlns:p14="http://schemas.microsoft.com/office/powerpoint/2010/main" val="3657104235"/>
       </p:ext>
     </p:extLst>
   </p:cSld>
   <p:clrMapOvr>
     <a:masterClrMapping/>
   </p:clrMapOvr>
-  <mc:AlternateContent xmlns:mc="http://schemas.openxmlformats.org/markup-compatibility/2006" xmlns:p15="http://schemas.microsoft.com/office/powerpoint/2012/main">
-    <mc:Choice Requires="p15">
-      <p:transition xmlns:p14="http://schemas.microsoft.com/office/powerpoint/2010/main" spd="slow" p14:dur="2000">
-        <p15:prstTrans prst="wind"/>
-      </p:transition>
-    </mc:Choice>
-    <mc:Fallback xmlns="">
-      <p:transition spd="slow">
-        <p:fade/>
-      </p:transition>
-    </mc:Fallback>
-  </mc:AlternateContent>
+  <p:timing>
+    <p:tnLst>
+      <p:par>
+        <p:cTn id="1" dur="indefinite" restart="never" nodeType="tmRoot">
+          <p:childTnLst>
+            <p:seq concurrent="1" nextAc="seek">
+              <p:cTn id="2" dur="indefinite" nodeType="mainSeq">
+                <p:childTnLst>
+                  <p:par>
+                    <p:cTn id="3" fill="hold">
+                      <p:stCondLst>
+                        <p:cond delay="indefinite"/>
+                      </p:stCondLst>
+                      <p:childTnLst>
+                        <p:par>
+                          <p:cTn id="4" fill="hold">
+                            <p:stCondLst>
+                              <p:cond delay="0"/>
+                            </p:stCondLst>
+                            <p:childTnLst>
+                              <p:par>
+                                <p:cTn id="5" presetID="22" presetClass="entr" presetSubtype="4" fill="hold" nodeType="clickEffect">
+                                  <p:stCondLst>
+                                    <p:cond delay="0"/>
+                                  </p:stCondLst>
+                                  <p:childTnLst>
+                                    <p:set>
+                                      <p:cBhvr>
+                                        <p:cTn id="6" dur="1" fill="hold">
+                                          <p:stCondLst>
+                                            <p:cond delay="0"/>
+                                          </p:stCondLst>
+                                        </p:cTn>
+                                        <p:tgtEl>
+                                          <p:spTgt spid="4"/>
+                                        </p:tgtEl>
+                                        <p:attrNameLst>
+                                          <p:attrName>style.visibility</p:attrName>
+                                        </p:attrNameLst>
+                                      </p:cBhvr>
+                                      <p:to>
+                                        <p:strVal val="visible"/>
+                                      </p:to>
+                                    </p:set>
+                                    <p:animEffect transition="in" filter="wipe(down)">
+                                      <p:cBhvr>
+                                        <p:cTn id="7" dur="500"/>
+                                        <p:tgtEl>
+                                          <p:spTgt spid="4"/>
+                                        </p:tgtEl>
+                                      </p:cBhvr>
+                                    </p:animEffect>
+                                  </p:childTnLst>
+                                </p:cTn>
+                              </p:par>
+                            </p:childTnLst>
+                          </p:cTn>
+                        </p:par>
+                      </p:childTnLst>
+                    </p:cTn>
+                  </p:par>
+                  <p:par>
+                    <p:cTn id="8" fill="hold">
+                      <p:stCondLst>
+                        <p:cond delay="indefinite"/>
+                      </p:stCondLst>
+                      <p:childTnLst>
+                        <p:par>
+                          <p:cTn id="9" fill="hold">
+                            <p:stCondLst>
+                              <p:cond delay="0"/>
+                            </p:stCondLst>
+                            <p:childTnLst>
+                              <p:par>
+                                <p:cTn id="10" presetID="16" presetClass="entr" presetSubtype="21" fill="hold" nodeType="clickEffect">
+                                  <p:stCondLst>
+                                    <p:cond delay="0"/>
+                                  </p:stCondLst>
+                                  <p:childTnLst>
+                                    <p:set>
+                                      <p:cBhvr>
+                                        <p:cTn id="11" dur="1" fill="hold">
+                                          <p:stCondLst>
+                                            <p:cond delay="0"/>
+                                          </p:stCondLst>
+                                        </p:cTn>
+                                        <p:tgtEl>
+                                          <p:spTgt spid="5"/>
+                                        </p:tgtEl>
+                                        <p:attrNameLst>
+                                          <p:attrName>style.visibility</p:attrName>
+                                        </p:attrNameLst>
+                                      </p:cBhvr>
+                                      <p:to>
+                                        <p:strVal val="visible"/>
+                                      </p:to>
+                                    </p:set>
+                                    <p:animEffect transition="in" filter="barn(inVertical)">
+                                      <p:cBhvr>
+                                        <p:cTn id="12" dur="500"/>
+                                        <p:tgtEl>
+                                          <p:spTgt spid="5"/>
+                                        </p:tgtEl>
+                                      </p:cBhvr>
+                                    </p:animEffect>
+                                  </p:childTnLst>
+                                </p:cTn>
+                              </p:par>
+                            </p:childTnLst>
+                          </p:cTn>
+                        </p:par>
+                      </p:childTnLst>
+                    </p:cTn>
+                  </p:par>
+                </p:childTnLst>
+              </p:cTn>
+              <p:prevCondLst>
+                <p:cond evt="onPrev" delay="0">
+                  <p:tgtEl>
+                    <p:sldTgt/>
+                  </p:tgtEl>
+                </p:cond>
+              </p:prevCondLst>
+              <p:nextCondLst>
+                <p:cond evt="onNext" delay="0">
+                  <p:tgtEl>
+                    <p:sldTgt/>
+                  </p:tgtEl>
+                </p:cond>
+              </p:nextCondLst>
+            </p:seq>
+          </p:childTnLst>
+        </p:cTn>
+      </p:par>
+    </p:tnLst>
+  </p:timing>
 </p:sld>
 </file>
 
 <file path=ppt/slides/slide11.xml><?xml version="1.0" encoding="utf-8"?>
+<p:sld xmlns:a="http://schemas.openxmlformats.org/drawingml/2006/main" xmlns:r="http://schemas.openxmlformats.org/officeDocument/2006/relationships" xmlns:p="http://schemas.openxmlformats.org/presentationml/2006/main">
+  <p:cSld>
+    <p:spTree>
+      <p:nvGrpSpPr>
+        <p:cNvPr id="1" name=""/>
+        <p:cNvGrpSpPr/>
+        <p:nvPr/>
+      </p:nvGrpSpPr>
+      <p:grpSpPr>
+        <a:xfrm>
+          <a:off x="0" y="0"/>
+          <a:ext cx="0" cy="0"/>
+          <a:chOff x="0" y="0"/>
+          <a:chExt cx="0" cy="0"/>
+        </a:xfrm>
+      </p:grpSpPr>
+      <p:sp>
+        <p:nvSpPr>
+          <p:cNvPr id="2" name="Title 1">
+            <a:extLst>
+              <a:ext uri="{FF2B5EF4-FFF2-40B4-BE49-F238E27FC236}">
+                <a16:creationId xmlns:a16="http://schemas.microsoft.com/office/drawing/2014/main" id="{BB691AAF-FCE5-4554-8A01-735067ADBE56}"/>
+              </a:ext>
+            </a:extLst>
+          </p:cNvPr>
+          <p:cNvSpPr>
+            <a:spLocks noGrp="1"/>
+          </p:cNvSpPr>
+          <p:nvPr>
+            <p:ph type="title"/>
+          </p:nvPr>
+        </p:nvSpPr>
+        <p:spPr/>
+        <p:txBody>
+          <a:bodyPr/>
+          <a:lstStyle/>
+          <a:p>
+            <a:r>
+              <a:rPr lang="en-US" dirty="0"/>
+              <a:t>Cách Hoạt động</a:t>
+            </a:r>
+          </a:p>
+        </p:txBody>
+      </p:sp>
+      <p:pic>
+        <p:nvPicPr>
+          <p:cNvPr id="4" name="Picture 3">
+            <a:extLst>
+              <a:ext uri="{FF2B5EF4-FFF2-40B4-BE49-F238E27FC236}">
+                <a16:creationId xmlns:a16="http://schemas.microsoft.com/office/drawing/2014/main" id="{1B39F9DF-9627-4444-9B84-2E0DB975163C}"/>
+              </a:ext>
+            </a:extLst>
+          </p:cNvPr>
+          <p:cNvPicPr>
+            <a:picLocks noChangeAspect="1"/>
+          </p:cNvPicPr>
+          <p:nvPr/>
+        </p:nvPicPr>
+        <p:blipFill>
+          <a:blip r:embed="rId2"/>
+          <a:stretch>
+            <a:fillRect/>
+          </a:stretch>
+        </p:blipFill>
+        <p:spPr>
+          <a:xfrm>
+            <a:off x="419974" y="1819275"/>
+            <a:ext cx="4305300" cy="5038725"/>
+          </a:xfrm>
+          <a:prstGeom prst="rect">
+            <a:avLst/>
+          </a:prstGeom>
+        </p:spPr>
+      </p:pic>
+      <p:pic>
+        <p:nvPicPr>
+          <p:cNvPr id="5" name="Picture 4">
+            <a:extLst>
+              <a:ext uri="{FF2B5EF4-FFF2-40B4-BE49-F238E27FC236}">
+                <a16:creationId xmlns:a16="http://schemas.microsoft.com/office/drawing/2014/main" id="{36333E51-6803-42CD-8D09-B5684C5117A5}"/>
+              </a:ext>
+            </a:extLst>
+          </p:cNvPr>
+          <p:cNvPicPr>
+            <a:picLocks noChangeAspect="1"/>
+          </p:cNvPicPr>
+          <p:nvPr/>
+        </p:nvPicPr>
+        <p:blipFill>
+          <a:blip r:embed="rId3"/>
+          <a:stretch>
+            <a:fillRect/>
+          </a:stretch>
+        </p:blipFill>
+        <p:spPr>
+          <a:xfrm>
+            <a:off x="6096000" y="1819274"/>
+            <a:ext cx="5187846" cy="5038726"/>
+          </a:xfrm>
+          <a:prstGeom prst="rect">
+            <a:avLst/>
+          </a:prstGeom>
+        </p:spPr>
+      </p:pic>
+    </p:spTree>
+    <p:extLst>
+      <p:ext uri="{BB962C8B-B14F-4D97-AF65-F5344CB8AC3E}">
+        <p14:creationId xmlns:p14="http://schemas.microsoft.com/office/powerpoint/2010/main" val="3205581203"/>
+      </p:ext>
+    </p:extLst>
+  </p:cSld>
+  <p:clrMapOvr>
+    <a:masterClrMapping/>
+  </p:clrMapOvr>
+</p:sld>
+</file>
+
+<file path=ppt/slides/slide12.xml><?xml version="1.0" encoding="utf-8"?>
 <p:sld xmlns:a="http://schemas.openxmlformats.org/drawingml/2006/main" xmlns:r="http://schemas.openxmlformats.org/officeDocument/2006/relationships" xmlns:p="http://schemas.openxmlformats.org/presentationml/2006/main">
   <p:cSld>
     <p:spTree>
@@ -11383,7 +11676,7 @@
 </p:sld>
 </file>
 
-<file path=ppt/slides/slide12.xml><?xml version="1.0" encoding="utf-8"?>
+<file path=ppt/slides/slide13.xml><?xml version="1.0" encoding="utf-8"?>
 <p:sld xmlns:a="http://schemas.openxmlformats.org/drawingml/2006/main" xmlns:r="http://schemas.openxmlformats.org/officeDocument/2006/relationships" xmlns:p="http://schemas.openxmlformats.org/presentationml/2006/main">
   <p:cSld>
     <p:spTree>
@@ -12464,7 +12757,7 @@
 </p:sld>
 </file>
 
-<file path=ppt/slides/slide13.xml><?xml version="1.0" encoding="utf-8"?>
+<file path=ppt/slides/slide14.xml><?xml version="1.0" encoding="utf-8"?>
 <p:sld xmlns:a="http://schemas.openxmlformats.org/drawingml/2006/main" xmlns:r="http://schemas.openxmlformats.org/officeDocument/2006/relationships" xmlns:p="http://schemas.openxmlformats.org/presentationml/2006/main">
   <p:cSld>
     <p:spTree>
@@ -13052,7 +13345,7 @@
 </p:sld>
 </file>
 
-<file path=ppt/slides/slide14.xml><?xml version="1.0" encoding="utf-8"?>
+<file path=ppt/slides/slide15.xml><?xml version="1.0" encoding="utf-8"?>
 <p:sld xmlns:a="http://schemas.openxmlformats.org/drawingml/2006/main" xmlns:r="http://schemas.openxmlformats.org/officeDocument/2006/relationships" xmlns:p="http://schemas.openxmlformats.org/presentationml/2006/main">
   <p:cSld>
     <p:bg>
@@ -13764,7 +14057,7 @@
             <p:ph idx="1"/>
             <p:extLst>
               <p:ext uri="{D42A27DB-BD31-4B8C-83A1-F6EECF244321}">
-                <p14:modId xmlns:p14="http://schemas.microsoft.com/office/powerpoint/2010/main" val="1095703973"/>
+                <p14:modId xmlns:p14="http://schemas.microsoft.com/office/powerpoint/2010/main" val="3910683037"/>
               </p:ext>
             </p:extLst>
           </p:nvPr>
@@ -14034,7 +14327,7 @@
                 <a:latin typeface="Times New Roman" panose="02020603050405020304" pitchFamily="18" charset="0"/>
                 <a:cs typeface="Times New Roman" panose="02020603050405020304" pitchFamily="18" charset="0"/>
               </a:rPr>
-              <a:t>GIỚI THIỆU ĐỒ ÁN</a:t>
+              <a:t>GIỚI THIỆU</a:t>
             </a:r>
           </a:p>
         </p:txBody>
@@ -17677,6 +17970,116 @@
           <p:cNvPr id="2" name="Title 1">
             <a:extLst>
               <a:ext uri="{FF2B5EF4-FFF2-40B4-BE49-F238E27FC236}">
+                <a16:creationId xmlns:a16="http://schemas.microsoft.com/office/drawing/2014/main" id="{92EB90DA-8A9F-41FF-B683-95D119B299B7}"/>
+              </a:ext>
+            </a:extLst>
+          </p:cNvPr>
+          <p:cNvSpPr>
+            <a:spLocks noGrp="1"/>
+          </p:cNvSpPr>
+          <p:nvPr>
+            <p:ph type="title"/>
+          </p:nvPr>
+        </p:nvSpPr>
+        <p:spPr>
+          <a:xfrm>
+            <a:off x="575894" y="729658"/>
+            <a:ext cx="3333376" cy="988332"/>
+          </a:xfrm>
+        </p:spPr>
+        <p:txBody>
+          <a:bodyPr>
+            <a:normAutofit/>
+          </a:bodyPr>
+          <a:lstStyle/>
+          <a:p>
+            <a:r>
+              <a:rPr lang="en-US" dirty="0">
+                <a:latin typeface="Times New Roman" panose="02020603050405020304" pitchFamily="18" charset="0"/>
+                <a:cs typeface="Times New Roman" panose="02020603050405020304" pitchFamily="18" charset="0"/>
+              </a:rPr>
+              <a:t>Thuật toán giải game sudoku</a:t>
+            </a:r>
+          </a:p>
+        </p:txBody>
+      </p:sp>
+      <p:pic>
+        <p:nvPicPr>
+          <p:cNvPr id="11" name="Picture 10">
+            <a:extLst>
+              <a:ext uri="{FF2B5EF4-FFF2-40B4-BE49-F238E27FC236}">
+                <a16:creationId xmlns:a16="http://schemas.microsoft.com/office/drawing/2014/main" id="{2ACFADCA-6F56-4B51-83B6-82D431CF4823}"/>
+              </a:ext>
+            </a:extLst>
+          </p:cNvPr>
+          <p:cNvPicPr>
+            <a:picLocks noChangeAspect="1"/>
+          </p:cNvPicPr>
+          <p:nvPr/>
+        </p:nvPicPr>
+        <p:blipFill>
+          <a:blip r:embed="rId2"/>
+          <a:stretch>
+            <a:fillRect/>
+          </a:stretch>
+        </p:blipFill>
+        <p:spPr>
+          <a:xfrm>
+            <a:off x="2095775" y="1946246"/>
+            <a:ext cx="7794846" cy="4676033"/>
+          </a:xfrm>
+          <a:prstGeom prst="rect">
+            <a:avLst/>
+          </a:prstGeom>
+        </p:spPr>
+      </p:pic>
+    </p:spTree>
+    <p:extLst>
+      <p:ext uri="{BB962C8B-B14F-4D97-AF65-F5344CB8AC3E}">
+        <p14:creationId xmlns:p14="http://schemas.microsoft.com/office/powerpoint/2010/main" val="3108214073"/>
+      </p:ext>
+    </p:extLst>
+  </p:cSld>
+  <p:clrMapOvr>
+    <a:masterClrMapping/>
+  </p:clrMapOvr>
+  <mc:AlternateContent xmlns:mc="http://schemas.openxmlformats.org/markup-compatibility/2006" xmlns:p15="http://schemas.microsoft.com/office/powerpoint/2012/main">
+    <mc:Choice Requires="p15">
+      <p:transition xmlns:p14="http://schemas.microsoft.com/office/powerpoint/2010/main" spd="slow" p14:dur="2000">
+        <p15:prstTrans prst="wind"/>
+      </p:transition>
+    </mc:Choice>
+    <mc:Fallback xmlns="">
+      <p:transition spd="slow">
+        <p:fade/>
+      </p:transition>
+    </mc:Fallback>
+  </mc:AlternateContent>
+</p:sld>
+</file>
+
+<file path=ppt/slides/slide9.xml><?xml version="1.0" encoding="utf-8"?>
+<p:sld xmlns:a="http://schemas.openxmlformats.org/drawingml/2006/main" xmlns:r="http://schemas.openxmlformats.org/officeDocument/2006/relationships" xmlns:p="http://schemas.openxmlformats.org/presentationml/2006/main">
+  <p:cSld>
+    <p:spTree>
+      <p:nvGrpSpPr>
+        <p:cNvPr id="1" name=""/>
+        <p:cNvGrpSpPr/>
+        <p:nvPr/>
+      </p:nvGrpSpPr>
+      <p:grpSpPr>
+        <a:xfrm>
+          <a:off x="0" y="0"/>
+          <a:ext cx="0" cy="0"/>
+          <a:chOff x="0" y="0"/>
+          <a:chExt cx="0" cy="0"/>
+        </a:xfrm>
+      </p:grpSpPr>
+      <p:sp>
+        <p:nvSpPr>
+          <p:cNvPr id="2" name="Title 1">
+            <a:extLst>
+              <a:ext uri="{FF2B5EF4-FFF2-40B4-BE49-F238E27FC236}">
                 <a16:creationId xmlns:a16="http://schemas.microsoft.com/office/drawing/2014/main" id="{82E2AB45-77E4-4A20-BC17-56C5C07CEB15}"/>
               </a:ext>
             </a:extLst>
@@ -17702,10 +18105,10 @@
       </p:sp>
       <p:pic>
         <p:nvPicPr>
-          <p:cNvPr id="15" name="Picture 14">
+          <p:cNvPr id="3" name="Picture 2">
             <a:extLst>
               <a:ext uri="{FF2B5EF4-FFF2-40B4-BE49-F238E27FC236}">
-                <a16:creationId xmlns:a16="http://schemas.microsoft.com/office/drawing/2014/main" id="{45DC7649-6EA7-4CBA-919E-A7B3665B8A04}"/>
+                <a16:creationId xmlns:a16="http://schemas.microsoft.com/office/drawing/2014/main" id="{D268D943-6EC2-4AFB-B81C-CD8C8BC8B2CE}"/>
               </a:ext>
             </a:extLst>
           </p:cNvPr>
@@ -17722,185 +18125,8 @@
         </p:blipFill>
         <p:spPr>
           <a:xfrm>
-            <a:off x="1268582" y="1997162"/>
-            <a:ext cx="9654835" cy="4158682"/>
-          </a:xfrm>
-          <a:prstGeom prst="rect">
-            <a:avLst/>
-          </a:prstGeom>
-        </p:spPr>
-      </p:pic>
-    </p:spTree>
-    <p:extLst>
-      <p:ext uri="{BB962C8B-B14F-4D97-AF65-F5344CB8AC3E}">
-        <p14:creationId xmlns:p14="http://schemas.microsoft.com/office/powerpoint/2010/main" val="232349891"/>
-      </p:ext>
-    </p:extLst>
-  </p:cSld>
-  <p:clrMapOvr>
-    <a:masterClrMapping/>
-  </p:clrMapOvr>
-  <p:timing>
-    <p:tnLst>
-      <p:par>
-        <p:cTn id="1" dur="indefinite" restart="never" nodeType="tmRoot">
-          <p:childTnLst>
-            <p:seq concurrent="1" nextAc="seek">
-              <p:cTn id="2" dur="indefinite" nodeType="mainSeq">
-                <p:childTnLst>
-                  <p:par>
-                    <p:cTn id="3" fill="hold">
-                      <p:stCondLst>
-                        <p:cond delay="indefinite"/>
-                      </p:stCondLst>
-                      <p:childTnLst>
-                        <p:par>
-                          <p:cTn id="4" fill="hold">
-                            <p:stCondLst>
-                              <p:cond delay="0"/>
-                            </p:stCondLst>
-                            <p:childTnLst>
-                              <p:par>
-                                <p:cTn id="5" presetID="16" presetClass="entr" presetSubtype="21" fill="hold" nodeType="clickEffect">
-                                  <p:stCondLst>
-                                    <p:cond delay="0"/>
-                                  </p:stCondLst>
-                                  <p:childTnLst>
-                                    <p:set>
-                                      <p:cBhvr>
-                                        <p:cTn id="6" dur="1" fill="hold">
-                                          <p:stCondLst>
-                                            <p:cond delay="0"/>
-                                          </p:stCondLst>
-                                        </p:cTn>
-                                        <p:tgtEl>
-                                          <p:spTgt spid="15"/>
-                                        </p:tgtEl>
-                                        <p:attrNameLst>
-                                          <p:attrName>style.visibility</p:attrName>
-                                        </p:attrNameLst>
-                                      </p:cBhvr>
-                                      <p:to>
-                                        <p:strVal val="visible"/>
-                                      </p:to>
-                                    </p:set>
-                                    <p:animEffect transition="in" filter="barn(inVertical)">
-                                      <p:cBhvr>
-                                        <p:cTn id="7" dur="500"/>
-                                        <p:tgtEl>
-                                          <p:spTgt spid="15"/>
-                                        </p:tgtEl>
-                                      </p:cBhvr>
-                                    </p:animEffect>
-                                  </p:childTnLst>
-                                </p:cTn>
-                              </p:par>
-                            </p:childTnLst>
-                          </p:cTn>
-                        </p:par>
-                      </p:childTnLst>
-                    </p:cTn>
-                  </p:par>
-                </p:childTnLst>
-              </p:cTn>
-              <p:prevCondLst>
-                <p:cond evt="onPrev" delay="0">
-                  <p:tgtEl>
-                    <p:sldTgt/>
-                  </p:tgtEl>
-                </p:cond>
-              </p:prevCondLst>
-              <p:nextCondLst>
-                <p:cond evt="onNext" delay="0">
-                  <p:tgtEl>
-                    <p:sldTgt/>
-                  </p:tgtEl>
-                </p:cond>
-              </p:nextCondLst>
-            </p:seq>
-          </p:childTnLst>
-        </p:cTn>
-      </p:par>
-    </p:tnLst>
-  </p:timing>
-</p:sld>
-</file>
-
-<file path=ppt/slides/slide9.xml><?xml version="1.0" encoding="utf-8"?>
-<p:sld xmlns:a="http://schemas.openxmlformats.org/drawingml/2006/main" xmlns:r="http://schemas.openxmlformats.org/officeDocument/2006/relationships" xmlns:p="http://schemas.openxmlformats.org/presentationml/2006/main">
-  <p:cSld>
-    <p:spTree>
-      <p:nvGrpSpPr>
-        <p:cNvPr id="1" name=""/>
-        <p:cNvGrpSpPr/>
-        <p:nvPr/>
-      </p:nvGrpSpPr>
-      <p:grpSpPr>
-        <a:xfrm>
-          <a:off x="0" y="0"/>
-          <a:ext cx="0" cy="0"/>
-          <a:chOff x="0" y="0"/>
-          <a:chExt cx="0" cy="0"/>
-        </a:xfrm>
-      </p:grpSpPr>
-      <p:sp>
-        <p:nvSpPr>
-          <p:cNvPr id="2" name="Title 1">
-            <a:extLst>
-              <a:ext uri="{FF2B5EF4-FFF2-40B4-BE49-F238E27FC236}">
-                <a16:creationId xmlns:a16="http://schemas.microsoft.com/office/drawing/2014/main" id="{C65F4A4E-592B-426D-9F2F-B67180A5CA04}"/>
-              </a:ext>
-            </a:extLst>
-          </p:cNvPr>
-          <p:cNvSpPr>
-            <a:spLocks noGrp="1"/>
-          </p:cNvSpPr>
-          <p:nvPr>
-            <p:ph type="title"/>
-          </p:nvPr>
-        </p:nvSpPr>
-        <p:spPr>
-          <a:xfrm>
-            <a:off x="581192" y="702156"/>
-            <a:ext cx="2413678" cy="1013800"/>
-          </a:xfrm>
-        </p:spPr>
-        <p:txBody>
-          <a:bodyPr/>
-          <a:lstStyle/>
-          <a:p>
-            <a:r>
-              <a:rPr lang="en-US" dirty="0" err="1"/>
-              <a:t>ChessBOard</a:t>
-            </a:r>
-            <a:endParaRPr lang="en-US" dirty="0"/>
-          </a:p>
-        </p:txBody>
-      </p:sp>
-      <p:pic>
-        <p:nvPicPr>
-          <p:cNvPr id="4" name="Picture 3">
-            <a:extLst>
-              <a:ext uri="{FF2B5EF4-FFF2-40B4-BE49-F238E27FC236}">
-                <a16:creationId xmlns:a16="http://schemas.microsoft.com/office/drawing/2014/main" id="{444D9184-D6B0-47BC-8796-4208D1D0BF25}"/>
-              </a:ext>
-            </a:extLst>
-          </p:cNvPr>
-          <p:cNvPicPr>
-            <a:picLocks noChangeAspect="1"/>
-          </p:cNvPicPr>
-          <p:nvPr/>
-        </p:nvPicPr>
-        <p:blipFill>
-          <a:blip r:embed="rId2"/>
-          <a:stretch>
-            <a:fillRect/>
-          </a:stretch>
-        </p:blipFill>
-        <p:spPr>
-          <a:xfrm>
-            <a:off x="444615" y="1837189"/>
-            <a:ext cx="6650867" cy="4801871"/>
+            <a:off x="4292345" y="635044"/>
+            <a:ext cx="3607310" cy="6072810"/>
           </a:xfrm>
           <a:prstGeom prst="rect">
             <a:avLst/>
@@ -17909,10 +18135,10 @@
       </p:pic>
       <p:pic>
         <p:nvPicPr>
-          <p:cNvPr id="5" name="Picture 4">
+          <p:cNvPr id="4" name="Picture 3">
             <a:extLst>
               <a:ext uri="{FF2B5EF4-FFF2-40B4-BE49-F238E27FC236}">
-                <a16:creationId xmlns:a16="http://schemas.microsoft.com/office/drawing/2014/main" id="{E49C6A1C-0312-4A7A-9BBB-CE7CC3D7E51E}"/>
+                <a16:creationId xmlns:a16="http://schemas.microsoft.com/office/drawing/2014/main" id="{45AFF970-6FCA-4025-8267-7CA85F773C8C}"/>
               </a:ext>
             </a:extLst>
           </p:cNvPr>
@@ -17929,8 +18155,68 @@
         </p:blipFill>
         <p:spPr>
           <a:xfrm>
-            <a:off x="7323590" y="2348918"/>
-            <a:ext cx="3312554" cy="2575420"/>
+            <a:off x="1492750" y="1852261"/>
+            <a:ext cx="2445316" cy="1931173"/>
+          </a:xfrm>
+          <a:prstGeom prst="rect">
+            <a:avLst/>
+          </a:prstGeom>
+        </p:spPr>
+      </p:pic>
+      <p:pic>
+        <p:nvPicPr>
+          <p:cNvPr id="5" name="Picture 4">
+            <a:extLst>
+              <a:ext uri="{FF2B5EF4-FFF2-40B4-BE49-F238E27FC236}">
+                <a16:creationId xmlns:a16="http://schemas.microsoft.com/office/drawing/2014/main" id="{7B3C1F41-0887-4A0E-963F-F4872755576A}"/>
+              </a:ext>
+            </a:extLst>
+          </p:cNvPr>
+          <p:cNvPicPr>
+            <a:picLocks noChangeAspect="1"/>
+          </p:cNvPicPr>
+          <p:nvPr/>
+        </p:nvPicPr>
+        <p:blipFill>
+          <a:blip r:embed="rId4"/>
+          <a:stretch>
+            <a:fillRect/>
+          </a:stretch>
+        </p:blipFill>
+        <p:spPr>
+          <a:xfrm>
+            <a:off x="8187741" y="2829983"/>
+            <a:ext cx="3212997" cy="1906901"/>
+          </a:xfrm>
+          <a:prstGeom prst="rect">
+            <a:avLst/>
+          </a:prstGeom>
+        </p:spPr>
+      </p:pic>
+      <p:pic>
+        <p:nvPicPr>
+          <p:cNvPr id="6" name="Picture 5">
+            <a:extLst>
+              <a:ext uri="{FF2B5EF4-FFF2-40B4-BE49-F238E27FC236}">
+                <a16:creationId xmlns:a16="http://schemas.microsoft.com/office/drawing/2014/main" id="{1F9AB56C-2695-419B-A856-8F5255A4B664}"/>
+              </a:ext>
+            </a:extLst>
+          </p:cNvPr>
+          <p:cNvPicPr>
+            <a:picLocks noChangeAspect="1"/>
+          </p:cNvPicPr>
+          <p:nvPr/>
+        </p:nvPicPr>
+        <p:blipFill>
+          <a:blip r:embed="rId5"/>
+          <a:stretch>
+            <a:fillRect/>
+          </a:stretch>
+        </p:blipFill>
+        <p:spPr>
+          <a:xfrm>
+            <a:off x="1512868" y="4300172"/>
+            <a:ext cx="2405080" cy="1931173"/>
           </a:xfrm>
           <a:prstGeom prst="rect">
             <a:avLst/>
@@ -17940,7 +18226,7 @@
     </p:spTree>
     <p:extLst>
       <p:ext uri="{BB962C8B-B14F-4D97-AF65-F5344CB8AC3E}">
-        <p14:creationId xmlns:p14="http://schemas.microsoft.com/office/powerpoint/2010/main" val="2464097867"/>
+        <p14:creationId xmlns:p14="http://schemas.microsoft.com/office/powerpoint/2010/main" val="232349891"/>
       </p:ext>
     </p:extLst>
   </p:cSld>
@@ -18228,6 +18514,15 @@
 </file>
 
 <file path=customXml/item2.xml><?xml version="1.0" encoding="utf-8"?>
+<?mso-contentType ?>
+<FormTemplates xmlns="http://schemas.microsoft.com/sharepoint/v3/contenttype/forms">
+  <Display>DocumentLibraryForm</Display>
+  <Edit>DocumentLibraryForm</Edit>
+  <New>DocumentLibraryForm</New>
+</FormTemplates>
+</file>
+
+<file path=customXml/item3.xml><?xml version="1.0" encoding="utf-8"?>
 <ct:contentTypeSchema xmlns:ct="http://schemas.microsoft.com/office/2006/metadata/contentType" xmlns:ma="http://schemas.microsoft.com/office/2006/metadata/properties/metaAttributes" ct:_="" ma:_="" ma:contentTypeName="Document" ma:contentTypeID="0x01010079F111ED35F8CC479449609E8A0923A6" ma:contentTypeVersion="11" ma:contentTypeDescription="Create a new document." ma:contentTypeScope="" ma:versionID="1c2eb7a32e66fb6e4260f3771546a5e2">
   <xsd:schema xmlns:xsd="http://www.w3.org/2001/XMLSchema" xmlns:xs="http://www.w3.org/2001/XMLSchema" xmlns:p="http://schemas.microsoft.com/office/2006/metadata/properties" xmlns:ns2="71af3243-3dd4-4a8d-8c0d-dd76da1f02a5" xmlns:ns3="16c05727-aa75-4e4a-9b5f-8a80a1165891" targetNamespace="http://schemas.microsoft.com/office/2006/metadata/properties" ma:root="true" ma:fieldsID="04e1f6479c48b08974ba73b5ca973489" ns2:_="" ns3:_="">
     <xsd:import namespace="71af3243-3dd4-4a8d-8c0d-dd76da1f02a5"/>
@@ -18438,15 +18733,6 @@
 </ct:contentTypeSchema>
 </file>
 
-<file path=customXml/item3.xml><?xml version="1.0" encoding="utf-8"?>
-<?mso-contentType ?>
-<FormTemplates xmlns="http://schemas.microsoft.com/sharepoint/v3/contenttype/forms">
-  <Display>DocumentLibraryForm</Display>
-  <Edit>DocumentLibraryForm</Edit>
-  <New>DocumentLibraryForm</New>
-</FormTemplates>
-</file>
-
 <file path=customXml/itemProps1.xml><?xml version="1.0" encoding="utf-8"?>
 <ds:datastoreItem xmlns:ds="http://schemas.openxmlformats.org/officeDocument/2006/customXml" ds:itemID="{1EBC12AA-1C15-4500-BC9C-8EE83A441DE9}">
   <ds:schemaRefs>
@@ -18465,6 +18751,14 @@
 </file>
 
 <file path=customXml/itemProps2.xml><?xml version="1.0" encoding="utf-8"?>
+<ds:datastoreItem xmlns:ds="http://schemas.openxmlformats.org/officeDocument/2006/customXml" ds:itemID="{BA0CF3B2-1F0F-4FC5-8002-3E4869ABAD55}">
+  <ds:schemaRefs>
+    <ds:schemaRef ds:uri="http://schemas.microsoft.com/sharepoint/v3/contenttype/forms"/>
+  </ds:schemaRefs>
+</ds:datastoreItem>
+</file>
+
+<file path=customXml/itemProps3.xml><?xml version="1.0" encoding="utf-8"?>
 <ds:datastoreItem xmlns:ds="http://schemas.openxmlformats.org/officeDocument/2006/customXml" ds:itemID="{1F69AFF4-BB30-4BA0-AD22-82CC3C43276B}">
   <ds:schemaRefs>
     <ds:schemaRef ds:uri="http://schemas.microsoft.com/office/2006/metadata/contentType"/>
@@ -18481,12 +18775,4 @@
     <ds:schemaRef ds:uri="http://schemas.microsoft.com/internal/obd"/>
   </ds:schemaRefs>
 </ds:datastoreItem>
-</file>
-
-<file path=customXml/itemProps3.xml><?xml version="1.0" encoding="utf-8"?>
-<ds:datastoreItem xmlns:ds="http://schemas.openxmlformats.org/officeDocument/2006/customXml" ds:itemID="{BA0CF3B2-1F0F-4FC5-8002-3E4869ABAD55}">
-  <ds:schemaRefs>
-    <ds:schemaRef ds:uri="http://schemas.microsoft.com/sharepoint/v3/contenttype/forms"/>
-  </ds:schemaRefs>
-</ds:datastoreItem>
 </file>
--- a/Document/ThuyetTrinh.pptx
+++ b/Document/ThuyetTrinh.pptx
@@ -7183,7 +7183,7 @@
             <a:fld id="{B61BEF0D-F0BB-DE4B-95CE-6DB70DBA9567}" type="datetimeFigureOut">
               <a:rPr lang="en-US" smtClean="0"/>
               <a:pPr/>
-              <a:t>11/30/2019</a:t>
+              <a:t>12/1/2019</a:t>
             </a:fld>
             <a:endParaRPr lang="en-US" dirty="0"/>
           </a:p>
@@ -7447,7 +7447,7 @@
             <a:fld id="{B61BEF0D-F0BB-DE4B-95CE-6DB70DBA9567}" type="datetimeFigureOut">
               <a:rPr lang="en-US" smtClean="0"/>
               <a:pPr/>
-              <a:t>11/30/2019</a:t>
+              <a:t>12/1/2019</a:t>
             </a:fld>
             <a:endParaRPr lang="en-US" dirty="0"/>
           </a:p>
@@ -7684,7 +7684,7 @@
             <a:fld id="{B61BEF0D-F0BB-DE4B-95CE-6DB70DBA9567}" type="datetimeFigureOut">
               <a:rPr lang="en-US" smtClean="0"/>
               <a:pPr/>
-              <a:t>11/30/2019</a:t>
+              <a:t>12/1/2019</a:t>
             </a:fld>
             <a:endParaRPr lang="en-US" dirty="0"/>
           </a:p>
@@ -7926,7 +7926,7 @@
             <a:fld id="{B61BEF0D-F0BB-DE4B-95CE-6DB70DBA9567}" type="datetimeFigureOut">
               <a:rPr lang="en-US" smtClean="0"/>
               <a:pPr/>
-              <a:t>11/30/2019</a:t>
+              <a:t>12/1/2019</a:t>
             </a:fld>
             <a:endParaRPr lang="en-US" dirty="0"/>
           </a:p>
@@ -8235,7 +8235,7 @@
             <a:fld id="{B61BEF0D-F0BB-DE4B-95CE-6DB70DBA9567}" type="datetimeFigureOut">
               <a:rPr lang="en-US" smtClean="0"/>
               <a:pPr/>
-              <a:t>11/30/2019</a:t>
+              <a:t>12/1/2019</a:t>
             </a:fld>
             <a:endParaRPr lang="en-US" dirty="0"/>
           </a:p>
@@ -8539,7 +8539,7 @@
             <a:fld id="{B61BEF0D-F0BB-DE4B-95CE-6DB70DBA9567}" type="datetimeFigureOut">
               <a:rPr lang="en-US" smtClean="0"/>
               <a:pPr/>
-              <a:t>11/30/2019</a:t>
+              <a:t>12/1/2019</a:t>
             </a:fld>
             <a:endParaRPr lang="en-US" dirty="0"/>
           </a:p>
@@ -8963,7 +8963,7 @@
             <a:fld id="{B61BEF0D-F0BB-DE4B-95CE-6DB70DBA9567}" type="datetimeFigureOut">
               <a:rPr lang="en-US" smtClean="0"/>
               <a:pPr/>
-              <a:t>11/30/2019</a:t>
+              <a:t>12/1/2019</a:t>
             </a:fld>
             <a:endParaRPr lang="en-US" dirty="0"/>
           </a:p>
@@ -9060,7 +9060,7 @@
             <a:fld id="{B61BEF0D-F0BB-DE4B-95CE-6DB70DBA9567}" type="datetimeFigureOut">
               <a:rPr lang="en-US" smtClean="0"/>
               <a:pPr/>
-              <a:t>11/30/2019</a:t>
+              <a:t>12/1/2019</a:t>
             </a:fld>
             <a:endParaRPr lang="en-US" dirty="0"/>
           </a:p>
@@ -9224,7 +9224,7 @@
             <a:fld id="{B61BEF0D-F0BB-DE4B-95CE-6DB70DBA9567}" type="datetimeFigureOut">
               <a:rPr lang="en-US" smtClean="0"/>
               <a:pPr/>
-              <a:t>11/30/2019</a:t>
+              <a:t>12/1/2019</a:t>
             </a:fld>
             <a:endParaRPr lang="en-US" dirty="0"/>
           </a:p>
@@ -9604,7 +9604,7 @@
             <a:fld id="{B61BEF0D-F0BB-DE4B-95CE-6DB70DBA9567}" type="datetimeFigureOut">
               <a:rPr lang="en-US" smtClean="0"/>
               <a:pPr/>
-              <a:t>11/30/2019</a:t>
+              <a:t>12/1/2019</a:t>
             </a:fld>
             <a:endParaRPr lang="en-US" dirty="0"/>
           </a:p>
@@ -9895,7 +9895,7 @@
             <a:fld id="{B61BEF0D-F0BB-DE4B-95CE-6DB70DBA9567}" type="datetimeFigureOut">
               <a:rPr lang="en-US" smtClean="0"/>
               <a:pPr/>
-              <a:t>11/30/2019</a:t>
+              <a:t>12/1/2019</a:t>
             </a:fld>
             <a:endParaRPr lang="en-US" dirty="0"/>
           </a:p>
@@ -10108,7 +10108,7 @@
             <a:fld id="{B61BEF0D-F0BB-DE4B-95CE-6DB70DBA9567}" type="datetimeFigureOut">
               <a:rPr lang="en-US" smtClean="0"/>
               <a:pPr/>
-              <a:t>11/30/2019</a:t>
+              <a:t>12/1/2019</a:t>
             </a:fld>
             <a:endParaRPr lang="en-US" dirty="0"/>
           </a:p>
@@ -18514,15 +18514,6 @@
 </file>
 
 <file path=customXml/item2.xml><?xml version="1.0" encoding="utf-8"?>
-<?mso-contentType ?>
-<FormTemplates xmlns="http://schemas.microsoft.com/sharepoint/v3/contenttype/forms">
-  <Display>DocumentLibraryForm</Display>
-  <Edit>DocumentLibraryForm</Edit>
-  <New>DocumentLibraryForm</New>
-</FormTemplates>
-</file>
-
-<file path=customXml/item3.xml><?xml version="1.0" encoding="utf-8"?>
 <ct:contentTypeSchema xmlns:ct="http://schemas.microsoft.com/office/2006/metadata/contentType" xmlns:ma="http://schemas.microsoft.com/office/2006/metadata/properties/metaAttributes" ct:_="" ma:_="" ma:contentTypeName="Document" ma:contentTypeID="0x01010079F111ED35F8CC479449609E8A0923A6" ma:contentTypeVersion="11" ma:contentTypeDescription="Create a new document." ma:contentTypeScope="" ma:versionID="1c2eb7a32e66fb6e4260f3771546a5e2">
   <xsd:schema xmlns:xsd="http://www.w3.org/2001/XMLSchema" xmlns:xs="http://www.w3.org/2001/XMLSchema" xmlns:p="http://schemas.microsoft.com/office/2006/metadata/properties" xmlns:ns2="71af3243-3dd4-4a8d-8c0d-dd76da1f02a5" xmlns:ns3="16c05727-aa75-4e4a-9b5f-8a80a1165891" targetNamespace="http://schemas.microsoft.com/office/2006/metadata/properties" ma:root="true" ma:fieldsID="04e1f6479c48b08974ba73b5ca973489" ns2:_="" ns3:_="">
     <xsd:import namespace="71af3243-3dd4-4a8d-8c0d-dd76da1f02a5"/>
@@ -18733,6 +18724,15 @@
 </ct:contentTypeSchema>
 </file>
 
+<file path=customXml/item3.xml><?xml version="1.0" encoding="utf-8"?>
+<?mso-contentType ?>
+<FormTemplates xmlns="http://schemas.microsoft.com/sharepoint/v3/contenttype/forms">
+  <Display>DocumentLibraryForm</Display>
+  <Edit>DocumentLibraryForm</Edit>
+  <New>DocumentLibraryForm</New>
+</FormTemplates>
+</file>
+
 <file path=customXml/itemProps1.xml><?xml version="1.0" encoding="utf-8"?>
 <ds:datastoreItem xmlns:ds="http://schemas.openxmlformats.org/officeDocument/2006/customXml" ds:itemID="{1EBC12AA-1C15-4500-BC9C-8EE83A441DE9}">
   <ds:schemaRefs>
@@ -18751,14 +18751,6 @@
 </file>
 
 <file path=customXml/itemProps2.xml><?xml version="1.0" encoding="utf-8"?>
-<ds:datastoreItem xmlns:ds="http://schemas.openxmlformats.org/officeDocument/2006/customXml" ds:itemID="{BA0CF3B2-1F0F-4FC5-8002-3E4869ABAD55}">
-  <ds:schemaRefs>
-    <ds:schemaRef ds:uri="http://schemas.microsoft.com/sharepoint/v3/contenttype/forms"/>
-  </ds:schemaRefs>
-</ds:datastoreItem>
-</file>
-
-<file path=customXml/itemProps3.xml><?xml version="1.0" encoding="utf-8"?>
 <ds:datastoreItem xmlns:ds="http://schemas.openxmlformats.org/officeDocument/2006/customXml" ds:itemID="{1F69AFF4-BB30-4BA0-AD22-82CC3C43276B}">
   <ds:schemaRefs>
     <ds:schemaRef ds:uri="http://schemas.microsoft.com/office/2006/metadata/contentType"/>
@@ -18775,4 +18767,12 @@
     <ds:schemaRef ds:uri="http://schemas.microsoft.com/internal/obd"/>
   </ds:schemaRefs>
 </ds:datastoreItem>
+</file>
+
+<file path=customXml/itemProps3.xml><?xml version="1.0" encoding="utf-8"?>
+<ds:datastoreItem xmlns:ds="http://schemas.openxmlformats.org/officeDocument/2006/customXml" ds:itemID="{BA0CF3B2-1F0F-4FC5-8002-3E4869ABAD55}">
+  <ds:schemaRefs>
+    <ds:schemaRef ds:uri="http://schemas.microsoft.com/sharepoint/v3/contenttype/forms"/>
+  </ds:schemaRefs>
+</ds:datastoreItem>
 </file>
--- a/Document/ThuyetTrinh.pptx
+++ b/Document/ThuyetTrinh.pptx
@@ -7183,7 +7183,7 @@
             <a:fld id="{B61BEF0D-F0BB-DE4B-95CE-6DB70DBA9567}" type="datetimeFigureOut">
               <a:rPr lang="en-US" smtClean="0"/>
               <a:pPr/>
-              <a:t>12/1/2019</a:t>
+              <a:t>12/2/2019</a:t>
             </a:fld>
             <a:endParaRPr lang="en-US" dirty="0"/>
           </a:p>
@@ -7447,7 +7447,7 @@
             <a:fld id="{B61BEF0D-F0BB-DE4B-95CE-6DB70DBA9567}" type="datetimeFigureOut">
               <a:rPr lang="en-US" smtClean="0"/>
               <a:pPr/>
-              <a:t>12/1/2019</a:t>
+              <a:t>12/2/2019</a:t>
             </a:fld>
             <a:endParaRPr lang="en-US" dirty="0"/>
           </a:p>
@@ -7684,7 +7684,7 @@
             <a:fld id="{B61BEF0D-F0BB-DE4B-95CE-6DB70DBA9567}" type="datetimeFigureOut">
               <a:rPr lang="en-US" smtClean="0"/>
               <a:pPr/>
-              <a:t>12/1/2019</a:t>
+              <a:t>12/2/2019</a:t>
             </a:fld>
             <a:endParaRPr lang="en-US" dirty="0"/>
           </a:p>
@@ -7926,7 +7926,7 @@
             <a:fld id="{B61BEF0D-F0BB-DE4B-95CE-6DB70DBA9567}" type="datetimeFigureOut">
               <a:rPr lang="en-US" smtClean="0"/>
               <a:pPr/>
-              <a:t>12/1/2019</a:t>
+              <a:t>12/2/2019</a:t>
             </a:fld>
             <a:endParaRPr lang="en-US" dirty="0"/>
           </a:p>
@@ -8235,7 +8235,7 @@
             <a:fld id="{B61BEF0D-F0BB-DE4B-95CE-6DB70DBA9567}" type="datetimeFigureOut">
               <a:rPr lang="en-US" smtClean="0"/>
               <a:pPr/>
-              <a:t>12/1/2019</a:t>
+              <a:t>12/2/2019</a:t>
             </a:fld>
             <a:endParaRPr lang="en-US" dirty="0"/>
           </a:p>
@@ -8539,7 +8539,7 @@
             <a:fld id="{B61BEF0D-F0BB-DE4B-95CE-6DB70DBA9567}" type="datetimeFigureOut">
               <a:rPr lang="en-US" smtClean="0"/>
               <a:pPr/>
-              <a:t>12/1/2019</a:t>
+              <a:t>12/2/2019</a:t>
             </a:fld>
             <a:endParaRPr lang="en-US" dirty="0"/>
           </a:p>
@@ -8963,7 +8963,7 @@
             <a:fld id="{B61BEF0D-F0BB-DE4B-95CE-6DB70DBA9567}" type="datetimeFigureOut">
               <a:rPr lang="en-US" smtClean="0"/>
               <a:pPr/>
-              <a:t>12/1/2019</a:t>
+              <a:t>12/2/2019</a:t>
             </a:fld>
             <a:endParaRPr lang="en-US" dirty="0"/>
           </a:p>
@@ -9060,7 +9060,7 @@
             <a:fld id="{B61BEF0D-F0BB-DE4B-95CE-6DB70DBA9567}" type="datetimeFigureOut">
               <a:rPr lang="en-US" smtClean="0"/>
               <a:pPr/>
-              <a:t>12/1/2019</a:t>
+              <a:t>12/2/2019</a:t>
             </a:fld>
             <a:endParaRPr lang="en-US" dirty="0"/>
           </a:p>
@@ -9224,7 +9224,7 @@
             <a:fld id="{B61BEF0D-F0BB-DE4B-95CE-6DB70DBA9567}" type="datetimeFigureOut">
               <a:rPr lang="en-US" smtClean="0"/>
               <a:pPr/>
-              <a:t>12/1/2019</a:t>
+              <a:t>12/2/2019</a:t>
             </a:fld>
             <a:endParaRPr lang="en-US" dirty="0"/>
           </a:p>
@@ -9604,7 +9604,7 @@
             <a:fld id="{B61BEF0D-F0BB-DE4B-95CE-6DB70DBA9567}" type="datetimeFigureOut">
               <a:rPr lang="en-US" smtClean="0"/>
               <a:pPr/>
-              <a:t>12/1/2019</a:t>
+              <a:t>12/2/2019</a:t>
             </a:fld>
             <a:endParaRPr lang="en-US" dirty="0"/>
           </a:p>
@@ -9895,7 +9895,7 @@
             <a:fld id="{B61BEF0D-F0BB-DE4B-95CE-6DB70DBA9567}" type="datetimeFigureOut">
               <a:rPr lang="en-US" smtClean="0"/>
               <a:pPr/>
-              <a:t>12/1/2019</a:t>
+              <a:t>12/2/2019</a:t>
             </a:fld>
             <a:endParaRPr lang="en-US" dirty="0"/>
           </a:p>
@@ -10108,7 +10108,7 @@
             <a:fld id="{B61BEF0D-F0BB-DE4B-95CE-6DB70DBA9567}" type="datetimeFigureOut">
               <a:rPr lang="en-US" smtClean="0"/>
               <a:pPr/>
-              <a:t>12/1/2019</a:t>
+              <a:t>12/2/2019</a:t>
             </a:fld>
             <a:endParaRPr lang="en-US" dirty="0"/>
           </a:p>
@@ -10893,8 +10893,8 @@
         </p:nvSpPr>
         <p:spPr>
           <a:xfrm>
-            <a:off x="7890645" y="4000183"/>
-            <a:ext cx="3703320" cy="1461049"/>
+            <a:off x="7890645" y="4362819"/>
+            <a:ext cx="3703320" cy="1575033"/>
           </a:xfrm>
           <a:prstGeom prst="rect">
             <a:avLst/>
@@ -10919,6 +10919,54 @@
         <p:txBody>
           <a:bodyPr rtlCol="0" anchor="ctr"/>
           <a:lstStyle/>
+          <a:p>
+            <a:r>
+              <a:rPr lang="en-US" dirty="0">
+                <a:solidFill>
+                  <a:srgbClr val="7CEBFF"/>
+                </a:solidFill>
+              </a:rPr>
+              <a:t>Võ Minh Hiếu              17110136</a:t>
+            </a:r>
+          </a:p>
+          <a:p>
+            <a:r>
+              <a:rPr lang="en-US" dirty="0">
+                <a:solidFill>
+                  <a:srgbClr val="7CEBFF"/>
+                </a:solidFill>
+              </a:rPr>
+              <a:t>Huỳnh </a:t>
+            </a:r>
+            <a:r>
+              <a:rPr lang="en-US" dirty="0" err="1">
+                <a:solidFill>
+                  <a:srgbClr val="7CEBFF"/>
+                </a:solidFill>
+              </a:rPr>
+              <a:t>Xuân</a:t>
+            </a:r>
+            <a:r>
+              <a:rPr lang="en-US" dirty="0">
+                <a:solidFill>
+                  <a:srgbClr val="7CEBFF"/>
+                </a:solidFill>
+              </a:rPr>
+              <a:t> Huy         17110147</a:t>
+            </a:r>
+            <a:br>
+              <a:rPr lang="en-US" dirty="0">
+                <a:solidFill>
+                  <a:srgbClr val="7CEBFF"/>
+                </a:solidFill>
+              </a:rPr>
+            </a:br>
+            <a:endParaRPr lang="en-US" dirty="0">
+              <a:solidFill>
+                <a:srgbClr val="7CEBFF"/>
+              </a:solidFill>
+            </a:endParaRPr>
+          </a:p>
           <a:p>
             <a:r>
               <a:rPr lang="en-US" dirty="0">
@@ -10957,42 +11005,6 @@
                 <a:srgbClr val="7CEBFF"/>
               </a:solidFill>
             </a:endParaRPr>
-          </a:p>
-          <a:p>
-            <a:r>
-              <a:rPr lang="en-US" dirty="0">
-                <a:solidFill>
-                  <a:srgbClr val="7CEBFF"/>
-                </a:solidFill>
-              </a:rPr>
-              <a:t>Võ Minh Hiếu              17110136</a:t>
-            </a:r>
-          </a:p>
-          <a:p>
-            <a:r>
-              <a:rPr lang="en-US" dirty="0">
-                <a:solidFill>
-                  <a:srgbClr val="7CEBFF"/>
-                </a:solidFill>
-              </a:rPr>
-              <a:t>Huỳnh </a:t>
-            </a:r>
-            <a:r>
-              <a:rPr lang="en-US" dirty="0" err="1">
-                <a:solidFill>
-                  <a:srgbClr val="7CEBFF"/>
-                </a:solidFill>
-              </a:rPr>
-              <a:t>Xuân</a:t>
-            </a:r>
-            <a:r>
-              <a:rPr lang="en-US" dirty="0">
-                <a:solidFill>
-                  <a:srgbClr val="7CEBFF"/>
-                </a:solidFill>
-              </a:rPr>
-              <a:t> Huy         17110147</a:t>
-            </a:r>
           </a:p>
         </p:txBody>
       </p:sp>
@@ -11048,8 +11060,12 @@
           <a:lstStyle/>
           <a:p>
             <a:r>
+              <a:rPr lang="en-US" dirty="0" err="1"/>
+              <a:t>CácH</a:t>
+            </a:r>
+            <a:r>
               <a:rPr lang="en-US" dirty="0"/>
-              <a:t>Các hoạt động</a:t>
+              <a:t> hoạt động</a:t>
             </a:r>
           </a:p>
         </p:txBody>
@@ -11831,7 +11847,7 @@
         </p:spPr>
         <p:txBody>
           <a:bodyPr>
-            <a:normAutofit fontScale="85000" lnSpcReduction="20000"/>
+            <a:normAutofit fontScale="92500" lnSpcReduction="10000"/>
           </a:bodyPr>
           <a:lstStyle/>
           <a:p>
@@ -11888,21 +11904,6 @@
               <a:t>Phân vùng 3x3 rõ ràng cho người chơi dễ phân biệt các số</a:t>
             </a:r>
             <a:endParaRPr lang="en-US" sz="2400" dirty="0">
-              <a:latin typeface="Times New Roman" panose="02020603050405020304" pitchFamily="18" charset="0"/>
-              <a:cs typeface="Times New Roman" panose="02020603050405020304" pitchFamily="18" charset="0"/>
-            </a:endParaRPr>
-          </a:p>
-          <a:p>
-            <a:r>
-              <a:rPr lang="vi-VN" sz="2400" dirty="0">
-                <a:latin typeface="Times New Roman" panose="02020603050405020304" pitchFamily="18" charset="0"/>
-                <a:cs typeface="Times New Roman" panose="02020603050405020304" pitchFamily="18" charset="0"/>
-              </a:rPr>
-              <a:t>Có chức năng Hint giúp người chơi giải dễ dàng hơn.</a:t>
-            </a:r>
-          </a:p>
-          <a:p>
-            <a:endParaRPr lang="en-US" dirty="0">
               <a:latin typeface="Times New Roman" panose="02020603050405020304" pitchFamily="18" charset="0"/>
               <a:cs typeface="Times New Roman" panose="02020603050405020304" pitchFamily="18" charset="0"/>
             </a:endParaRPr>
@@ -11990,7 +11991,7 @@
         </p:spPr>
         <p:txBody>
           <a:bodyPr>
-            <a:normAutofit fontScale="85000" lnSpcReduction="20000"/>
+            <a:normAutofit fontScale="92500" lnSpcReduction="10000"/>
           </a:bodyPr>
           <a:lstStyle/>
           <a:p>
@@ -12440,7 +12441,7 @@
                             </p:stCondLst>
                             <p:childTnLst>
                               <p:par>
-                                <p:cTn id="35" presetID="14" presetClass="entr" presetSubtype="10" fill="hold" nodeType="clickEffect">
+                                <p:cTn id="35" presetID="22" presetClass="entr" presetSubtype="4" fill="hold" nodeType="clickEffect">
                                   <p:stCondLst>
                                     <p:cond delay="0"/>
                                   </p:stCondLst>
@@ -12453,9 +12454,9 @@
                                           </p:stCondLst>
                                         </p:cTn>
                                         <p:tgtEl>
-                                          <p:spTgt spid="5">
+                                          <p:spTgt spid="7">
                                             <p:txEl>
-                                              <p:pRg st="6" end="6"/>
+                                              <p:pRg st="0" end="0"/>
                                             </p:txEl>
                                           </p:spTgt>
                                         </p:tgtEl>
@@ -12467,13 +12468,13 @@
                                         <p:strVal val="visible"/>
                                       </p:to>
                                     </p:set>
-                                    <p:animEffect transition="in" filter="randombar(horizontal)">
+                                    <p:animEffect transition="in" filter="wipe(down)">
                                       <p:cBhvr>
                                         <p:cTn id="37" dur="500"/>
                                         <p:tgtEl>
-                                          <p:spTgt spid="5">
+                                          <p:spTgt spid="7">
                                             <p:txEl>
-                                              <p:pRg st="6" end="6"/>
+                                              <p:pRg st="0" end="0"/>
                                             </p:txEl>
                                           </p:spTgt>
                                         </p:tgtEl>
@@ -12516,7 +12517,7 @@
                                         <p:tgtEl>
                                           <p:spTgt spid="7">
                                             <p:txEl>
-                                              <p:pRg st="0" end="0"/>
+                                              <p:pRg st="1" end="1"/>
                                             </p:txEl>
                                           </p:spTgt>
                                         </p:tgtEl>
@@ -12534,7 +12535,7 @@
                                         <p:tgtEl>
                                           <p:spTgt spid="7">
                                             <p:txEl>
-                                              <p:pRg st="0" end="0"/>
+                                              <p:pRg st="1" end="1"/>
                                             </p:txEl>
                                           </p:spTgt>
                                         </p:tgtEl>
@@ -12577,7 +12578,7 @@
                                         <p:tgtEl>
                                           <p:spTgt spid="7">
                                             <p:txEl>
-                                              <p:pRg st="1" end="1"/>
+                                              <p:pRg st="2" end="2"/>
                                             </p:txEl>
                                           </p:spTgt>
                                         </p:tgtEl>
@@ -12595,7 +12596,7 @@
                                         <p:tgtEl>
                                           <p:spTgt spid="7">
                                             <p:txEl>
-                                              <p:pRg st="1" end="1"/>
+                                              <p:pRg st="2" end="2"/>
                                             </p:txEl>
                                           </p:spTgt>
                                         </p:tgtEl>
@@ -12638,7 +12639,7 @@
                                         <p:tgtEl>
                                           <p:spTgt spid="7">
                                             <p:txEl>
-                                              <p:pRg st="2" end="2"/>
+                                              <p:pRg st="3" end="3"/>
                                             </p:txEl>
                                           </p:spTgt>
                                         </p:tgtEl>
@@ -12653,67 +12654,6 @@
                                     <p:animEffect transition="in" filter="wipe(down)">
                                       <p:cBhvr>
                                         <p:cTn id="52" dur="500"/>
-                                        <p:tgtEl>
-                                          <p:spTgt spid="7">
-                                            <p:txEl>
-                                              <p:pRg st="2" end="2"/>
-                                            </p:txEl>
-                                          </p:spTgt>
-                                        </p:tgtEl>
-                                      </p:cBhvr>
-                                    </p:animEffect>
-                                  </p:childTnLst>
-                                </p:cTn>
-                              </p:par>
-                            </p:childTnLst>
-                          </p:cTn>
-                        </p:par>
-                      </p:childTnLst>
-                    </p:cTn>
-                  </p:par>
-                  <p:par>
-                    <p:cTn id="53" fill="hold">
-                      <p:stCondLst>
-                        <p:cond delay="indefinite"/>
-                      </p:stCondLst>
-                      <p:childTnLst>
-                        <p:par>
-                          <p:cTn id="54" fill="hold">
-                            <p:stCondLst>
-                              <p:cond delay="0"/>
-                            </p:stCondLst>
-                            <p:childTnLst>
-                              <p:par>
-                                <p:cTn id="55" presetID="22" presetClass="entr" presetSubtype="4" fill="hold" nodeType="clickEffect">
-                                  <p:stCondLst>
-                                    <p:cond delay="0"/>
-                                  </p:stCondLst>
-                                  <p:childTnLst>
-                                    <p:set>
-                                      <p:cBhvr>
-                                        <p:cTn id="56" dur="1" fill="hold">
-                                          <p:stCondLst>
-                                            <p:cond delay="0"/>
-                                          </p:stCondLst>
-                                        </p:cTn>
-                                        <p:tgtEl>
-                                          <p:spTgt spid="7">
-                                            <p:txEl>
-                                              <p:pRg st="3" end="3"/>
-                                            </p:txEl>
-                                          </p:spTgt>
-                                        </p:tgtEl>
-                                        <p:attrNameLst>
-                                          <p:attrName>style.visibility</p:attrName>
-                                        </p:attrNameLst>
-                                      </p:cBhvr>
-                                      <p:to>
-                                        <p:strVal val="visible"/>
-                                      </p:to>
-                                    </p:set>
-                                    <p:animEffect transition="in" filter="wipe(down)">
-                                      <p:cBhvr>
-                                        <p:cTn id="57" dur="500"/>
                                         <p:tgtEl>
                                           <p:spTgt spid="7">
                                             <p:txEl>
@@ -14057,13 +13997,13 @@
             <p:ph idx="1"/>
             <p:extLst>
               <p:ext uri="{D42A27DB-BD31-4B8C-83A1-F6EECF244321}">
-                <p14:modId xmlns:p14="http://schemas.microsoft.com/office/powerpoint/2010/main" val="3910683037"/>
+                <p14:modId xmlns:p14="http://schemas.microsoft.com/office/powerpoint/2010/main" val="4008852691"/>
               </p:ext>
             </p:extLst>
           </p:nvPr>
         </p:nvGraphicFramePr>
         <p:xfrm>
-          <a:off x="645459" y="858445"/>
+          <a:off x="645459" y="892001"/>
           <a:ext cx="10903604" cy="3961205"/>
         </p:xfrm>
         <a:graphic>
@@ -18514,6 +18454,15 @@
 </file>
 
 <file path=customXml/item2.xml><?xml version="1.0" encoding="utf-8"?>
+<?mso-contentType ?>
+<FormTemplates xmlns="http://schemas.microsoft.com/sharepoint/v3/contenttype/forms">
+  <Display>DocumentLibraryForm</Display>
+  <Edit>DocumentLibraryForm</Edit>
+  <New>DocumentLibraryForm</New>
+</FormTemplates>
+</file>
+
+<file path=customXml/item3.xml><?xml version="1.0" encoding="utf-8"?>
 <ct:contentTypeSchema xmlns:ct="http://schemas.microsoft.com/office/2006/metadata/contentType" xmlns:ma="http://schemas.microsoft.com/office/2006/metadata/properties/metaAttributes" ct:_="" ma:_="" ma:contentTypeName="Document" ma:contentTypeID="0x01010079F111ED35F8CC479449609E8A0923A6" ma:contentTypeVersion="11" ma:contentTypeDescription="Create a new document." ma:contentTypeScope="" ma:versionID="1c2eb7a32e66fb6e4260f3771546a5e2">
   <xsd:schema xmlns:xsd="http://www.w3.org/2001/XMLSchema" xmlns:xs="http://www.w3.org/2001/XMLSchema" xmlns:p="http://schemas.microsoft.com/office/2006/metadata/properties" xmlns:ns2="71af3243-3dd4-4a8d-8c0d-dd76da1f02a5" xmlns:ns3="16c05727-aa75-4e4a-9b5f-8a80a1165891" targetNamespace="http://schemas.microsoft.com/office/2006/metadata/properties" ma:root="true" ma:fieldsID="04e1f6479c48b08974ba73b5ca973489" ns2:_="" ns3:_="">
     <xsd:import namespace="71af3243-3dd4-4a8d-8c0d-dd76da1f02a5"/>
@@ -18724,15 +18673,6 @@
 </ct:contentTypeSchema>
 </file>
 
-<file path=customXml/item3.xml><?xml version="1.0" encoding="utf-8"?>
-<?mso-contentType ?>
-<FormTemplates xmlns="http://schemas.microsoft.com/sharepoint/v3/contenttype/forms">
-  <Display>DocumentLibraryForm</Display>
-  <Edit>DocumentLibraryForm</Edit>
-  <New>DocumentLibraryForm</New>
-</FormTemplates>
-</file>
-
 <file path=customXml/itemProps1.xml><?xml version="1.0" encoding="utf-8"?>
 <ds:datastoreItem xmlns:ds="http://schemas.openxmlformats.org/officeDocument/2006/customXml" ds:itemID="{1EBC12AA-1C15-4500-BC9C-8EE83A441DE9}">
   <ds:schemaRefs>
@@ -18751,6 +18691,14 @@
 </file>
 
 <file path=customXml/itemProps2.xml><?xml version="1.0" encoding="utf-8"?>
+<ds:datastoreItem xmlns:ds="http://schemas.openxmlformats.org/officeDocument/2006/customXml" ds:itemID="{BA0CF3B2-1F0F-4FC5-8002-3E4869ABAD55}">
+  <ds:schemaRefs>
+    <ds:schemaRef ds:uri="http://schemas.microsoft.com/sharepoint/v3/contenttype/forms"/>
+  </ds:schemaRefs>
+</ds:datastoreItem>
+</file>
+
+<file path=customXml/itemProps3.xml><?xml version="1.0" encoding="utf-8"?>
 <ds:datastoreItem xmlns:ds="http://schemas.openxmlformats.org/officeDocument/2006/customXml" ds:itemID="{1F69AFF4-BB30-4BA0-AD22-82CC3C43276B}">
   <ds:schemaRefs>
     <ds:schemaRef ds:uri="http://schemas.microsoft.com/office/2006/metadata/contentType"/>
@@ -18767,12 +18715,4 @@
     <ds:schemaRef ds:uri="http://schemas.microsoft.com/internal/obd"/>
   </ds:schemaRefs>
 </ds:datastoreItem>
-</file>
-
-<file path=customXml/itemProps3.xml><?xml version="1.0" encoding="utf-8"?>
-<ds:datastoreItem xmlns:ds="http://schemas.openxmlformats.org/officeDocument/2006/customXml" ds:itemID="{BA0CF3B2-1F0F-4FC5-8002-3E4869ABAD55}">
-  <ds:schemaRefs>
-    <ds:schemaRef ds:uri="http://schemas.microsoft.com/sharepoint/v3/contenttype/forms"/>
-  </ds:schemaRefs>
-</ds:datastoreItem>
 </file>